--- a/Mazzi_Saïd_4_presentation_012023.pptx
+++ b/Mazzi_Saïd_4_presentation_012023.pptx
@@ -5,7 +5,7 @@
     <p:sldMasterId id="2147483670" r:id="rId1"/>
   </p:sldMasterIdLst>
   <p:notesMasterIdLst>
-    <p:notesMasterId r:id="rId12"/>
+    <p:notesMasterId r:id="rId18"/>
   </p:notesMasterIdLst>
   <p:sldIdLst>
     <p:sldId id="256" r:id="rId2"/>
@@ -16,27 +16,33 @@
     <p:sldId id="366" r:id="rId7"/>
     <p:sldId id="369" r:id="rId8"/>
     <p:sldId id="389" r:id="rId9"/>
-    <p:sldId id="388" r:id="rId10"/>
-    <p:sldId id="330" r:id="rId11"/>
+    <p:sldId id="390" r:id="rId10"/>
+    <p:sldId id="391" r:id="rId11"/>
+    <p:sldId id="392" r:id="rId12"/>
+    <p:sldId id="393" r:id="rId13"/>
+    <p:sldId id="394" r:id="rId14"/>
+    <p:sldId id="395" r:id="rId15"/>
+    <p:sldId id="388" r:id="rId16"/>
+    <p:sldId id="330" r:id="rId17"/>
   </p:sldIdLst>
   <p:sldSz cx="9144000" cy="5143500" type="screen16x9"/>
   <p:notesSz cx="6858000" cy="9144000"/>
   <p:embeddedFontLst>
     <p:embeddedFont>
       <p:font typeface="Fira Sans Condensed Medium" panose="020B0603050000020004" pitchFamily="34" charset="0"/>
-      <p:regular r:id="rId13"/>
-      <p:bold r:id="rId14"/>
-      <p:italic r:id="rId15"/>
-      <p:boldItalic r:id="rId16"/>
+      <p:regular r:id="rId19"/>
+      <p:bold r:id="rId20"/>
+      <p:italic r:id="rId21"/>
+      <p:boldItalic r:id="rId22"/>
     </p:embeddedFont>
     <p:embeddedFont>
       <p:font typeface="Maven Pro" pitchFamily="2" charset="77"/>
-      <p:regular r:id="rId17"/>
-      <p:bold r:id="rId18"/>
+      <p:regular r:id="rId23"/>
+      <p:bold r:id="rId24"/>
     </p:embeddedFont>
     <p:embeddedFont>
       <p:font typeface="Share Tech" pitchFamily="2" charset="77"/>
-      <p:regular r:id="rId19"/>
+      <p:regular r:id="rId25"/>
     </p:embeddedFont>
   </p:embeddedFontLst>
   <p:defaultTextStyle>
@@ -3243,6 +3249,788 @@
     <dgm:fillClrLst meth="repeat">
       <a:schemeClr val="accent1">
         <a:tint val="60000"/>
+      </a:schemeClr>
+    </dgm:fillClrLst>
+    <dgm:linClrLst meth="repeat">
+      <a:schemeClr val="lt1"/>
+    </dgm:linClrLst>
+    <dgm:effectClrLst/>
+    <dgm:txLinClrLst/>
+    <dgm:txFillClrLst meth="repeat">
+      <a:schemeClr val="dk1"/>
+    </dgm:txFillClrLst>
+    <dgm:txEffectClrLst/>
+  </dgm:styleLbl>
+  <dgm:styleLbl name="revTx">
+    <dgm:fillClrLst meth="repeat">
+      <a:schemeClr val="lt1">
+        <a:alpha val="0"/>
+      </a:schemeClr>
+    </dgm:fillClrLst>
+    <dgm:linClrLst meth="repeat">
+      <a:schemeClr val="dk1">
+        <a:alpha val="0"/>
+      </a:schemeClr>
+    </dgm:linClrLst>
+    <dgm:effectClrLst/>
+    <dgm:txLinClrLst/>
+    <dgm:txFillClrLst meth="repeat">
+      <a:schemeClr val="tx1"/>
+    </dgm:txFillClrLst>
+    <dgm:txEffectClrLst/>
+  </dgm:styleLbl>
+</dgm:colorsDef>
+</file>
+
+<file path=ppt/diagrams/colors5.xml><?xml version="1.0" encoding="utf-8"?>
+<dgm:colorsDef xmlns:dgm="http://schemas.openxmlformats.org/drawingml/2006/diagram" xmlns:a="http://schemas.openxmlformats.org/drawingml/2006/main" uniqueId="urn:microsoft.com/office/officeart/2005/8/colors/colorful3">
+  <dgm:title val=""/>
+  <dgm:desc val=""/>
+  <dgm:catLst>
+    <dgm:cat type="colorful" pri="10300"/>
+  </dgm:catLst>
+  <dgm:styleLbl name="node0">
+    <dgm:fillClrLst meth="repeat">
+      <a:schemeClr val="accent2"/>
+    </dgm:fillClrLst>
+    <dgm:linClrLst meth="repeat">
+      <a:schemeClr val="lt1"/>
+    </dgm:linClrLst>
+    <dgm:effectClrLst/>
+    <dgm:txLinClrLst/>
+    <dgm:txFillClrLst/>
+    <dgm:txEffectClrLst/>
+  </dgm:styleLbl>
+  <dgm:styleLbl name="node1">
+    <dgm:fillClrLst>
+      <a:schemeClr val="accent3"/>
+      <a:schemeClr val="accent4"/>
+    </dgm:fillClrLst>
+    <dgm:linClrLst meth="repeat">
+      <a:schemeClr val="lt1"/>
+    </dgm:linClrLst>
+    <dgm:effectClrLst/>
+    <dgm:txLinClrLst/>
+    <dgm:txFillClrLst/>
+    <dgm:txEffectClrLst/>
+  </dgm:styleLbl>
+  <dgm:styleLbl name="alignNode1">
+    <dgm:fillClrLst>
+      <a:schemeClr val="accent3"/>
+      <a:schemeClr val="accent4"/>
+    </dgm:fillClrLst>
+    <dgm:linClrLst>
+      <a:schemeClr val="accent3"/>
+      <a:schemeClr val="accent4"/>
+    </dgm:linClrLst>
+    <dgm:effectClrLst/>
+    <dgm:txLinClrLst/>
+    <dgm:txFillClrLst/>
+    <dgm:txEffectClrLst/>
+  </dgm:styleLbl>
+  <dgm:styleLbl name="lnNode1">
+    <dgm:fillClrLst>
+      <a:schemeClr val="accent3"/>
+      <a:schemeClr val="accent4"/>
+    </dgm:fillClrLst>
+    <dgm:linClrLst meth="repeat">
+      <a:schemeClr val="lt1"/>
+    </dgm:linClrLst>
+    <dgm:effectClrLst/>
+    <dgm:txLinClrLst/>
+    <dgm:txFillClrLst/>
+    <dgm:txEffectClrLst/>
+  </dgm:styleLbl>
+  <dgm:styleLbl name="vennNode1">
+    <dgm:fillClrLst>
+      <a:schemeClr val="accent3">
+        <a:alpha val="50000"/>
+      </a:schemeClr>
+      <a:schemeClr val="accent4">
+        <a:alpha val="50000"/>
+      </a:schemeClr>
+    </dgm:fillClrLst>
+    <dgm:linClrLst meth="repeat">
+      <a:schemeClr val="lt1"/>
+    </dgm:linClrLst>
+    <dgm:effectClrLst/>
+    <dgm:txLinClrLst/>
+    <dgm:txFillClrLst/>
+    <dgm:txEffectClrLst/>
+  </dgm:styleLbl>
+  <dgm:styleLbl name="node2">
+    <dgm:fillClrLst>
+      <a:schemeClr val="accent4"/>
+    </dgm:fillClrLst>
+    <dgm:linClrLst meth="repeat">
+      <a:schemeClr val="lt1"/>
+    </dgm:linClrLst>
+    <dgm:effectClrLst/>
+    <dgm:txLinClrLst/>
+    <dgm:txFillClrLst/>
+    <dgm:txEffectClrLst/>
+  </dgm:styleLbl>
+  <dgm:styleLbl name="node3">
+    <dgm:fillClrLst>
+      <a:schemeClr val="accent5"/>
+    </dgm:fillClrLst>
+    <dgm:linClrLst meth="repeat">
+      <a:schemeClr val="lt1"/>
+    </dgm:linClrLst>
+    <dgm:effectClrLst/>
+    <dgm:txLinClrLst/>
+    <dgm:txFillClrLst/>
+    <dgm:txEffectClrLst/>
+  </dgm:styleLbl>
+  <dgm:styleLbl name="node4">
+    <dgm:fillClrLst>
+      <a:schemeClr val="accent6"/>
+    </dgm:fillClrLst>
+    <dgm:linClrLst meth="repeat">
+      <a:schemeClr val="lt1"/>
+    </dgm:linClrLst>
+    <dgm:effectClrLst/>
+    <dgm:txLinClrLst/>
+    <dgm:txFillClrLst/>
+    <dgm:txEffectClrLst/>
+  </dgm:styleLbl>
+  <dgm:styleLbl name="fgImgPlace1">
+    <dgm:fillClrLst>
+      <a:schemeClr val="accent3">
+        <a:tint val="50000"/>
+      </a:schemeClr>
+      <a:schemeClr val="accent4">
+        <a:tint val="50000"/>
+      </a:schemeClr>
+    </dgm:fillClrLst>
+    <dgm:linClrLst meth="repeat">
+      <a:schemeClr val="lt1"/>
+    </dgm:linClrLst>
+    <dgm:effectClrLst/>
+    <dgm:txLinClrLst/>
+    <dgm:txFillClrLst meth="repeat">
+      <a:schemeClr val="lt1"/>
+    </dgm:txFillClrLst>
+    <dgm:txEffectClrLst/>
+  </dgm:styleLbl>
+  <dgm:styleLbl name="alignImgPlace1">
+    <dgm:fillClrLst>
+      <a:schemeClr val="accent3">
+        <a:tint val="50000"/>
+      </a:schemeClr>
+      <a:schemeClr val="accent4">
+        <a:tint val="20000"/>
+      </a:schemeClr>
+    </dgm:fillClrLst>
+    <dgm:linClrLst meth="repeat">
+      <a:schemeClr val="lt1"/>
+    </dgm:linClrLst>
+    <dgm:effectClrLst/>
+    <dgm:txLinClrLst/>
+    <dgm:txFillClrLst meth="repeat">
+      <a:schemeClr val="lt1"/>
+    </dgm:txFillClrLst>
+    <dgm:txEffectClrLst/>
+  </dgm:styleLbl>
+  <dgm:styleLbl name="bgImgPlace1">
+    <dgm:fillClrLst>
+      <a:schemeClr val="accent3">
+        <a:tint val="50000"/>
+      </a:schemeClr>
+      <a:schemeClr val="accent4">
+        <a:tint val="20000"/>
+      </a:schemeClr>
+    </dgm:fillClrLst>
+    <dgm:linClrLst meth="repeat">
+      <a:schemeClr val="lt1"/>
+    </dgm:linClrLst>
+    <dgm:effectClrLst/>
+    <dgm:txLinClrLst/>
+    <dgm:txFillClrLst meth="repeat">
+      <a:schemeClr val="lt1"/>
+    </dgm:txFillClrLst>
+    <dgm:txEffectClrLst/>
+  </dgm:styleLbl>
+  <dgm:styleLbl name="sibTrans2D1">
+    <dgm:fillClrLst>
+      <a:schemeClr val="accent3"/>
+      <a:schemeClr val="accent4"/>
+    </dgm:fillClrLst>
+    <dgm:linClrLst meth="repeat">
+      <a:schemeClr val="lt1"/>
+    </dgm:linClrLst>
+    <dgm:effectClrLst/>
+    <dgm:txLinClrLst/>
+    <dgm:txFillClrLst/>
+    <dgm:txEffectClrLst/>
+  </dgm:styleLbl>
+  <dgm:styleLbl name="fgSibTrans2D1">
+    <dgm:fillClrLst>
+      <a:schemeClr val="accent3"/>
+      <a:schemeClr val="accent4"/>
+    </dgm:fillClrLst>
+    <dgm:linClrLst meth="repeat">
+      <a:schemeClr val="lt1"/>
+    </dgm:linClrLst>
+    <dgm:effectClrLst/>
+    <dgm:txLinClrLst/>
+    <dgm:txFillClrLst meth="repeat">
+      <a:schemeClr val="lt1"/>
+    </dgm:txFillClrLst>
+    <dgm:txEffectClrLst/>
+  </dgm:styleLbl>
+  <dgm:styleLbl name="bgSibTrans2D1">
+    <dgm:fillClrLst>
+      <a:schemeClr val="accent3"/>
+      <a:schemeClr val="accent4"/>
+    </dgm:fillClrLst>
+    <dgm:linClrLst meth="repeat">
+      <a:schemeClr val="lt1"/>
+    </dgm:linClrLst>
+    <dgm:effectClrLst/>
+    <dgm:txLinClrLst/>
+    <dgm:txFillClrLst meth="repeat">
+      <a:schemeClr val="lt1"/>
+    </dgm:txFillClrLst>
+    <dgm:txEffectClrLst/>
+  </dgm:styleLbl>
+  <dgm:styleLbl name="sibTrans1D1">
+    <dgm:fillClrLst/>
+    <dgm:linClrLst>
+      <a:schemeClr val="accent3"/>
+      <a:schemeClr val="accent4"/>
+    </dgm:linClrLst>
+    <dgm:effectClrLst/>
+    <dgm:txLinClrLst/>
+    <dgm:txFillClrLst meth="repeat">
+      <a:schemeClr val="tx1"/>
+    </dgm:txFillClrLst>
+    <dgm:txEffectClrLst/>
+  </dgm:styleLbl>
+  <dgm:styleLbl name="callout">
+    <dgm:fillClrLst meth="repeat">
+      <a:schemeClr val="accent3"/>
+    </dgm:fillClrLst>
+    <dgm:linClrLst meth="repeat">
+      <a:schemeClr val="accent3">
+        <a:tint val="50000"/>
+      </a:schemeClr>
+    </dgm:linClrLst>
+    <dgm:effectClrLst/>
+    <dgm:txLinClrLst/>
+    <dgm:txFillClrLst meth="repeat">
+      <a:schemeClr val="tx1"/>
+    </dgm:txFillClrLst>
+    <dgm:txEffectClrLst/>
+  </dgm:styleLbl>
+  <dgm:styleLbl name="asst0">
+    <dgm:fillClrLst meth="repeat">
+      <a:schemeClr val="accent3"/>
+    </dgm:fillClrLst>
+    <dgm:linClrLst meth="repeat">
+      <a:schemeClr val="lt1">
+        <a:shade val="80000"/>
+      </a:schemeClr>
+    </dgm:linClrLst>
+    <dgm:effectClrLst/>
+    <dgm:txLinClrLst/>
+    <dgm:txFillClrLst/>
+    <dgm:txEffectClrLst/>
+  </dgm:styleLbl>
+  <dgm:styleLbl name="asst1">
+    <dgm:fillClrLst meth="repeat">
+      <a:schemeClr val="accent4"/>
+    </dgm:fillClrLst>
+    <dgm:linClrLst meth="repeat">
+      <a:schemeClr val="lt1">
+        <a:shade val="80000"/>
+      </a:schemeClr>
+    </dgm:linClrLst>
+    <dgm:effectClrLst/>
+    <dgm:txLinClrLst/>
+    <dgm:txFillClrLst/>
+    <dgm:txEffectClrLst/>
+  </dgm:styleLbl>
+  <dgm:styleLbl name="asst2">
+    <dgm:fillClrLst>
+      <a:schemeClr val="accent5"/>
+    </dgm:fillClrLst>
+    <dgm:linClrLst meth="repeat">
+      <a:schemeClr val="lt1"/>
+    </dgm:linClrLst>
+    <dgm:effectClrLst/>
+    <dgm:txLinClrLst/>
+    <dgm:txFillClrLst/>
+    <dgm:txEffectClrLst/>
+  </dgm:styleLbl>
+  <dgm:styleLbl name="asst3">
+    <dgm:fillClrLst>
+      <a:schemeClr val="accent6"/>
+    </dgm:fillClrLst>
+    <dgm:linClrLst meth="repeat">
+      <a:schemeClr val="lt1"/>
+    </dgm:linClrLst>
+    <dgm:effectClrLst/>
+    <dgm:txLinClrLst/>
+    <dgm:txFillClrLst/>
+    <dgm:txEffectClrLst/>
+  </dgm:styleLbl>
+  <dgm:styleLbl name="asst4">
+    <dgm:fillClrLst>
+      <a:schemeClr val="accent1"/>
+    </dgm:fillClrLst>
+    <dgm:linClrLst meth="repeat">
+      <a:schemeClr val="lt1"/>
+    </dgm:linClrLst>
+    <dgm:effectClrLst/>
+    <dgm:txLinClrLst/>
+    <dgm:txFillClrLst/>
+    <dgm:txEffectClrLst/>
+  </dgm:styleLbl>
+  <dgm:styleLbl name="parChTrans2D1">
+    <dgm:fillClrLst meth="repeat">
+      <a:schemeClr val="accent2"/>
+    </dgm:fillClrLst>
+    <dgm:linClrLst meth="repeat">
+      <a:schemeClr val="lt1"/>
+    </dgm:linClrLst>
+    <dgm:effectClrLst/>
+    <dgm:txLinClrLst/>
+    <dgm:txFillClrLst meth="repeat">
+      <a:schemeClr val="lt1"/>
+    </dgm:txFillClrLst>
+    <dgm:txEffectClrLst/>
+  </dgm:styleLbl>
+  <dgm:styleLbl name="parChTrans2D2">
+    <dgm:fillClrLst meth="repeat">
+      <a:schemeClr val="accent3"/>
+    </dgm:fillClrLst>
+    <dgm:linClrLst meth="repeat">
+      <a:schemeClr val="lt1"/>
+    </dgm:linClrLst>
+    <dgm:effectClrLst/>
+    <dgm:txLinClrLst/>
+    <dgm:txFillClrLst/>
+    <dgm:txEffectClrLst/>
+  </dgm:styleLbl>
+  <dgm:styleLbl name="parChTrans2D3">
+    <dgm:fillClrLst meth="repeat">
+      <a:schemeClr val="accent4"/>
+    </dgm:fillClrLst>
+    <dgm:linClrLst meth="repeat">
+      <a:schemeClr val="lt1"/>
+    </dgm:linClrLst>
+    <dgm:effectClrLst/>
+    <dgm:txLinClrLst/>
+    <dgm:txFillClrLst/>
+    <dgm:txEffectClrLst/>
+  </dgm:styleLbl>
+  <dgm:styleLbl name="parChTrans2D4">
+    <dgm:fillClrLst meth="repeat">
+      <a:schemeClr val="accent5"/>
+    </dgm:fillClrLst>
+    <dgm:linClrLst meth="repeat">
+      <a:schemeClr val="lt1"/>
+    </dgm:linClrLst>
+    <dgm:effectClrLst/>
+    <dgm:txLinClrLst/>
+    <dgm:txFillClrLst meth="repeat">
+      <a:schemeClr val="lt1"/>
+    </dgm:txFillClrLst>
+    <dgm:txEffectClrLst/>
+  </dgm:styleLbl>
+  <dgm:styleLbl name="parChTrans1D1">
+    <dgm:fillClrLst meth="repeat">
+      <a:schemeClr val="accent3"/>
+    </dgm:fillClrLst>
+    <dgm:linClrLst meth="repeat">
+      <a:schemeClr val="accent3"/>
+    </dgm:linClrLst>
+    <dgm:effectClrLst/>
+    <dgm:txLinClrLst/>
+    <dgm:txFillClrLst meth="repeat">
+      <a:schemeClr val="tx1"/>
+    </dgm:txFillClrLst>
+    <dgm:txEffectClrLst/>
+  </dgm:styleLbl>
+  <dgm:styleLbl name="parChTrans1D2">
+    <dgm:fillClrLst meth="repeat">
+      <a:schemeClr val="accent2">
+        <a:tint val="90000"/>
+      </a:schemeClr>
+    </dgm:fillClrLst>
+    <dgm:linClrLst meth="repeat">
+      <a:schemeClr val="accent4"/>
+    </dgm:linClrLst>
+    <dgm:effectClrLst/>
+    <dgm:txLinClrLst/>
+    <dgm:txFillClrLst meth="repeat">
+      <a:schemeClr val="tx1"/>
+    </dgm:txFillClrLst>
+    <dgm:txEffectClrLst/>
+  </dgm:styleLbl>
+  <dgm:styleLbl name="parChTrans1D3">
+    <dgm:fillClrLst meth="repeat">
+      <a:schemeClr val="accent2">
+        <a:tint val="70000"/>
+      </a:schemeClr>
+    </dgm:fillClrLst>
+    <dgm:linClrLst meth="repeat">
+      <a:schemeClr val="accent5"/>
+    </dgm:linClrLst>
+    <dgm:effectClrLst/>
+    <dgm:txLinClrLst/>
+    <dgm:txFillClrLst meth="repeat">
+      <a:schemeClr val="tx1"/>
+    </dgm:txFillClrLst>
+    <dgm:txEffectClrLst/>
+  </dgm:styleLbl>
+  <dgm:styleLbl name="parChTrans1D4">
+    <dgm:fillClrLst meth="repeat">
+      <a:schemeClr val="accent6">
+        <a:tint val="50000"/>
+      </a:schemeClr>
+    </dgm:fillClrLst>
+    <dgm:linClrLst meth="repeat">
+      <a:schemeClr val="accent6"/>
+    </dgm:linClrLst>
+    <dgm:effectClrLst/>
+    <dgm:txLinClrLst/>
+    <dgm:txFillClrLst meth="repeat">
+      <a:schemeClr val="tx1"/>
+    </dgm:txFillClrLst>
+    <dgm:txEffectClrLst/>
+  </dgm:styleLbl>
+  <dgm:styleLbl name="fgAcc1">
+    <dgm:fillClrLst meth="repeat">
+      <a:schemeClr val="lt1">
+        <a:alpha val="90000"/>
+      </a:schemeClr>
+    </dgm:fillClrLst>
+    <dgm:linClrLst>
+      <a:schemeClr val="accent3"/>
+      <a:schemeClr val="accent4"/>
+    </dgm:linClrLst>
+    <dgm:effectClrLst/>
+    <dgm:txLinClrLst/>
+    <dgm:txFillClrLst meth="repeat">
+      <a:schemeClr val="dk1"/>
+    </dgm:txFillClrLst>
+    <dgm:txEffectClrLst/>
+  </dgm:styleLbl>
+  <dgm:styleLbl name="conFgAcc1">
+    <dgm:fillClrLst meth="repeat">
+      <a:schemeClr val="lt1">
+        <a:alpha val="90000"/>
+      </a:schemeClr>
+    </dgm:fillClrLst>
+    <dgm:linClrLst>
+      <a:schemeClr val="accent3"/>
+      <a:schemeClr val="accent4"/>
+    </dgm:linClrLst>
+    <dgm:effectClrLst/>
+    <dgm:txLinClrLst/>
+    <dgm:txFillClrLst meth="repeat">
+      <a:schemeClr val="dk1"/>
+    </dgm:txFillClrLst>
+    <dgm:txEffectClrLst/>
+  </dgm:styleLbl>
+  <dgm:styleLbl name="alignAcc1">
+    <dgm:fillClrLst meth="repeat">
+      <a:schemeClr val="lt1">
+        <a:alpha val="90000"/>
+      </a:schemeClr>
+    </dgm:fillClrLst>
+    <dgm:linClrLst>
+      <a:schemeClr val="accent3"/>
+      <a:schemeClr val="accent4"/>
+    </dgm:linClrLst>
+    <dgm:effectClrLst/>
+    <dgm:txLinClrLst/>
+    <dgm:txFillClrLst meth="repeat">
+      <a:schemeClr val="dk1"/>
+    </dgm:txFillClrLst>
+    <dgm:txEffectClrLst/>
+  </dgm:styleLbl>
+  <dgm:styleLbl name="trAlignAcc1">
+    <dgm:fillClrLst meth="repeat">
+      <a:schemeClr val="lt1">
+        <a:alpha val="40000"/>
+      </a:schemeClr>
+    </dgm:fillClrLst>
+    <dgm:linClrLst meth="repeat">
+      <a:schemeClr val="accent2"/>
+    </dgm:linClrLst>
+    <dgm:effectClrLst/>
+    <dgm:txLinClrLst/>
+    <dgm:txFillClrLst meth="repeat">
+      <a:schemeClr val="dk1"/>
+    </dgm:txFillClrLst>
+    <dgm:txEffectClrLst/>
+  </dgm:styleLbl>
+  <dgm:styleLbl name="bgAcc1">
+    <dgm:fillClrLst meth="repeat">
+      <a:schemeClr val="lt1">
+        <a:alpha val="90000"/>
+      </a:schemeClr>
+    </dgm:fillClrLst>
+    <dgm:linClrLst>
+      <a:schemeClr val="accent3"/>
+      <a:schemeClr val="accent4"/>
+    </dgm:linClrLst>
+    <dgm:effectClrLst/>
+    <dgm:txLinClrLst/>
+    <dgm:txFillClrLst meth="repeat">
+      <a:schemeClr val="dk1"/>
+    </dgm:txFillClrLst>
+    <dgm:txEffectClrLst/>
+  </dgm:styleLbl>
+  <dgm:styleLbl name="solidFgAcc1">
+    <dgm:fillClrLst meth="repeat">
+      <a:schemeClr val="lt1"/>
+    </dgm:fillClrLst>
+    <dgm:linClrLst>
+      <a:schemeClr val="accent3"/>
+      <a:schemeClr val="accent4"/>
+    </dgm:linClrLst>
+    <dgm:effectClrLst/>
+    <dgm:txLinClrLst/>
+    <dgm:txFillClrLst meth="repeat">
+      <a:schemeClr val="dk1"/>
+    </dgm:txFillClrLst>
+    <dgm:txEffectClrLst/>
+  </dgm:styleLbl>
+  <dgm:styleLbl name="solidAlignAcc1">
+    <dgm:fillClrLst meth="repeat">
+      <a:schemeClr val="lt1"/>
+    </dgm:fillClrLst>
+    <dgm:linClrLst>
+      <a:schemeClr val="accent3"/>
+      <a:schemeClr val="accent4"/>
+    </dgm:linClrLst>
+    <dgm:effectClrLst/>
+    <dgm:txLinClrLst/>
+    <dgm:txFillClrLst meth="repeat">
+      <a:schemeClr val="dk1"/>
+    </dgm:txFillClrLst>
+    <dgm:txEffectClrLst/>
+  </dgm:styleLbl>
+  <dgm:styleLbl name="solidBgAcc1">
+    <dgm:fillClrLst meth="repeat">
+      <a:schemeClr val="lt1"/>
+    </dgm:fillClrLst>
+    <dgm:linClrLst>
+      <a:schemeClr val="accent3"/>
+      <a:schemeClr val="accent4"/>
+    </dgm:linClrLst>
+    <dgm:effectClrLst/>
+    <dgm:txLinClrLst/>
+    <dgm:txFillClrLst meth="repeat">
+      <a:schemeClr val="dk1"/>
+    </dgm:txFillClrLst>
+    <dgm:txEffectClrLst/>
+  </dgm:styleLbl>
+  <dgm:styleLbl name="fgAccFollowNode1">
+    <dgm:fillClrLst>
+      <a:schemeClr val="accent3">
+        <a:tint val="40000"/>
+        <a:alpha val="90000"/>
+      </a:schemeClr>
+      <a:schemeClr val="accent4">
+        <a:tint val="40000"/>
+        <a:alpha val="90000"/>
+      </a:schemeClr>
+    </dgm:fillClrLst>
+    <dgm:linClrLst>
+      <a:schemeClr val="accent3">
+        <a:tint val="40000"/>
+        <a:alpha val="90000"/>
+      </a:schemeClr>
+      <a:schemeClr val="accent4">
+        <a:tint val="40000"/>
+        <a:alpha val="90000"/>
+      </a:schemeClr>
+    </dgm:linClrLst>
+    <dgm:effectClrLst/>
+    <dgm:txLinClrLst/>
+    <dgm:txFillClrLst meth="repeat">
+      <a:schemeClr val="dk1"/>
+    </dgm:txFillClrLst>
+    <dgm:txEffectClrLst/>
+  </dgm:styleLbl>
+  <dgm:styleLbl name="alignAccFollowNode1">
+    <dgm:fillClrLst>
+      <a:schemeClr val="accent3">
+        <a:tint val="40000"/>
+        <a:alpha val="90000"/>
+      </a:schemeClr>
+      <a:schemeClr val="accent4">
+        <a:tint val="40000"/>
+        <a:alpha val="90000"/>
+      </a:schemeClr>
+    </dgm:fillClrLst>
+    <dgm:linClrLst>
+      <a:schemeClr val="accent3">
+        <a:tint val="40000"/>
+        <a:alpha val="90000"/>
+      </a:schemeClr>
+      <a:schemeClr val="accent4">
+        <a:tint val="40000"/>
+        <a:alpha val="90000"/>
+      </a:schemeClr>
+    </dgm:linClrLst>
+    <dgm:effectClrLst/>
+    <dgm:txLinClrLst/>
+    <dgm:txFillClrLst meth="repeat">
+      <a:schemeClr val="dk1"/>
+    </dgm:txFillClrLst>
+    <dgm:txEffectClrLst/>
+  </dgm:styleLbl>
+  <dgm:styleLbl name="bgAccFollowNode1">
+    <dgm:fillClrLst>
+      <a:schemeClr val="accent3">
+        <a:tint val="40000"/>
+        <a:alpha val="90000"/>
+      </a:schemeClr>
+      <a:schemeClr val="accent4">
+        <a:tint val="40000"/>
+        <a:alpha val="90000"/>
+      </a:schemeClr>
+    </dgm:fillClrLst>
+    <dgm:linClrLst>
+      <a:schemeClr val="accent3">
+        <a:tint val="40000"/>
+        <a:alpha val="90000"/>
+      </a:schemeClr>
+      <a:schemeClr val="accent4">
+        <a:tint val="40000"/>
+        <a:alpha val="90000"/>
+      </a:schemeClr>
+    </dgm:linClrLst>
+    <dgm:effectClrLst/>
+    <dgm:txLinClrLst/>
+    <dgm:txFillClrLst meth="repeat">
+      <a:schemeClr val="dk1"/>
+    </dgm:txFillClrLst>
+    <dgm:txEffectClrLst/>
+  </dgm:styleLbl>
+  <dgm:styleLbl name="fgAcc0">
+    <dgm:fillClrLst meth="repeat">
+      <a:schemeClr val="lt1">
+        <a:alpha val="90000"/>
+      </a:schemeClr>
+    </dgm:fillClrLst>
+    <dgm:linClrLst>
+      <a:schemeClr val="accent2"/>
+    </dgm:linClrLst>
+    <dgm:effectClrLst/>
+    <dgm:txLinClrLst/>
+    <dgm:txFillClrLst meth="repeat">
+      <a:schemeClr val="dk1"/>
+    </dgm:txFillClrLst>
+    <dgm:txEffectClrLst/>
+  </dgm:styleLbl>
+  <dgm:styleLbl name="fgAcc2">
+    <dgm:fillClrLst meth="repeat">
+      <a:schemeClr val="lt1">
+        <a:alpha val="90000"/>
+      </a:schemeClr>
+    </dgm:fillClrLst>
+    <dgm:linClrLst>
+      <a:schemeClr val="accent4"/>
+    </dgm:linClrLst>
+    <dgm:effectClrLst/>
+    <dgm:txLinClrLst/>
+    <dgm:txFillClrLst meth="repeat">
+      <a:schemeClr val="dk1"/>
+    </dgm:txFillClrLst>
+    <dgm:txEffectClrLst/>
+  </dgm:styleLbl>
+  <dgm:styleLbl name="fgAcc3">
+    <dgm:fillClrLst meth="repeat">
+      <a:schemeClr val="lt1">
+        <a:alpha val="90000"/>
+      </a:schemeClr>
+    </dgm:fillClrLst>
+    <dgm:linClrLst>
+      <a:schemeClr val="accent5"/>
+    </dgm:linClrLst>
+    <dgm:effectClrLst/>
+    <dgm:txLinClrLst/>
+    <dgm:txFillClrLst meth="repeat">
+      <a:schemeClr val="dk1"/>
+    </dgm:txFillClrLst>
+    <dgm:txEffectClrLst/>
+  </dgm:styleLbl>
+  <dgm:styleLbl name="fgAcc4">
+    <dgm:fillClrLst meth="repeat">
+      <a:schemeClr val="lt1">
+        <a:alpha val="90000"/>
+      </a:schemeClr>
+    </dgm:fillClrLst>
+    <dgm:linClrLst>
+      <a:schemeClr val="accent6"/>
+    </dgm:linClrLst>
+    <dgm:effectClrLst/>
+    <dgm:txLinClrLst/>
+    <dgm:txFillClrLst meth="repeat">
+      <a:schemeClr val="dk1"/>
+    </dgm:txFillClrLst>
+    <dgm:txEffectClrLst/>
+  </dgm:styleLbl>
+  <dgm:styleLbl name="bgShp">
+    <dgm:fillClrLst meth="repeat">
+      <a:schemeClr val="accent3">
+        <a:tint val="40000"/>
+      </a:schemeClr>
+    </dgm:fillClrLst>
+    <dgm:linClrLst meth="repeat">
+      <a:schemeClr val="dk1"/>
+    </dgm:linClrLst>
+    <dgm:effectClrLst/>
+    <dgm:txLinClrLst/>
+    <dgm:txFillClrLst meth="repeat">
+      <a:schemeClr val="dk1"/>
+    </dgm:txFillClrLst>
+    <dgm:txEffectClrLst/>
+  </dgm:styleLbl>
+  <dgm:styleLbl name="dkBgShp">
+    <dgm:fillClrLst meth="repeat">
+      <a:schemeClr val="accent3">
+        <a:shade val="90000"/>
+      </a:schemeClr>
+    </dgm:fillClrLst>
+    <dgm:linClrLst meth="repeat">
+      <a:schemeClr val="dk1"/>
+    </dgm:linClrLst>
+    <dgm:effectClrLst/>
+    <dgm:txLinClrLst/>
+    <dgm:txFillClrLst meth="repeat">
+      <a:schemeClr val="lt1"/>
+    </dgm:txFillClrLst>
+    <dgm:txEffectClrLst/>
+  </dgm:styleLbl>
+  <dgm:styleLbl name="trBgShp">
+    <dgm:fillClrLst meth="repeat">
+      <a:schemeClr val="accent2">
+        <a:tint val="50000"/>
+        <a:alpha val="40000"/>
+      </a:schemeClr>
+    </dgm:fillClrLst>
+    <dgm:linClrLst meth="repeat">
+      <a:schemeClr val="accent3"/>
+    </dgm:linClrLst>
+    <dgm:effectClrLst/>
+    <dgm:txLinClrLst/>
+    <dgm:txFillClrLst meth="repeat">
+      <a:schemeClr val="lt1"/>
+    </dgm:txFillClrLst>
+    <dgm:txEffectClrLst/>
+  </dgm:styleLbl>
+  <dgm:styleLbl name="fgShp">
+    <dgm:fillClrLst meth="repeat">
+      <a:schemeClr val="accent3">
+        <a:tint val="40000"/>
       </a:schemeClr>
     </dgm:fillClrLst>
     <dgm:linClrLst meth="repeat">
@@ -5274,6 +6062,183 @@
   <dgm:extLst>
     <a:ext uri="http://schemas.microsoft.com/office/drawing/2008/diagram">
       <dsp:dataModelExt xmlns:dsp="http://schemas.microsoft.com/office/drawing/2008/diagram" relId="rId7" minVer="http://schemas.openxmlformats.org/drawingml/2006/diagram"/>
+    </a:ext>
+  </dgm:extLst>
+</dgm:dataModel>
+</file>
+
+<file path=ppt/diagrams/data5.xml><?xml version="1.0" encoding="utf-8"?>
+<dgm:dataModel xmlns:dgm="http://schemas.openxmlformats.org/drawingml/2006/diagram" xmlns:a="http://schemas.openxmlformats.org/drawingml/2006/main">
+  <dgm:ptLst>
+    <dgm:pt modelId="{259B4256-38AE-5B45-98B4-AAD5F4563F36}" type="doc">
+      <dgm:prSet loTypeId="urn:microsoft.com/office/officeart/2005/8/layout/arrow4" loCatId="" qsTypeId="urn:microsoft.com/office/officeart/2005/8/quickstyle/simple5" qsCatId="simple" csTypeId="urn:microsoft.com/office/officeart/2005/8/colors/colorful3" csCatId="colorful" phldr="1"/>
+      <dgm:spPr/>
+      <dgm:t>
+        <a:bodyPr/>
+        <a:lstStyle/>
+        <a:p>
+          <a:endParaRPr lang="fr-FR"/>
+        </a:p>
+      </dgm:t>
+    </dgm:pt>
+    <dgm:pt modelId="{D645D578-A35C-C044-B5BD-9DB40B61DEBE}">
+      <dgm:prSet phldrT="[Texte]"/>
+      <dgm:spPr/>
+      <dgm:t>
+        <a:bodyPr/>
+        <a:lstStyle/>
+        <a:p>
+          <a:pPr rtl="0"/>
+          <a:r>
+            <a:rPr lang="fr-FR" dirty="0">
+              <a:solidFill>
+                <a:schemeClr val="bg1"/>
+              </a:solidFill>
+            </a:rPr>
+            <a:t>TARGET = 0</a:t>
+          </a:r>
+        </a:p>
+        <a:p>
+          <a:pPr rtl="0"/>
+          <a:r>
+            <a:rPr lang="fr-FR" dirty="0">
+              <a:solidFill>
+                <a:schemeClr val="bg1"/>
+              </a:solidFill>
+            </a:rPr>
+            <a:t>Client ne représentant pas de risque pour rembourser son prêt. </a:t>
+          </a:r>
+        </a:p>
+      </dgm:t>
+    </dgm:pt>
+    <dgm:pt modelId="{8C0E1A81-19A9-5848-9F4A-A08B63727F23}" type="parTrans" cxnId="{D8C3A59B-128A-2F4A-8CA6-687A4280F180}">
+      <dgm:prSet/>
+      <dgm:spPr/>
+      <dgm:t>
+        <a:bodyPr/>
+        <a:lstStyle/>
+        <a:p>
+          <a:endParaRPr lang="fr-FR"/>
+        </a:p>
+      </dgm:t>
+    </dgm:pt>
+    <dgm:pt modelId="{7CD6D0F4-1181-C24A-8DE8-9B2DA3B3734B}" type="sibTrans" cxnId="{D8C3A59B-128A-2F4A-8CA6-687A4280F180}">
+      <dgm:prSet/>
+      <dgm:spPr/>
+      <dgm:t>
+        <a:bodyPr/>
+        <a:lstStyle/>
+        <a:p>
+          <a:endParaRPr lang="fr-FR"/>
+        </a:p>
+      </dgm:t>
+    </dgm:pt>
+    <dgm:pt modelId="{6E22FA1B-7ED4-CE47-B395-8A2C64FB77C3}">
+      <dgm:prSet phldrT="[Texte]"/>
+      <dgm:spPr/>
+      <dgm:t>
+        <a:bodyPr/>
+        <a:lstStyle/>
+        <a:p>
+          <a:r>
+            <a:rPr lang="fr-FR" dirty="0">
+              <a:solidFill>
+                <a:schemeClr val="bg1"/>
+              </a:solidFill>
+            </a:rPr>
+            <a:t>TARGET = 1</a:t>
+          </a:r>
+        </a:p>
+        <a:p>
+          <a:r>
+            <a:rPr lang="fr-FR" dirty="0">
+              <a:solidFill>
+                <a:schemeClr val="bg1"/>
+              </a:solidFill>
+            </a:rPr>
+            <a:t>Client représentant un risque pour rembourser son prêt. </a:t>
+          </a:r>
+        </a:p>
+      </dgm:t>
+    </dgm:pt>
+    <dgm:pt modelId="{35911897-F8F4-5B4F-BD49-31ACAF514097}" type="parTrans" cxnId="{9CA5420F-6C3B-5047-816B-4F0967972CAD}">
+      <dgm:prSet/>
+      <dgm:spPr/>
+      <dgm:t>
+        <a:bodyPr/>
+        <a:lstStyle/>
+        <a:p>
+          <a:endParaRPr lang="fr-FR"/>
+        </a:p>
+      </dgm:t>
+    </dgm:pt>
+    <dgm:pt modelId="{631CCB94-1CB6-854A-B770-BAA1EFCAB723}" type="sibTrans" cxnId="{9CA5420F-6C3B-5047-816B-4F0967972CAD}">
+      <dgm:prSet/>
+      <dgm:spPr/>
+      <dgm:t>
+        <a:bodyPr/>
+        <a:lstStyle/>
+        <a:p>
+          <a:endParaRPr lang="fr-FR"/>
+        </a:p>
+      </dgm:t>
+    </dgm:pt>
+    <dgm:pt modelId="{BD7E030C-402E-E243-A074-F2EA8A8A03CD}" type="pres">
+      <dgm:prSet presAssocID="{259B4256-38AE-5B45-98B4-AAD5F4563F36}" presName="compositeShape" presStyleCnt="0">
+        <dgm:presLayoutVars>
+          <dgm:chMax val="2"/>
+          <dgm:dir/>
+          <dgm:resizeHandles val="exact"/>
+        </dgm:presLayoutVars>
+      </dgm:prSet>
+      <dgm:spPr/>
+    </dgm:pt>
+    <dgm:pt modelId="{E2A56888-5782-9A47-BA10-17535E6E57CE}" type="pres">
+      <dgm:prSet presAssocID="{D645D578-A35C-C044-B5BD-9DB40B61DEBE}" presName="upArrow" presStyleLbl="node1" presStyleIdx="0" presStyleCnt="2"/>
+      <dgm:spPr/>
+    </dgm:pt>
+    <dgm:pt modelId="{F576134C-B0A3-F449-A9B5-EFB89BFAF826}" type="pres">
+      <dgm:prSet presAssocID="{D645D578-A35C-C044-B5BD-9DB40B61DEBE}" presName="upArrowText" presStyleLbl="revTx" presStyleIdx="0" presStyleCnt="2" custScaleX="124760" custLinFactNeighborX="10883" custLinFactNeighborY="-19135">
+        <dgm:presLayoutVars>
+          <dgm:chMax val="0"/>
+          <dgm:bulletEnabled val="1"/>
+        </dgm:presLayoutVars>
+      </dgm:prSet>
+      <dgm:spPr/>
+    </dgm:pt>
+    <dgm:pt modelId="{9623CAB3-69FF-6D4D-A593-23139ED54F80}" type="pres">
+      <dgm:prSet presAssocID="{6E22FA1B-7ED4-CE47-B395-8A2C64FB77C3}" presName="downArrow" presStyleLbl="node1" presStyleIdx="1" presStyleCnt="2"/>
+      <dgm:spPr/>
+    </dgm:pt>
+    <dgm:pt modelId="{16FD409B-0405-CC4A-8A29-102EA0BD20C4}" type="pres">
+      <dgm:prSet presAssocID="{6E22FA1B-7ED4-CE47-B395-8A2C64FB77C3}" presName="downArrowText" presStyleLbl="revTx" presStyleIdx="1" presStyleCnt="2" custScaleX="121527" custLinFactNeighborX="4763" custLinFactNeighborY="-10163">
+        <dgm:presLayoutVars>
+          <dgm:chMax val="0"/>
+          <dgm:bulletEnabled val="1"/>
+        </dgm:presLayoutVars>
+      </dgm:prSet>
+      <dgm:spPr/>
+    </dgm:pt>
+  </dgm:ptLst>
+  <dgm:cxnLst>
+    <dgm:cxn modelId="{9CA5420F-6C3B-5047-816B-4F0967972CAD}" srcId="{259B4256-38AE-5B45-98B4-AAD5F4563F36}" destId="{6E22FA1B-7ED4-CE47-B395-8A2C64FB77C3}" srcOrd="1" destOrd="0" parTransId="{35911897-F8F4-5B4F-BD49-31ACAF514097}" sibTransId="{631CCB94-1CB6-854A-B770-BAA1EFCAB723}"/>
+    <dgm:cxn modelId="{A5BAD520-40AF-204C-A6B0-284F2DEDE4EE}" type="presOf" srcId="{259B4256-38AE-5B45-98B4-AAD5F4563F36}" destId="{BD7E030C-402E-E243-A074-F2EA8A8A03CD}" srcOrd="0" destOrd="0" presId="urn:microsoft.com/office/officeart/2005/8/layout/arrow4"/>
+    <dgm:cxn modelId="{B888B177-A33B-5E4A-9A9D-C7DA00566714}" type="presOf" srcId="{D645D578-A35C-C044-B5BD-9DB40B61DEBE}" destId="{F576134C-B0A3-F449-A9B5-EFB89BFAF826}" srcOrd="0" destOrd="0" presId="urn:microsoft.com/office/officeart/2005/8/layout/arrow4"/>
+    <dgm:cxn modelId="{D8C3A59B-128A-2F4A-8CA6-687A4280F180}" srcId="{259B4256-38AE-5B45-98B4-AAD5F4563F36}" destId="{D645D578-A35C-C044-B5BD-9DB40B61DEBE}" srcOrd="0" destOrd="0" parTransId="{8C0E1A81-19A9-5848-9F4A-A08B63727F23}" sibTransId="{7CD6D0F4-1181-C24A-8DE8-9B2DA3B3734B}"/>
+    <dgm:cxn modelId="{D8DBCBB0-9794-824B-9C2B-F450E8A94F99}" type="presOf" srcId="{6E22FA1B-7ED4-CE47-B395-8A2C64FB77C3}" destId="{16FD409B-0405-CC4A-8A29-102EA0BD20C4}" srcOrd="0" destOrd="0" presId="urn:microsoft.com/office/officeart/2005/8/layout/arrow4"/>
+    <dgm:cxn modelId="{2E64836D-ABD1-4F4E-9B0D-2751DFD38305}" type="presParOf" srcId="{BD7E030C-402E-E243-A074-F2EA8A8A03CD}" destId="{E2A56888-5782-9A47-BA10-17535E6E57CE}" srcOrd="0" destOrd="0" presId="urn:microsoft.com/office/officeart/2005/8/layout/arrow4"/>
+    <dgm:cxn modelId="{80D02F84-61F3-974E-8C06-FAE903B898F3}" type="presParOf" srcId="{BD7E030C-402E-E243-A074-F2EA8A8A03CD}" destId="{F576134C-B0A3-F449-A9B5-EFB89BFAF826}" srcOrd="1" destOrd="0" presId="urn:microsoft.com/office/officeart/2005/8/layout/arrow4"/>
+    <dgm:cxn modelId="{EF3F1BA6-80C9-654D-A16D-AB40F4EB6CF5}" type="presParOf" srcId="{BD7E030C-402E-E243-A074-F2EA8A8A03CD}" destId="{9623CAB3-69FF-6D4D-A593-23139ED54F80}" srcOrd="2" destOrd="0" presId="urn:microsoft.com/office/officeart/2005/8/layout/arrow4"/>
+    <dgm:cxn modelId="{41448B28-C040-CF46-8E26-3B88E1BA41AB}" type="presParOf" srcId="{BD7E030C-402E-E243-A074-F2EA8A8A03CD}" destId="{16FD409B-0405-CC4A-8A29-102EA0BD20C4}" srcOrd="3" destOrd="0" presId="urn:microsoft.com/office/officeart/2005/8/layout/arrow4"/>
+  </dgm:cxnLst>
+  <dgm:bg/>
+  <dgm:whole/>
+  <dgm:extLst>
+    <a:ext uri="http://schemas.microsoft.com/office/drawing/2008/diagram">
+      <dsp:dataModelExt xmlns:dsp="http://schemas.microsoft.com/office/drawing/2008/diagram" relId="rId8" minVer="http://schemas.openxmlformats.org/drawingml/2006/diagram"/>
+    </a:ext>
+    <a:ext uri="{C62137D5-CB1D-491B-B009-E17868A290BF}">
+      <dgm14:recolorImg xmlns:dgm14="http://schemas.microsoft.com/office/drawing/2010/diagram" val="1"/>
     </a:ext>
   </dgm:extLst>
 </dgm:dataModel>
@@ -8185,6 +9150,344 @@
 </dsp:drawing>
 </file>
 
+<file path=ppt/diagrams/drawing5.xml><?xml version="1.0" encoding="utf-8"?>
+<dsp:drawing xmlns:dgm="http://schemas.openxmlformats.org/drawingml/2006/diagram" xmlns:dsp="http://schemas.microsoft.com/office/drawing/2008/diagram" xmlns:a="http://schemas.openxmlformats.org/drawingml/2006/main">
+  <dsp:spTree>
+    <dsp:nvGrpSpPr>
+      <dsp:cNvPr id="0" name=""/>
+      <dsp:cNvGrpSpPr/>
+    </dsp:nvGrpSpPr>
+    <dsp:grpSpPr/>
+    <dsp:sp modelId="{E2A56888-5782-9A47-BA10-17535E6E57CE}">
+      <dsp:nvSpPr>
+        <dsp:cNvPr id="0" name=""/>
+        <dsp:cNvSpPr/>
+      </dsp:nvSpPr>
+      <dsp:spPr>
+        <a:xfrm>
+          <a:off x="-60340" y="0"/>
+          <a:ext cx="672995" cy="596298"/>
+        </a:xfrm>
+        <a:prstGeom prst="upArrow">
+          <a:avLst/>
+        </a:prstGeom>
+        <a:gradFill rotWithShape="0">
+          <a:gsLst>
+            <a:gs pos="0">
+              <a:schemeClr val="accent3">
+                <a:hueOff val="0"/>
+                <a:satOff val="0"/>
+                <a:lumOff val="0"/>
+                <a:alphaOff val="0"/>
+                <a:tint val="100000"/>
+                <a:shade val="100000"/>
+                <a:satMod val="130000"/>
+              </a:schemeClr>
+            </a:gs>
+            <a:gs pos="100000">
+              <a:schemeClr val="accent3">
+                <a:hueOff val="0"/>
+                <a:satOff val="0"/>
+                <a:lumOff val="0"/>
+                <a:alphaOff val="0"/>
+                <a:tint val="50000"/>
+                <a:shade val="100000"/>
+                <a:satMod val="350000"/>
+              </a:schemeClr>
+            </a:gs>
+          </a:gsLst>
+          <a:lin ang="16200000" scaled="0"/>
+        </a:gradFill>
+        <a:ln>
+          <a:noFill/>
+        </a:ln>
+        <a:effectLst>
+          <a:outerShdw blurRad="40000" dist="23000" dir="5400000" rotWithShape="0">
+            <a:srgbClr val="000000">
+              <a:alpha val="35000"/>
+            </a:srgbClr>
+          </a:outerShdw>
+        </a:effectLst>
+        <a:scene3d>
+          <a:camera prst="orthographicFront">
+            <a:rot lat="0" lon="0" rev="0"/>
+          </a:camera>
+          <a:lightRig rig="threePt" dir="t">
+            <a:rot lat="0" lon="0" rev="1200000"/>
+          </a:lightRig>
+        </a:scene3d>
+        <a:sp3d>
+          <a:bevelT w="63500" h="25400"/>
+        </a:sp3d>
+      </dsp:spPr>
+      <dsp:style>
+        <a:lnRef idx="0">
+          <a:scrgbClr r="0" g="0" b="0"/>
+        </a:lnRef>
+        <a:fillRef idx="3">
+          <a:scrgbClr r="0" g="0" b="0"/>
+        </a:fillRef>
+        <a:effectRef idx="3">
+          <a:scrgbClr r="0" g="0" b="0"/>
+        </a:effectRef>
+        <a:fontRef idx="minor">
+          <a:schemeClr val="lt1"/>
+        </a:fontRef>
+      </dsp:style>
+    </dsp:sp>
+    <dsp:sp modelId="{F576134C-B0A3-F449-A9B5-EFB89BFAF826}">
+      <dsp:nvSpPr>
+        <dsp:cNvPr id="0" name=""/>
+        <dsp:cNvSpPr/>
+      </dsp:nvSpPr>
+      <dsp:spPr>
+        <a:xfrm>
+          <a:off x="614554" y="0"/>
+          <a:ext cx="1424825" cy="596298"/>
+        </a:xfrm>
+        <a:prstGeom prst="rect">
+          <a:avLst/>
+        </a:prstGeom>
+        <a:noFill/>
+        <a:ln>
+          <a:noFill/>
+        </a:ln>
+        <a:effectLst/>
+      </dsp:spPr>
+      <dsp:style>
+        <a:lnRef idx="0">
+          <a:scrgbClr r="0" g="0" b="0"/>
+        </a:lnRef>
+        <a:fillRef idx="0">
+          <a:scrgbClr r="0" g="0" b="0"/>
+        </a:fillRef>
+        <a:effectRef idx="0">
+          <a:scrgbClr r="0" g="0" b="0"/>
+        </a:effectRef>
+        <a:fontRef idx="minor"/>
+      </dsp:style>
+      <dsp:txBody>
+        <a:bodyPr spcFirstLastPara="0" vert="horz" wrap="square" lIns="56896" tIns="0" rIns="56896" bIns="56896" numCol="1" spcCol="1270" anchor="ctr" anchorCtr="0">
+          <a:noAutofit/>
+        </a:bodyPr>
+        <a:lstStyle/>
+        <a:p>
+          <a:pPr marL="0" lvl="0" indent="0" algn="l" defTabSz="355600" rtl="0">
+            <a:lnSpc>
+              <a:spcPct val="90000"/>
+            </a:lnSpc>
+            <a:spcBef>
+              <a:spcPct val="0"/>
+            </a:spcBef>
+            <a:spcAft>
+              <a:spcPct val="35000"/>
+            </a:spcAft>
+            <a:buNone/>
+          </a:pPr>
+          <a:r>
+            <a:rPr lang="fr-FR" sz="800" kern="1200" dirty="0">
+              <a:solidFill>
+                <a:schemeClr val="bg1"/>
+              </a:solidFill>
+            </a:rPr>
+            <a:t>TARGET = 0</a:t>
+          </a:r>
+        </a:p>
+        <a:p>
+          <a:pPr marL="0" lvl="0" indent="0" algn="l" defTabSz="355600" rtl="0">
+            <a:lnSpc>
+              <a:spcPct val="90000"/>
+            </a:lnSpc>
+            <a:spcBef>
+              <a:spcPct val="0"/>
+            </a:spcBef>
+            <a:spcAft>
+              <a:spcPct val="35000"/>
+            </a:spcAft>
+            <a:buNone/>
+          </a:pPr>
+          <a:r>
+            <a:rPr lang="fr-FR" sz="800" kern="1200" dirty="0">
+              <a:solidFill>
+                <a:schemeClr val="bg1"/>
+              </a:solidFill>
+            </a:rPr>
+            <a:t>Client ne représentant pas de risque pour rembourser son prêt. </a:t>
+          </a:r>
+        </a:p>
+      </dsp:txBody>
+      <dsp:txXfrm>
+        <a:off x="614554" y="0"/>
+        <a:ext cx="1424825" cy="596298"/>
+      </dsp:txXfrm>
+    </dsp:sp>
+    <dsp:sp modelId="{9623CAB3-69FF-6D4D-A593-23139ED54F80}">
+      <dsp:nvSpPr>
+        <dsp:cNvPr id="0" name=""/>
+        <dsp:cNvSpPr/>
+      </dsp:nvSpPr>
+      <dsp:spPr>
+        <a:xfrm>
+          <a:off x="141557" y="645989"/>
+          <a:ext cx="672995" cy="596298"/>
+        </a:xfrm>
+        <a:prstGeom prst="downArrow">
+          <a:avLst/>
+        </a:prstGeom>
+        <a:gradFill rotWithShape="0">
+          <a:gsLst>
+            <a:gs pos="0">
+              <a:schemeClr val="accent3">
+                <a:hueOff val="19707250"/>
+                <a:satOff val="-9424"/>
+                <a:lumOff val="-10000"/>
+                <a:alphaOff val="0"/>
+                <a:tint val="100000"/>
+                <a:shade val="100000"/>
+                <a:satMod val="130000"/>
+              </a:schemeClr>
+            </a:gs>
+            <a:gs pos="100000">
+              <a:schemeClr val="accent3">
+                <a:hueOff val="19707250"/>
+                <a:satOff val="-9424"/>
+                <a:lumOff val="-10000"/>
+                <a:alphaOff val="0"/>
+                <a:tint val="50000"/>
+                <a:shade val="100000"/>
+                <a:satMod val="350000"/>
+              </a:schemeClr>
+            </a:gs>
+          </a:gsLst>
+          <a:lin ang="16200000" scaled="0"/>
+        </a:gradFill>
+        <a:ln>
+          <a:noFill/>
+        </a:ln>
+        <a:effectLst>
+          <a:outerShdw blurRad="40000" dist="23000" dir="5400000" rotWithShape="0">
+            <a:srgbClr val="000000">
+              <a:alpha val="35000"/>
+            </a:srgbClr>
+          </a:outerShdw>
+        </a:effectLst>
+        <a:scene3d>
+          <a:camera prst="orthographicFront">
+            <a:rot lat="0" lon="0" rev="0"/>
+          </a:camera>
+          <a:lightRig rig="threePt" dir="t">
+            <a:rot lat="0" lon="0" rev="1200000"/>
+          </a:lightRig>
+        </a:scene3d>
+        <a:sp3d>
+          <a:bevelT w="63500" h="25400"/>
+        </a:sp3d>
+      </dsp:spPr>
+      <dsp:style>
+        <a:lnRef idx="0">
+          <a:scrgbClr r="0" g="0" b="0"/>
+        </a:lnRef>
+        <a:fillRef idx="3">
+          <a:scrgbClr r="0" g="0" b="0"/>
+        </a:fillRef>
+        <a:effectRef idx="3">
+          <a:scrgbClr r="0" g="0" b="0"/>
+        </a:effectRef>
+        <a:fontRef idx="minor">
+          <a:schemeClr val="lt1"/>
+        </a:fontRef>
+      </dsp:style>
+    </dsp:sp>
+    <dsp:sp modelId="{16FD409B-0405-CC4A-8A29-102EA0BD20C4}">
+      <dsp:nvSpPr>
+        <dsp:cNvPr id="0" name=""/>
+        <dsp:cNvSpPr/>
+      </dsp:nvSpPr>
+      <dsp:spPr>
+        <a:xfrm>
+          <a:off x="711818" y="585387"/>
+          <a:ext cx="1387902" cy="596298"/>
+        </a:xfrm>
+        <a:prstGeom prst="rect">
+          <a:avLst/>
+        </a:prstGeom>
+        <a:noFill/>
+        <a:ln>
+          <a:noFill/>
+        </a:ln>
+        <a:effectLst/>
+      </dsp:spPr>
+      <dsp:style>
+        <a:lnRef idx="0">
+          <a:scrgbClr r="0" g="0" b="0"/>
+        </a:lnRef>
+        <a:fillRef idx="0">
+          <a:scrgbClr r="0" g="0" b="0"/>
+        </a:fillRef>
+        <a:effectRef idx="0">
+          <a:scrgbClr r="0" g="0" b="0"/>
+        </a:effectRef>
+        <a:fontRef idx="minor"/>
+      </dsp:style>
+      <dsp:txBody>
+        <a:bodyPr spcFirstLastPara="0" vert="horz" wrap="square" lIns="56896" tIns="0" rIns="56896" bIns="56896" numCol="1" spcCol="1270" anchor="ctr" anchorCtr="0">
+          <a:noAutofit/>
+        </a:bodyPr>
+        <a:lstStyle/>
+        <a:p>
+          <a:pPr marL="0" lvl="0" indent="0" algn="l" defTabSz="355600">
+            <a:lnSpc>
+              <a:spcPct val="90000"/>
+            </a:lnSpc>
+            <a:spcBef>
+              <a:spcPct val="0"/>
+            </a:spcBef>
+            <a:spcAft>
+              <a:spcPct val="35000"/>
+            </a:spcAft>
+            <a:buNone/>
+          </a:pPr>
+          <a:r>
+            <a:rPr lang="fr-FR" sz="800" kern="1200" dirty="0">
+              <a:solidFill>
+                <a:schemeClr val="bg1"/>
+              </a:solidFill>
+            </a:rPr>
+            <a:t>TARGET = 1</a:t>
+          </a:r>
+        </a:p>
+        <a:p>
+          <a:pPr marL="0" lvl="0" indent="0" algn="l" defTabSz="355600">
+            <a:lnSpc>
+              <a:spcPct val="90000"/>
+            </a:lnSpc>
+            <a:spcBef>
+              <a:spcPct val="0"/>
+            </a:spcBef>
+            <a:spcAft>
+              <a:spcPct val="35000"/>
+            </a:spcAft>
+            <a:buNone/>
+          </a:pPr>
+          <a:r>
+            <a:rPr lang="fr-FR" sz="800" kern="1200" dirty="0">
+              <a:solidFill>
+                <a:schemeClr val="bg1"/>
+              </a:solidFill>
+            </a:rPr>
+            <a:t>Client représentant un risque pour rembourser son prêt. </a:t>
+          </a:r>
+        </a:p>
+      </dsp:txBody>
+      <dsp:txXfrm>
+        <a:off x="711818" y="585387"/>
+        <a:ext cx="1387902" cy="596298"/>
+      </dsp:txXfrm>
+    </dsp:sp>
+  </dsp:spTree>
+</dsp:drawing>
+</file>
+
 <file path=ppt/diagrams/layout1.xml><?xml version="1.0" encoding="utf-8"?>
 <dgm:layoutDef xmlns:dgm="http://schemas.openxmlformats.org/drawingml/2006/diagram" xmlns:a="http://schemas.openxmlformats.org/drawingml/2006/main" uniqueId="urn:microsoft.com/office/officeart/2008/layout/VerticalCircleList">
   <dgm:title val=""/>
@@ -10560,6 +11863,271 @@
 </dgm:layoutDef>
 </file>
 
+<file path=ppt/diagrams/layout5.xml><?xml version="1.0" encoding="utf-8"?>
+<dgm:layoutDef xmlns:dgm="http://schemas.openxmlformats.org/drawingml/2006/diagram" xmlns:a="http://schemas.openxmlformats.org/drawingml/2006/main" uniqueId="urn:microsoft.com/office/officeart/2005/8/layout/arrow4">
+  <dgm:title val=""/>
+  <dgm:desc val=""/>
+  <dgm:catLst>
+    <dgm:cat type="relationship" pri="8000"/>
+    <dgm:cat type="process" pri="30000"/>
+  </dgm:catLst>
+  <dgm:sampData>
+    <dgm:dataModel>
+      <dgm:ptLst>
+        <dgm:pt modelId="0" type="doc"/>
+        <dgm:pt modelId="1">
+          <dgm:prSet phldr="1"/>
+        </dgm:pt>
+        <dgm:pt modelId="2">
+          <dgm:prSet phldr="1"/>
+        </dgm:pt>
+      </dgm:ptLst>
+      <dgm:cxnLst>
+        <dgm:cxn modelId="3" srcId="0" destId="1" srcOrd="0" destOrd="0"/>
+        <dgm:cxn modelId="4" srcId="0" destId="2" srcOrd="1" destOrd="0"/>
+      </dgm:cxnLst>
+      <dgm:bg/>
+      <dgm:whole/>
+    </dgm:dataModel>
+  </dgm:sampData>
+  <dgm:styleData>
+    <dgm:dataModel>
+      <dgm:ptLst>
+        <dgm:pt modelId="0" type="doc"/>
+        <dgm:pt modelId="1"/>
+        <dgm:pt modelId="2"/>
+      </dgm:ptLst>
+      <dgm:cxnLst>
+        <dgm:cxn modelId="3" srcId="0" destId="1" srcOrd="0" destOrd="0"/>
+        <dgm:cxn modelId="4" srcId="0" destId="2" srcOrd="1" destOrd="0"/>
+      </dgm:cxnLst>
+      <dgm:bg/>
+      <dgm:whole/>
+    </dgm:dataModel>
+  </dgm:styleData>
+  <dgm:clrData>
+    <dgm:dataModel>
+      <dgm:ptLst>
+        <dgm:pt modelId="0" type="doc"/>
+        <dgm:pt modelId="1"/>
+        <dgm:pt modelId="2"/>
+      </dgm:ptLst>
+      <dgm:cxnLst>
+        <dgm:cxn modelId="3" srcId="0" destId="1" srcOrd="0" destOrd="0"/>
+        <dgm:cxn modelId="4" srcId="0" destId="2" srcOrd="1" destOrd="0"/>
+      </dgm:cxnLst>
+      <dgm:bg/>
+      <dgm:whole/>
+    </dgm:dataModel>
+  </dgm:clrData>
+  <dgm:layoutNode name="compositeShape">
+    <dgm:varLst>
+      <dgm:chMax val="2"/>
+      <dgm:dir/>
+      <dgm:resizeHandles val="exact"/>
+    </dgm:varLst>
+    <dgm:alg type="composite"/>
+    <dgm:shape xmlns:r="http://schemas.openxmlformats.org/officeDocument/2006/relationships" r:blip="">
+      <dgm:adjLst/>
+    </dgm:shape>
+    <dgm:presOf/>
+    <dgm:choose name="Name0">
+      <dgm:if name="Name1" func="var" arg="dir" op="equ" val="norm">
+        <dgm:choose name="Name2">
+          <dgm:if name="Name3" axis="ch" ptType="node" func="cnt" op="lte" val="1">
+            <dgm:constrLst>
+              <dgm:constr type="primFontSz" for="des" ptType="node" op="equ" val="65"/>
+              <dgm:constr type="w" for="ch" forName="upArrow" refType="w" fact="0.33"/>
+              <dgm:constr type="h" for="ch" forName="upArrow" refType="h"/>
+              <dgm:constr type="b" for="ch" forName="upArrow" refType="h" fact="0.48"/>
+              <dgm:constr type="l" for="ch" forName="upArrow"/>
+              <dgm:constr type="h" for="ch" forName="upArrow" refType="w" refFor="ch" refForName="upArrow" op="gte" fact="0.75"/>
+              <dgm:constr type="w" for="ch" forName="upArrowText" refType="w" fact="0.56"/>
+              <dgm:constr type="h" for="ch" forName="upArrowText" refType="h"/>
+              <dgm:constr type="b" for="ch" forName="upArrowText" refType="h" fact="0.48"/>
+              <dgm:constr type="l" for="ch" forName="upArrowText" refType="w" refFor="ch" refForName="upArrow" fact="1.03"/>
+            </dgm:constrLst>
+          </dgm:if>
+          <dgm:else name="Name4">
+            <dgm:constrLst>
+              <dgm:constr type="primFontSz" for="des" ptType="node" op="equ" val="65"/>
+              <dgm:constr type="w" for="ch" forName="upArrow" refType="w" fact="0.33"/>
+              <dgm:constr type="h" for="ch" forName="upArrow" refType="h" fact="0.48"/>
+              <dgm:constr type="b" for="ch" forName="upArrow" refType="h" fact="0.48"/>
+              <dgm:constr type="l" for="ch" forName="upArrow"/>
+              <dgm:constr type="h" for="ch" forName="upArrow" refType="w" refFor="ch" refForName="upArrow" op="gte" fact="0.75"/>
+              <dgm:constr type="w" for="ch" forName="upArrowText" refType="w" fact="0.56"/>
+              <dgm:constr type="h" for="ch" forName="upArrowText" refType="h" fact="0.48"/>
+              <dgm:constr type="b" for="ch" forName="upArrowText" refType="h" fact="0.48"/>
+              <dgm:constr type="l" for="ch" forName="upArrowText" refType="w" refFor="ch" refForName="upArrow" fact="1.03"/>
+              <dgm:constr type="w" for="ch" forName="downArrow" refType="w" fact="0.33"/>
+              <dgm:constr type="h" for="ch" forName="downArrow" refType="h" fact="0.48"/>
+              <dgm:constr type="t" for="ch" forName="downArrow" refType="h" fact="0.52"/>
+              <dgm:constr type="l" for="ch" forName="downArrow" refType="w" refFor="ch" refForName="downArrow" fact="0.3"/>
+              <dgm:constr type="h" for="ch" forName="downArrow" refType="w" refFor="ch" refForName="downArrow" op="gte" fact="0.75"/>
+              <dgm:constr type="w" for="ch" forName="downArrowText" refType="w" fact="0.56"/>
+              <dgm:constr type="h" for="ch" forName="downArrowText" refType="h" fact="0.48"/>
+              <dgm:constr type="t" for="ch" forName="downArrowText" refType="h" fact="0.52"/>
+              <dgm:constr type="l" for="ch" forName="downArrowText" refType="w" refFor="ch" refForName="downArrow" fact="1.33"/>
+            </dgm:constrLst>
+          </dgm:else>
+        </dgm:choose>
+      </dgm:if>
+      <dgm:else name="Name5">
+        <dgm:choose name="Name6">
+          <dgm:if name="Name7" axis="ch" ptType="node" func="cnt" op="lte" val="1">
+            <dgm:constrLst>
+              <dgm:constr type="primFontSz" for="des" ptType="node" op="equ" val="65"/>
+              <dgm:constr type="w" for="ch" forName="upArrow" refType="w" fact="0.33"/>
+              <dgm:constr type="h" for="ch" forName="upArrow" refType="h"/>
+              <dgm:constr type="t" for="ch" forName="upArrow"/>
+              <dgm:constr type="l" for="ch" forName="upArrow" refType="w" fact="0.67"/>
+              <dgm:constr type="h" for="ch" forName="upArrow" refType="w" refFor="ch" refForName="upArrow" op="gte" fact="0.75"/>
+              <dgm:constr type="w" for="ch" forName="upArrowText" refType="w" fact="0.56"/>
+              <dgm:constr type="h" for="ch" forName="upArrowText" refType="h"/>
+              <dgm:constr type="t" for="ch" forName="upArrowText"/>
+              <dgm:constr type="l" for="ch" forName="upArrowText" refType="w" fact="0.1"/>
+            </dgm:constrLst>
+          </dgm:if>
+          <dgm:else name="Name8">
+            <dgm:constrLst>
+              <dgm:constr type="primFontSz" for="des" ptType="node" op="equ" val="65"/>
+              <dgm:constr type="w" for="ch" forName="upArrow" refType="w" fact="0.33"/>
+              <dgm:constr type="h" for="ch" forName="upArrow" refType="h" fact="0.48"/>
+              <dgm:constr type="t" for="ch" forName="upArrow"/>
+              <dgm:constr type="l" for="ch" forName="upArrow" refType="w" fact="0.67"/>
+              <dgm:constr type="h" for="ch" forName="upArrow" refType="w" refFor="ch" refForName="upArrow" op="gte" fact="0.75"/>
+              <dgm:constr type="w" for="ch" forName="upArrowText" refType="w" fact="0.56"/>
+              <dgm:constr type="h" for="ch" forName="upArrowText" refType="h" fact="0.48"/>
+              <dgm:constr type="t" for="ch" forName="upArrowText"/>
+              <dgm:constr type="l" for="ch" forName="upArrowText" refType="w" fact="0.1"/>
+              <dgm:constr type="w" for="ch" forName="downArrow" refType="w" fact="0.33"/>
+              <dgm:constr type="h" for="ch" forName="downArrow" refType="h" fact="0.48"/>
+              <dgm:constr type="t" for="ch" forName="downArrow" refType="h" fact="0.52"/>
+              <dgm:constr type="l" for="ch" forName="downArrow" refType="w" fact="0.57"/>
+              <dgm:constr type="h" for="ch" forName="downArrow" refType="w" refFor="ch" refForName="downArrow" op="gte" fact="0.75"/>
+              <dgm:constr type="w" for="ch" forName="downArrowText" refType="w" fact="0.56"/>
+              <dgm:constr type="h" for="ch" forName="downArrowText" refType="h" fact="0.48"/>
+              <dgm:constr type="t" for="ch" forName="downArrowText" refType="h" fact="0.52"/>
+              <dgm:constr type="l" for="ch" forName="downArrowText"/>
+            </dgm:constrLst>
+          </dgm:else>
+        </dgm:choose>
+      </dgm:else>
+    </dgm:choose>
+    <dgm:ruleLst/>
+    <dgm:forEach name="Name9" axis="ch" ptType="node" cnt="1">
+      <dgm:layoutNode name="upArrow" styleLbl="node1">
+        <dgm:alg type="sp"/>
+        <dgm:shape xmlns:r="http://schemas.openxmlformats.org/officeDocument/2006/relationships" type="upArrow" r:blip="">
+          <dgm:adjLst/>
+        </dgm:shape>
+        <dgm:presOf/>
+        <dgm:constrLst/>
+        <dgm:ruleLst/>
+      </dgm:layoutNode>
+      <dgm:layoutNode name="upArrowText" styleLbl="revTx">
+        <dgm:varLst>
+          <dgm:chMax val="0"/>
+          <dgm:bulletEnabled val="1"/>
+        </dgm:varLst>
+        <dgm:choose name="Name10">
+          <dgm:if name="Name11" axis="root des" ptType="all node" func="maxDepth" op="gt" val="1">
+            <dgm:alg type="tx">
+              <dgm:param type="parTxLTRAlign" val="l"/>
+              <dgm:param type="parTxRTLAlign" val="r"/>
+              <dgm:param type="txAnchorVertCh" val="mid"/>
+            </dgm:alg>
+          </dgm:if>
+          <dgm:else name="Name12">
+            <dgm:choose name="Name13">
+              <dgm:if name="Name14" func="var" arg="dir" op="equ" val="norm">
+                <dgm:alg type="tx">
+                  <dgm:param type="parTxLTRAlign" val="l"/>
+                  <dgm:param type="parTxRTLAlign" val="l"/>
+                  <dgm:param type="txAnchorVertCh" val="mid"/>
+                </dgm:alg>
+              </dgm:if>
+              <dgm:else name="Name15">
+                <dgm:alg type="tx">
+                  <dgm:param type="parTxLTRAlign" val="r"/>
+                  <dgm:param type="parTxRTLAlign" val="r"/>
+                  <dgm:param type="txAnchorVertCh" val="mid"/>
+                </dgm:alg>
+              </dgm:else>
+            </dgm:choose>
+          </dgm:else>
+        </dgm:choose>
+        <dgm:shape xmlns:r="http://schemas.openxmlformats.org/officeDocument/2006/relationships" type="rect" r:blip="">
+          <dgm:adjLst/>
+        </dgm:shape>
+        <dgm:presOf axis="desOrSelf" ptType="node"/>
+        <dgm:constrLst>
+          <dgm:constr type="tMarg"/>
+        </dgm:constrLst>
+        <dgm:ruleLst>
+          <dgm:rule type="primFontSz" val="5" fact="NaN" max="NaN"/>
+        </dgm:ruleLst>
+      </dgm:layoutNode>
+    </dgm:forEach>
+    <dgm:forEach name="Name16" axis="ch" ptType="node" st="2" cnt="1">
+      <dgm:layoutNode name="downArrow" styleLbl="node1">
+        <dgm:alg type="sp"/>
+        <dgm:shape xmlns:r="http://schemas.openxmlformats.org/officeDocument/2006/relationships" type="downArrow" r:blip="">
+          <dgm:adjLst/>
+        </dgm:shape>
+        <dgm:presOf/>
+        <dgm:constrLst/>
+        <dgm:ruleLst/>
+      </dgm:layoutNode>
+      <dgm:layoutNode name="downArrowText" styleLbl="revTx">
+        <dgm:varLst>
+          <dgm:chMax val="0"/>
+          <dgm:bulletEnabled val="1"/>
+        </dgm:varLst>
+        <dgm:choose name="Name17">
+          <dgm:if name="Name18" axis="root des" ptType="all node" func="maxDepth" op="gt" val="1">
+            <dgm:alg type="tx">
+              <dgm:param type="parTxLTRAlign" val="l"/>
+              <dgm:param type="parTxRTLAlign" val="r"/>
+              <dgm:param type="txAnchorVertCh" val="mid"/>
+            </dgm:alg>
+          </dgm:if>
+          <dgm:else name="Name19">
+            <dgm:choose name="Name20">
+              <dgm:if name="Name21" func="var" arg="dir" op="equ" val="norm">
+                <dgm:alg type="tx">
+                  <dgm:param type="parTxLTRAlign" val="l"/>
+                  <dgm:param type="parTxRTLAlign" val="l"/>
+                  <dgm:param type="txAnchorVertCh" val="mid"/>
+                </dgm:alg>
+              </dgm:if>
+              <dgm:else name="Name22">
+                <dgm:alg type="tx">
+                  <dgm:param type="parTxLTRAlign" val="r"/>
+                  <dgm:param type="parTxRTLAlign" val="r"/>
+                  <dgm:param type="txAnchorVertCh" val="mid"/>
+                </dgm:alg>
+              </dgm:else>
+            </dgm:choose>
+          </dgm:else>
+        </dgm:choose>
+        <dgm:shape xmlns:r="http://schemas.openxmlformats.org/officeDocument/2006/relationships" type="rect" r:blip="">
+          <dgm:adjLst/>
+        </dgm:shape>
+        <dgm:presOf axis="desOrSelf" ptType="node"/>
+        <dgm:constrLst>
+          <dgm:constr type="tMarg"/>
+        </dgm:constrLst>
+        <dgm:ruleLst>
+          <dgm:rule type="primFontSz" val="5" fact="NaN" max="NaN"/>
+        </dgm:ruleLst>
+      </dgm:layoutNode>
+    </dgm:forEach>
+  </dgm:layoutNode>
+</dgm:layoutDef>
+</file>
+
 <file path=ppt/diagrams/quickStyle1.xml><?xml version="1.0" encoding="utf-8"?>
 <dgm:styleDef xmlns:dgm="http://schemas.openxmlformats.org/drawingml/2006/diagram" xmlns:a="http://schemas.openxmlformats.org/drawingml/2006/main" uniqueId="urn:microsoft.com/office/officeart/2005/8/quickstyle/simple1">
   <dgm:title val=""/>
@@ -14668,6 +16236,1040 @@
         <a:scrgbClr r="0" g="0" b="0"/>
       </a:fillRef>
       <a:effectRef idx="0">
+        <a:scrgbClr r="0" g="0" b="0"/>
+      </a:effectRef>
+      <a:fontRef idx="minor"/>
+    </dgm:style>
+  </dgm:styleLbl>
+  <dgm:styleLbl name="revTx">
+    <dgm:scene3d>
+      <a:camera prst="orthographicFront"/>
+      <a:lightRig rig="threePt" dir="t"/>
+    </dgm:scene3d>
+    <dgm:sp3d/>
+    <dgm:txPr/>
+    <dgm:style>
+      <a:lnRef idx="0">
+        <a:scrgbClr r="0" g="0" b="0"/>
+      </a:lnRef>
+      <a:fillRef idx="0">
+        <a:scrgbClr r="0" g="0" b="0"/>
+      </a:fillRef>
+      <a:effectRef idx="0">
+        <a:scrgbClr r="0" g="0" b="0"/>
+      </a:effectRef>
+      <a:fontRef idx="minor"/>
+    </dgm:style>
+  </dgm:styleLbl>
+</dgm:styleDef>
+</file>
+
+<file path=ppt/diagrams/quickStyle5.xml><?xml version="1.0" encoding="utf-8"?>
+<dgm:styleDef xmlns:dgm="http://schemas.openxmlformats.org/drawingml/2006/diagram" xmlns:a="http://schemas.openxmlformats.org/drawingml/2006/main" uniqueId="urn:microsoft.com/office/officeart/2005/8/quickstyle/simple5">
+  <dgm:title val=""/>
+  <dgm:desc val=""/>
+  <dgm:catLst>
+    <dgm:cat type="simple" pri="10500"/>
+  </dgm:catLst>
+  <dgm:scene3d>
+    <a:camera prst="orthographicFront"/>
+    <a:lightRig rig="threePt" dir="t"/>
+  </dgm:scene3d>
+  <dgm:styleLbl name="node0">
+    <dgm:scene3d>
+      <a:camera prst="orthographicFront"/>
+      <a:lightRig rig="threePt" dir="t"/>
+    </dgm:scene3d>
+    <dgm:sp3d/>
+    <dgm:txPr/>
+    <dgm:style>
+      <a:lnRef idx="0">
+        <a:scrgbClr r="0" g="0" b="0"/>
+      </a:lnRef>
+      <a:fillRef idx="3">
+        <a:scrgbClr r="0" g="0" b="0"/>
+      </a:fillRef>
+      <a:effectRef idx="3">
+        <a:scrgbClr r="0" g="0" b="0"/>
+      </a:effectRef>
+      <a:fontRef idx="minor">
+        <a:schemeClr val="lt1"/>
+      </a:fontRef>
+    </dgm:style>
+  </dgm:styleLbl>
+  <dgm:styleLbl name="lnNode1">
+    <dgm:scene3d>
+      <a:camera prst="orthographicFront"/>
+      <a:lightRig rig="threePt" dir="t"/>
+    </dgm:scene3d>
+    <dgm:sp3d/>
+    <dgm:txPr/>
+    <dgm:style>
+      <a:lnRef idx="0">
+        <a:scrgbClr r="0" g="0" b="0"/>
+      </a:lnRef>
+      <a:fillRef idx="3">
+        <a:scrgbClr r="0" g="0" b="0"/>
+      </a:fillRef>
+      <a:effectRef idx="3">
+        <a:scrgbClr r="0" g="0" b="0"/>
+      </a:effectRef>
+      <a:fontRef idx="minor">
+        <a:schemeClr val="lt1"/>
+      </a:fontRef>
+    </dgm:style>
+  </dgm:styleLbl>
+  <dgm:styleLbl name="vennNode1">
+    <dgm:scene3d>
+      <a:camera prst="orthographicFront"/>
+      <a:lightRig rig="threePt" dir="t"/>
+    </dgm:scene3d>
+    <dgm:sp3d/>
+    <dgm:txPr/>
+    <dgm:style>
+      <a:lnRef idx="0">
+        <a:scrgbClr r="0" g="0" b="0"/>
+      </a:lnRef>
+      <a:fillRef idx="3">
+        <a:scrgbClr r="0" g="0" b="0"/>
+      </a:fillRef>
+      <a:effectRef idx="3">
+        <a:scrgbClr r="0" g="0" b="0"/>
+      </a:effectRef>
+      <a:fontRef idx="minor">
+        <a:schemeClr val="tx1"/>
+      </a:fontRef>
+    </dgm:style>
+  </dgm:styleLbl>
+  <dgm:styleLbl name="alignNode1">
+    <dgm:scene3d>
+      <a:camera prst="orthographicFront"/>
+      <a:lightRig rig="threePt" dir="t"/>
+    </dgm:scene3d>
+    <dgm:sp3d/>
+    <dgm:txPr/>
+    <dgm:style>
+      <a:lnRef idx="1">
+        <a:scrgbClr r="0" g="0" b="0"/>
+      </a:lnRef>
+      <a:fillRef idx="3">
+        <a:scrgbClr r="0" g="0" b="0"/>
+      </a:fillRef>
+      <a:effectRef idx="3">
+        <a:scrgbClr r="0" g="0" b="0"/>
+      </a:effectRef>
+      <a:fontRef idx="minor">
+        <a:schemeClr val="lt1"/>
+      </a:fontRef>
+    </dgm:style>
+  </dgm:styleLbl>
+  <dgm:styleLbl name="node1">
+    <dgm:scene3d>
+      <a:camera prst="orthographicFront"/>
+      <a:lightRig rig="threePt" dir="t"/>
+    </dgm:scene3d>
+    <dgm:sp3d/>
+    <dgm:txPr/>
+    <dgm:style>
+      <a:lnRef idx="0">
+        <a:scrgbClr r="0" g="0" b="0"/>
+      </a:lnRef>
+      <a:fillRef idx="3">
+        <a:scrgbClr r="0" g="0" b="0"/>
+      </a:fillRef>
+      <a:effectRef idx="3">
+        <a:scrgbClr r="0" g="0" b="0"/>
+      </a:effectRef>
+      <a:fontRef idx="minor">
+        <a:schemeClr val="lt1"/>
+      </a:fontRef>
+    </dgm:style>
+  </dgm:styleLbl>
+  <dgm:styleLbl name="node2">
+    <dgm:scene3d>
+      <a:camera prst="orthographicFront"/>
+      <a:lightRig rig="threePt" dir="t"/>
+    </dgm:scene3d>
+    <dgm:sp3d/>
+    <dgm:txPr/>
+    <dgm:style>
+      <a:lnRef idx="0">
+        <a:scrgbClr r="0" g="0" b="0"/>
+      </a:lnRef>
+      <a:fillRef idx="3">
+        <a:scrgbClr r="0" g="0" b="0"/>
+      </a:fillRef>
+      <a:effectRef idx="3">
+        <a:scrgbClr r="0" g="0" b="0"/>
+      </a:effectRef>
+      <a:fontRef idx="minor">
+        <a:schemeClr val="lt1"/>
+      </a:fontRef>
+    </dgm:style>
+  </dgm:styleLbl>
+  <dgm:styleLbl name="node3">
+    <dgm:scene3d>
+      <a:camera prst="orthographicFront"/>
+      <a:lightRig rig="threePt" dir="t"/>
+    </dgm:scene3d>
+    <dgm:sp3d/>
+    <dgm:txPr/>
+    <dgm:style>
+      <a:lnRef idx="0">
+        <a:scrgbClr r="0" g="0" b="0"/>
+      </a:lnRef>
+      <a:fillRef idx="3">
+        <a:scrgbClr r="0" g="0" b="0"/>
+      </a:fillRef>
+      <a:effectRef idx="3">
+        <a:scrgbClr r="0" g="0" b="0"/>
+      </a:effectRef>
+      <a:fontRef idx="minor">
+        <a:schemeClr val="lt1"/>
+      </a:fontRef>
+    </dgm:style>
+  </dgm:styleLbl>
+  <dgm:styleLbl name="node4">
+    <dgm:scene3d>
+      <a:camera prst="orthographicFront"/>
+      <a:lightRig rig="threePt" dir="t"/>
+    </dgm:scene3d>
+    <dgm:sp3d/>
+    <dgm:txPr/>
+    <dgm:style>
+      <a:lnRef idx="0">
+        <a:scrgbClr r="0" g="0" b="0"/>
+      </a:lnRef>
+      <a:fillRef idx="3">
+        <a:scrgbClr r="0" g="0" b="0"/>
+      </a:fillRef>
+      <a:effectRef idx="3">
+        <a:scrgbClr r="0" g="0" b="0"/>
+      </a:effectRef>
+      <a:fontRef idx="minor">
+        <a:schemeClr val="lt1"/>
+      </a:fontRef>
+    </dgm:style>
+  </dgm:styleLbl>
+  <dgm:styleLbl name="fgImgPlace1">
+    <dgm:scene3d>
+      <a:camera prst="orthographicFront"/>
+      <a:lightRig rig="threePt" dir="t"/>
+    </dgm:scene3d>
+    <dgm:sp3d/>
+    <dgm:txPr/>
+    <dgm:style>
+      <a:lnRef idx="0">
+        <a:scrgbClr r="0" g="0" b="0"/>
+      </a:lnRef>
+      <a:fillRef idx="1">
+        <a:scrgbClr r="0" g="0" b="0"/>
+      </a:fillRef>
+      <a:effectRef idx="3">
+        <a:scrgbClr r="0" g="0" b="0"/>
+      </a:effectRef>
+      <a:fontRef idx="minor"/>
+    </dgm:style>
+  </dgm:styleLbl>
+  <dgm:styleLbl name="alignImgPlace1">
+    <dgm:scene3d>
+      <a:camera prst="orthographicFront"/>
+      <a:lightRig rig="threePt" dir="t"/>
+    </dgm:scene3d>
+    <dgm:sp3d/>
+    <dgm:txPr/>
+    <dgm:style>
+      <a:lnRef idx="0">
+        <a:scrgbClr r="0" g="0" b="0"/>
+      </a:lnRef>
+      <a:fillRef idx="1">
+        <a:scrgbClr r="0" g="0" b="0"/>
+      </a:fillRef>
+      <a:effectRef idx="3">
+        <a:scrgbClr r="0" g="0" b="0"/>
+      </a:effectRef>
+      <a:fontRef idx="minor"/>
+    </dgm:style>
+  </dgm:styleLbl>
+  <dgm:styleLbl name="bgImgPlace1">
+    <dgm:scene3d>
+      <a:camera prst="orthographicFront"/>
+      <a:lightRig rig="threePt" dir="t"/>
+    </dgm:scene3d>
+    <dgm:sp3d/>
+    <dgm:txPr/>
+    <dgm:style>
+      <a:lnRef idx="0">
+        <a:scrgbClr r="0" g="0" b="0"/>
+      </a:lnRef>
+      <a:fillRef idx="1">
+        <a:scrgbClr r="0" g="0" b="0"/>
+      </a:fillRef>
+      <a:effectRef idx="3">
+        <a:scrgbClr r="0" g="0" b="0"/>
+      </a:effectRef>
+      <a:fontRef idx="minor"/>
+    </dgm:style>
+  </dgm:styleLbl>
+  <dgm:styleLbl name="sibTrans2D1">
+    <dgm:scene3d>
+      <a:camera prst="orthographicFront"/>
+      <a:lightRig rig="threePt" dir="t"/>
+    </dgm:scene3d>
+    <dgm:sp3d/>
+    <dgm:txPr/>
+    <dgm:style>
+      <a:lnRef idx="0">
+        <a:scrgbClr r="0" g="0" b="0"/>
+      </a:lnRef>
+      <a:fillRef idx="3">
+        <a:scrgbClr r="0" g="0" b="0"/>
+      </a:fillRef>
+      <a:effectRef idx="3">
+        <a:scrgbClr r="0" g="0" b="0"/>
+      </a:effectRef>
+      <a:fontRef idx="minor">
+        <a:schemeClr val="lt1"/>
+      </a:fontRef>
+    </dgm:style>
+  </dgm:styleLbl>
+  <dgm:styleLbl name="fgSibTrans2D1">
+    <dgm:scene3d>
+      <a:camera prst="orthographicFront"/>
+      <a:lightRig rig="threePt" dir="t"/>
+    </dgm:scene3d>
+    <dgm:sp3d/>
+    <dgm:txPr/>
+    <dgm:style>
+      <a:lnRef idx="0">
+        <a:scrgbClr r="0" g="0" b="0"/>
+      </a:lnRef>
+      <a:fillRef idx="3">
+        <a:scrgbClr r="0" g="0" b="0"/>
+      </a:fillRef>
+      <a:effectRef idx="3">
+        <a:scrgbClr r="0" g="0" b="0"/>
+      </a:effectRef>
+      <a:fontRef idx="minor">
+        <a:schemeClr val="lt1"/>
+      </a:fontRef>
+    </dgm:style>
+  </dgm:styleLbl>
+  <dgm:styleLbl name="bgSibTrans2D1">
+    <dgm:scene3d>
+      <a:camera prst="orthographicFront"/>
+      <a:lightRig rig="threePt" dir="t"/>
+    </dgm:scene3d>
+    <dgm:sp3d/>
+    <dgm:txPr/>
+    <dgm:style>
+      <a:lnRef idx="0">
+        <a:scrgbClr r="0" g="0" b="0"/>
+      </a:lnRef>
+      <a:fillRef idx="3">
+        <a:scrgbClr r="0" g="0" b="0"/>
+      </a:fillRef>
+      <a:effectRef idx="3">
+        <a:scrgbClr r="0" g="0" b="0"/>
+      </a:effectRef>
+      <a:fontRef idx="minor">
+        <a:schemeClr val="lt1"/>
+      </a:fontRef>
+    </dgm:style>
+  </dgm:styleLbl>
+  <dgm:styleLbl name="sibTrans1D1">
+    <dgm:scene3d>
+      <a:camera prst="orthographicFront"/>
+      <a:lightRig rig="threePt" dir="t"/>
+    </dgm:scene3d>
+    <dgm:sp3d/>
+    <dgm:txPr/>
+    <dgm:style>
+      <a:lnRef idx="1">
+        <a:scrgbClr r="0" g="0" b="0"/>
+      </a:lnRef>
+      <a:fillRef idx="0">
+        <a:scrgbClr r="0" g="0" b="0"/>
+      </a:fillRef>
+      <a:effectRef idx="0">
+        <a:scrgbClr r="0" g="0" b="0"/>
+      </a:effectRef>
+      <a:fontRef idx="minor"/>
+    </dgm:style>
+  </dgm:styleLbl>
+  <dgm:styleLbl name="callout">
+    <dgm:scene3d>
+      <a:camera prst="orthographicFront"/>
+      <a:lightRig rig="threePt" dir="t"/>
+    </dgm:scene3d>
+    <dgm:sp3d/>
+    <dgm:txPr/>
+    <dgm:style>
+      <a:lnRef idx="1">
+        <a:scrgbClr r="0" g="0" b="0"/>
+      </a:lnRef>
+      <a:fillRef idx="0">
+        <a:scrgbClr r="0" g="0" b="0"/>
+      </a:fillRef>
+      <a:effectRef idx="1">
+        <a:scrgbClr r="0" g="0" b="0"/>
+      </a:effectRef>
+      <a:fontRef idx="minor"/>
+    </dgm:style>
+  </dgm:styleLbl>
+  <dgm:styleLbl name="asst0">
+    <dgm:scene3d>
+      <a:camera prst="orthographicFront"/>
+      <a:lightRig rig="threePt" dir="t"/>
+    </dgm:scene3d>
+    <dgm:sp3d/>
+    <dgm:txPr/>
+    <dgm:style>
+      <a:lnRef idx="0">
+        <a:scrgbClr r="0" g="0" b="0"/>
+      </a:lnRef>
+      <a:fillRef idx="3">
+        <a:scrgbClr r="0" g="0" b="0"/>
+      </a:fillRef>
+      <a:effectRef idx="3">
+        <a:scrgbClr r="0" g="0" b="0"/>
+      </a:effectRef>
+      <a:fontRef idx="minor">
+        <a:schemeClr val="lt1"/>
+      </a:fontRef>
+    </dgm:style>
+  </dgm:styleLbl>
+  <dgm:styleLbl name="asst1">
+    <dgm:scene3d>
+      <a:camera prst="orthographicFront"/>
+      <a:lightRig rig="threePt" dir="t"/>
+    </dgm:scene3d>
+    <dgm:sp3d/>
+    <dgm:txPr/>
+    <dgm:style>
+      <a:lnRef idx="0">
+        <a:scrgbClr r="0" g="0" b="0"/>
+      </a:lnRef>
+      <a:fillRef idx="3">
+        <a:scrgbClr r="0" g="0" b="0"/>
+      </a:fillRef>
+      <a:effectRef idx="3">
+        <a:scrgbClr r="0" g="0" b="0"/>
+      </a:effectRef>
+      <a:fontRef idx="minor">
+        <a:schemeClr val="lt1"/>
+      </a:fontRef>
+    </dgm:style>
+  </dgm:styleLbl>
+  <dgm:styleLbl name="asst2">
+    <dgm:scene3d>
+      <a:camera prst="orthographicFront"/>
+      <a:lightRig rig="threePt" dir="t"/>
+    </dgm:scene3d>
+    <dgm:sp3d/>
+    <dgm:txPr/>
+    <dgm:style>
+      <a:lnRef idx="0">
+        <a:scrgbClr r="0" g="0" b="0"/>
+      </a:lnRef>
+      <a:fillRef idx="3">
+        <a:scrgbClr r="0" g="0" b="0"/>
+      </a:fillRef>
+      <a:effectRef idx="3">
+        <a:scrgbClr r="0" g="0" b="0"/>
+      </a:effectRef>
+      <a:fontRef idx="minor">
+        <a:schemeClr val="lt1"/>
+      </a:fontRef>
+    </dgm:style>
+  </dgm:styleLbl>
+  <dgm:styleLbl name="asst3">
+    <dgm:scene3d>
+      <a:camera prst="orthographicFront"/>
+      <a:lightRig rig="threePt" dir="t"/>
+    </dgm:scene3d>
+    <dgm:sp3d/>
+    <dgm:txPr/>
+    <dgm:style>
+      <a:lnRef idx="0">
+        <a:scrgbClr r="0" g="0" b="0"/>
+      </a:lnRef>
+      <a:fillRef idx="3">
+        <a:scrgbClr r="0" g="0" b="0"/>
+      </a:fillRef>
+      <a:effectRef idx="3">
+        <a:scrgbClr r="0" g="0" b="0"/>
+      </a:effectRef>
+      <a:fontRef idx="minor">
+        <a:schemeClr val="lt1"/>
+      </a:fontRef>
+    </dgm:style>
+  </dgm:styleLbl>
+  <dgm:styleLbl name="asst4">
+    <dgm:scene3d>
+      <a:camera prst="orthographicFront"/>
+      <a:lightRig rig="threePt" dir="t"/>
+    </dgm:scene3d>
+    <dgm:sp3d/>
+    <dgm:txPr/>
+    <dgm:style>
+      <a:lnRef idx="0">
+        <a:scrgbClr r="0" g="0" b="0"/>
+      </a:lnRef>
+      <a:fillRef idx="3">
+        <a:scrgbClr r="0" g="0" b="0"/>
+      </a:fillRef>
+      <a:effectRef idx="3">
+        <a:scrgbClr r="0" g="0" b="0"/>
+      </a:effectRef>
+      <a:fontRef idx="minor">
+        <a:schemeClr val="lt1"/>
+      </a:fontRef>
+    </dgm:style>
+  </dgm:styleLbl>
+  <dgm:styleLbl name="parChTrans2D1">
+    <dgm:scene3d>
+      <a:camera prst="orthographicFront"/>
+      <a:lightRig rig="threePt" dir="t"/>
+    </dgm:scene3d>
+    <dgm:sp3d/>
+    <dgm:txPr/>
+    <dgm:style>
+      <a:lnRef idx="0">
+        <a:scrgbClr r="0" g="0" b="0"/>
+      </a:lnRef>
+      <a:fillRef idx="3">
+        <a:scrgbClr r="0" g="0" b="0"/>
+      </a:fillRef>
+      <a:effectRef idx="3">
+        <a:scrgbClr r="0" g="0" b="0"/>
+      </a:effectRef>
+      <a:fontRef idx="minor">
+        <a:schemeClr val="lt1"/>
+      </a:fontRef>
+    </dgm:style>
+  </dgm:styleLbl>
+  <dgm:styleLbl name="parChTrans2D2">
+    <dgm:scene3d>
+      <a:camera prst="orthographicFront"/>
+      <a:lightRig rig="threePt" dir="t"/>
+    </dgm:scene3d>
+    <dgm:sp3d/>
+    <dgm:txPr/>
+    <dgm:style>
+      <a:lnRef idx="0">
+        <a:scrgbClr r="0" g="0" b="0"/>
+      </a:lnRef>
+      <a:fillRef idx="3">
+        <a:scrgbClr r="0" g="0" b="0"/>
+      </a:fillRef>
+      <a:effectRef idx="3">
+        <a:scrgbClr r="0" g="0" b="0"/>
+      </a:effectRef>
+      <a:fontRef idx="minor">
+        <a:schemeClr val="lt1"/>
+      </a:fontRef>
+    </dgm:style>
+  </dgm:styleLbl>
+  <dgm:styleLbl name="parChTrans2D3">
+    <dgm:scene3d>
+      <a:camera prst="orthographicFront"/>
+      <a:lightRig rig="threePt" dir="t"/>
+    </dgm:scene3d>
+    <dgm:sp3d/>
+    <dgm:txPr/>
+    <dgm:style>
+      <a:lnRef idx="0">
+        <a:scrgbClr r="0" g="0" b="0"/>
+      </a:lnRef>
+      <a:fillRef idx="3">
+        <a:scrgbClr r="0" g="0" b="0"/>
+      </a:fillRef>
+      <a:effectRef idx="3">
+        <a:scrgbClr r="0" g="0" b="0"/>
+      </a:effectRef>
+      <a:fontRef idx="minor">
+        <a:schemeClr val="lt1"/>
+      </a:fontRef>
+    </dgm:style>
+  </dgm:styleLbl>
+  <dgm:styleLbl name="parChTrans2D4">
+    <dgm:scene3d>
+      <a:camera prst="orthographicFront"/>
+      <a:lightRig rig="threePt" dir="t"/>
+    </dgm:scene3d>
+    <dgm:sp3d/>
+    <dgm:txPr/>
+    <dgm:style>
+      <a:lnRef idx="0">
+        <a:scrgbClr r="0" g="0" b="0"/>
+      </a:lnRef>
+      <a:fillRef idx="3">
+        <a:scrgbClr r="0" g="0" b="0"/>
+      </a:fillRef>
+      <a:effectRef idx="3">
+        <a:scrgbClr r="0" g="0" b="0"/>
+      </a:effectRef>
+      <a:fontRef idx="minor">
+        <a:schemeClr val="lt1"/>
+      </a:fontRef>
+    </dgm:style>
+  </dgm:styleLbl>
+  <dgm:styleLbl name="parChTrans1D1">
+    <dgm:scene3d>
+      <a:camera prst="orthographicFront"/>
+      <a:lightRig rig="threePt" dir="t"/>
+    </dgm:scene3d>
+    <dgm:sp3d/>
+    <dgm:txPr/>
+    <dgm:style>
+      <a:lnRef idx="2">
+        <a:scrgbClr r="0" g="0" b="0"/>
+      </a:lnRef>
+      <a:fillRef idx="0">
+        <a:scrgbClr r="0" g="0" b="0"/>
+      </a:fillRef>
+      <a:effectRef idx="0">
+        <a:scrgbClr r="0" g="0" b="0"/>
+      </a:effectRef>
+      <a:fontRef idx="minor"/>
+    </dgm:style>
+  </dgm:styleLbl>
+  <dgm:styleLbl name="parChTrans1D2">
+    <dgm:scene3d>
+      <a:camera prst="orthographicFront"/>
+      <a:lightRig rig="threePt" dir="t"/>
+    </dgm:scene3d>
+    <dgm:sp3d/>
+    <dgm:txPr/>
+    <dgm:style>
+      <a:lnRef idx="2">
+        <a:scrgbClr r="0" g="0" b="0"/>
+      </a:lnRef>
+      <a:fillRef idx="0">
+        <a:scrgbClr r="0" g="0" b="0"/>
+      </a:fillRef>
+      <a:effectRef idx="0">
+        <a:scrgbClr r="0" g="0" b="0"/>
+      </a:effectRef>
+      <a:fontRef idx="minor"/>
+    </dgm:style>
+  </dgm:styleLbl>
+  <dgm:styleLbl name="parChTrans1D3">
+    <dgm:scene3d>
+      <a:camera prst="orthographicFront"/>
+      <a:lightRig rig="threePt" dir="t"/>
+    </dgm:scene3d>
+    <dgm:sp3d/>
+    <dgm:txPr/>
+    <dgm:style>
+      <a:lnRef idx="2">
+        <a:scrgbClr r="0" g="0" b="0"/>
+      </a:lnRef>
+      <a:fillRef idx="0">
+        <a:scrgbClr r="0" g="0" b="0"/>
+      </a:fillRef>
+      <a:effectRef idx="0">
+        <a:scrgbClr r="0" g="0" b="0"/>
+      </a:effectRef>
+      <a:fontRef idx="minor"/>
+    </dgm:style>
+  </dgm:styleLbl>
+  <dgm:styleLbl name="parChTrans1D4">
+    <dgm:scene3d>
+      <a:camera prst="orthographicFront"/>
+      <a:lightRig rig="threePt" dir="t"/>
+    </dgm:scene3d>
+    <dgm:sp3d/>
+    <dgm:txPr/>
+    <dgm:style>
+      <a:lnRef idx="2">
+        <a:scrgbClr r="0" g="0" b="0"/>
+      </a:lnRef>
+      <a:fillRef idx="0">
+        <a:scrgbClr r="0" g="0" b="0"/>
+      </a:fillRef>
+      <a:effectRef idx="0">
+        <a:scrgbClr r="0" g="0" b="0"/>
+      </a:effectRef>
+      <a:fontRef idx="minor"/>
+    </dgm:style>
+  </dgm:styleLbl>
+  <dgm:styleLbl name="fgAcc1">
+    <dgm:scene3d>
+      <a:camera prst="orthographicFront"/>
+      <a:lightRig rig="threePt" dir="t"/>
+    </dgm:scene3d>
+    <dgm:sp3d/>
+    <dgm:txPr/>
+    <dgm:style>
+      <a:lnRef idx="1">
+        <a:scrgbClr r="0" g="0" b="0"/>
+      </a:lnRef>
+      <a:fillRef idx="1">
+        <a:scrgbClr r="0" g="0" b="0"/>
+      </a:fillRef>
+      <a:effectRef idx="2">
+        <a:scrgbClr r="0" g="0" b="0"/>
+      </a:effectRef>
+      <a:fontRef idx="minor"/>
+    </dgm:style>
+  </dgm:styleLbl>
+  <dgm:styleLbl name="conFgAcc1">
+    <dgm:scene3d>
+      <a:camera prst="orthographicFront"/>
+      <a:lightRig rig="threePt" dir="t"/>
+    </dgm:scene3d>
+    <dgm:sp3d/>
+    <dgm:txPr/>
+    <dgm:style>
+      <a:lnRef idx="1">
+        <a:scrgbClr r="0" g="0" b="0"/>
+      </a:lnRef>
+      <a:fillRef idx="1">
+        <a:scrgbClr r="0" g="0" b="0"/>
+      </a:fillRef>
+      <a:effectRef idx="2">
+        <a:scrgbClr r="0" g="0" b="0"/>
+      </a:effectRef>
+      <a:fontRef idx="minor"/>
+    </dgm:style>
+  </dgm:styleLbl>
+  <dgm:styleLbl name="alignAcc1">
+    <dgm:scene3d>
+      <a:camera prst="orthographicFront"/>
+      <a:lightRig rig="threePt" dir="t"/>
+    </dgm:scene3d>
+    <dgm:sp3d/>
+    <dgm:txPr/>
+    <dgm:style>
+      <a:lnRef idx="1">
+        <a:scrgbClr r="0" g="0" b="0"/>
+      </a:lnRef>
+      <a:fillRef idx="1">
+        <a:scrgbClr r="0" g="0" b="0"/>
+      </a:fillRef>
+      <a:effectRef idx="2">
+        <a:scrgbClr r="0" g="0" b="0"/>
+      </a:effectRef>
+      <a:fontRef idx="minor"/>
+    </dgm:style>
+  </dgm:styleLbl>
+  <dgm:styleLbl name="trAlignAcc1">
+    <dgm:scene3d>
+      <a:camera prst="orthographicFront"/>
+      <a:lightRig rig="threePt" dir="t"/>
+    </dgm:scene3d>
+    <dgm:sp3d/>
+    <dgm:txPr/>
+    <dgm:style>
+      <a:lnRef idx="1">
+        <a:scrgbClr r="0" g="0" b="0"/>
+      </a:lnRef>
+      <a:fillRef idx="1">
+        <a:scrgbClr r="0" g="0" b="0"/>
+      </a:fillRef>
+      <a:effectRef idx="0">
+        <a:scrgbClr r="0" g="0" b="0"/>
+      </a:effectRef>
+      <a:fontRef idx="minor"/>
+    </dgm:style>
+  </dgm:styleLbl>
+  <dgm:styleLbl name="bgAcc1">
+    <dgm:scene3d>
+      <a:camera prst="orthographicFront"/>
+      <a:lightRig rig="threePt" dir="t"/>
+    </dgm:scene3d>
+    <dgm:sp3d/>
+    <dgm:txPr/>
+    <dgm:style>
+      <a:lnRef idx="1">
+        <a:scrgbClr r="0" g="0" b="0"/>
+      </a:lnRef>
+      <a:fillRef idx="1">
+        <a:scrgbClr r="0" g="0" b="0"/>
+      </a:fillRef>
+      <a:effectRef idx="2">
+        <a:scrgbClr r="0" g="0" b="0"/>
+      </a:effectRef>
+      <a:fontRef idx="minor"/>
+    </dgm:style>
+  </dgm:styleLbl>
+  <dgm:styleLbl name="solidFgAcc1">
+    <dgm:scene3d>
+      <a:camera prst="orthographicFront"/>
+      <a:lightRig rig="threePt" dir="t"/>
+    </dgm:scene3d>
+    <dgm:sp3d/>
+    <dgm:txPr/>
+    <dgm:style>
+      <a:lnRef idx="1">
+        <a:scrgbClr r="0" g="0" b="0"/>
+      </a:lnRef>
+      <a:fillRef idx="1">
+        <a:scrgbClr r="0" g="0" b="0"/>
+      </a:fillRef>
+      <a:effectRef idx="2">
+        <a:scrgbClr r="0" g="0" b="0"/>
+      </a:effectRef>
+      <a:fontRef idx="minor"/>
+    </dgm:style>
+  </dgm:styleLbl>
+  <dgm:styleLbl name="solidAlignAcc1">
+    <dgm:scene3d>
+      <a:camera prst="orthographicFront"/>
+      <a:lightRig rig="threePt" dir="t"/>
+    </dgm:scene3d>
+    <dgm:sp3d/>
+    <dgm:txPr/>
+    <dgm:style>
+      <a:lnRef idx="1">
+        <a:scrgbClr r="0" g="0" b="0"/>
+      </a:lnRef>
+      <a:fillRef idx="1">
+        <a:scrgbClr r="0" g="0" b="0"/>
+      </a:fillRef>
+      <a:effectRef idx="3">
+        <a:scrgbClr r="0" g="0" b="0"/>
+      </a:effectRef>
+      <a:fontRef idx="minor"/>
+    </dgm:style>
+  </dgm:styleLbl>
+  <dgm:styleLbl name="solidBgAcc1">
+    <dgm:scene3d>
+      <a:camera prst="orthographicFront"/>
+      <a:lightRig rig="threePt" dir="t"/>
+    </dgm:scene3d>
+    <dgm:sp3d/>
+    <dgm:txPr/>
+    <dgm:style>
+      <a:lnRef idx="1">
+        <a:scrgbClr r="0" g="0" b="0"/>
+      </a:lnRef>
+      <a:fillRef idx="1">
+        <a:scrgbClr r="0" g="0" b="0"/>
+      </a:fillRef>
+      <a:effectRef idx="3">
+        <a:scrgbClr r="0" g="0" b="0"/>
+      </a:effectRef>
+      <a:fontRef idx="minor"/>
+    </dgm:style>
+  </dgm:styleLbl>
+  <dgm:styleLbl name="fgAccFollowNode1">
+    <dgm:scene3d>
+      <a:camera prst="orthographicFront"/>
+      <a:lightRig rig="threePt" dir="t"/>
+    </dgm:scene3d>
+    <dgm:sp3d/>
+    <dgm:txPr/>
+    <dgm:style>
+      <a:lnRef idx="1">
+        <a:scrgbClr r="0" g="0" b="0"/>
+      </a:lnRef>
+      <a:fillRef idx="1">
+        <a:scrgbClr r="0" g="0" b="0"/>
+      </a:fillRef>
+      <a:effectRef idx="2">
+        <a:scrgbClr r="0" g="0" b="0"/>
+      </a:effectRef>
+      <a:fontRef idx="minor"/>
+    </dgm:style>
+  </dgm:styleLbl>
+  <dgm:styleLbl name="alignAccFollowNode1">
+    <dgm:scene3d>
+      <a:camera prst="orthographicFront"/>
+      <a:lightRig rig="threePt" dir="t"/>
+    </dgm:scene3d>
+    <dgm:sp3d/>
+    <dgm:txPr/>
+    <dgm:style>
+      <a:lnRef idx="1">
+        <a:scrgbClr r="0" g="0" b="0"/>
+      </a:lnRef>
+      <a:fillRef idx="1">
+        <a:scrgbClr r="0" g="0" b="0"/>
+      </a:fillRef>
+      <a:effectRef idx="2">
+        <a:scrgbClr r="0" g="0" b="0"/>
+      </a:effectRef>
+      <a:fontRef idx="minor"/>
+    </dgm:style>
+  </dgm:styleLbl>
+  <dgm:styleLbl name="bgAccFollowNode1">
+    <dgm:scene3d>
+      <a:camera prst="orthographicFront"/>
+      <a:lightRig rig="threePt" dir="t"/>
+    </dgm:scene3d>
+    <dgm:sp3d/>
+    <dgm:txPr/>
+    <dgm:style>
+      <a:lnRef idx="1">
+        <a:scrgbClr r="0" g="0" b="0"/>
+      </a:lnRef>
+      <a:fillRef idx="1">
+        <a:scrgbClr r="0" g="0" b="0"/>
+      </a:fillRef>
+      <a:effectRef idx="2">
+        <a:scrgbClr r="0" g="0" b="0"/>
+      </a:effectRef>
+      <a:fontRef idx="minor"/>
+    </dgm:style>
+  </dgm:styleLbl>
+  <dgm:styleLbl name="fgAcc0">
+    <dgm:scene3d>
+      <a:camera prst="orthographicFront"/>
+      <a:lightRig rig="threePt" dir="t"/>
+    </dgm:scene3d>
+    <dgm:sp3d/>
+    <dgm:txPr/>
+    <dgm:style>
+      <a:lnRef idx="1">
+        <a:scrgbClr r="0" g="0" b="0"/>
+      </a:lnRef>
+      <a:fillRef idx="1">
+        <a:scrgbClr r="0" g="0" b="0"/>
+      </a:fillRef>
+      <a:effectRef idx="2">
+        <a:scrgbClr r="0" g="0" b="0"/>
+      </a:effectRef>
+      <a:fontRef idx="minor"/>
+    </dgm:style>
+  </dgm:styleLbl>
+  <dgm:styleLbl name="fgAcc2">
+    <dgm:scene3d>
+      <a:camera prst="orthographicFront"/>
+      <a:lightRig rig="threePt" dir="t"/>
+    </dgm:scene3d>
+    <dgm:sp3d/>
+    <dgm:txPr/>
+    <dgm:style>
+      <a:lnRef idx="1">
+        <a:scrgbClr r="0" g="0" b="0"/>
+      </a:lnRef>
+      <a:fillRef idx="1">
+        <a:scrgbClr r="0" g="0" b="0"/>
+      </a:fillRef>
+      <a:effectRef idx="2">
+        <a:scrgbClr r="0" g="0" b="0"/>
+      </a:effectRef>
+      <a:fontRef idx="minor"/>
+    </dgm:style>
+  </dgm:styleLbl>
+  <dgm:styleLbl name="fgAcc3">
+    <dgm:scene3d>
+      <a:camera prst="orthographicFront"/>
+      <a:lightRig rig="threePt" dir="t"/>
+    </dgm:scene3d>
+    <dgm:sp3d/>
+    <dgm:txPr/>
+    <dgm:style>
+      <a:lnRef idx="1">
+        <a:scrgbClr r="0" g="0" b="0"/>
+      </a:lnRef>
+      <a:fillRef idx="1">
+        <a:scrgbClr r="0" g="0" b="0"/>
+      </a:fillRef>
+      <a:effectRef idx="2">
+        <a:scrgbClr r="0" g="0" b="0"/>
+      </a:effectRef>
+      <a:fontRef idx="minor"/>
+    </dgm:style>
+  </dgm:styleLbl>
+  <dgm:styleLbl name="fgAcc4">
+    <dgm:scene3d>
+      <a:camera prst="orthographicFront"/>
+      <a:lightRig rig="threePt" dir="t"/>
+    </dgm:scene3d>
+    <dgm:sp3d/>
+    <dgm:txPr/>
+    <dgm:style>
+      <a:lnRef idx="1">
+        <a:scrgbClr r="0" g="0" b="0"/>
+      </a:lnRef>
+      <a:fillRef idx="1">
+        <a:scrgbClr r="0" g="0" b="0"/>
+      </a:fillRef>
+      <a:effectRef idx="2">
+        <a:scrgbClr r="0" g="0" b="0"/>
+      </a:effectRef>
+      <a:fontRef idx="minor"/>
+    </dgm:style>
+  </dgm:styleLbl>
+  <dgm:styleLbl name="bgShp">
+    <dgm:scene3d>
+      <a:camera prst="orthographicFront"/>
+      <a:lightRig rig="threePt" dir="t"/>
+    </dgm:scene3d>
+    <dgm:sp3d/>
+    <dgm:txPr/>
+    <dgm:style>
+      <a:lnRef idx="0">
+        <a:scrgbClr r="0" g="0" b="0"/>
+      </a:lnRef>
+      <a:fillRef idx="1">
+        <a:scrgbClr r="0" g="0" b="0"/>
+      </a:fillRef>
+      <a:effectRef idx="2">
+        <a:scrgbClr r="0" g="0" b="0"/>
+      </a:effectRef>
+      <a:fontRef idx="minor"/>
+    </dgm:style>
+  </dgm:styleLbl>
+  <dgm:styleLbl name="dkBgShp">
+    <dgm:scene3d>
+      <a:camera prst="orthographicFront"/>
+      <a:lightRig rig="threePt" dir="t"/>
+    </dgm:scene3d>
+    <dgm:sp3d/>
+    <dgm:txPr/>
+    <dgm:style>
+      <a:lnRef idx="0">
+        <a:scrgbClr r="0" g="0" b="0"/>
+      </a:lnRef>
+      <a:fillRef idx="1">
+        <a:scrgbClr r="0" g="0" b="0"/>
+      </a:fillRef>
+      <a:effectRef idx="3">
+        <a:scrgbClr r="0" g="0" b="0"/>
+      </a:effectRef>
+      <a:fontRef idx="minor"/>
+    </dgm:style>
+  </dgm:styleLbl>
+  <dgm:styleLbl name="trBgShp">
+    <dgm:scene3d>
+      <a:camera prst="orthographicFront"/>
+      <a:lightRig rig="threePt" dir="t"/>
+    </dgm:scene3d>
+    <dgm:sp3d/>
+    <dgm:txPr/>
+    <dgm:style>
+      <a:lnRef idx="0">
+        <a:scrgbClr r="0" g="0" b="0"/>
+      </a:lnRef>
+      <a:fillRef idx="1">
+        <a:scrgbClr r="0" g="0" b="0"/>
+      </a:fillRef>
+      <a:effectRef idx="0">
+        <a:scrgbClr r="0" g="0" b="0"/>
+      </a:effectRef>
+      <a:fontRef idx="minor"/>
+    </dgm:style>
+  </dgm:styleLbl>
+  <dgm:styleLbl name="fgShp">
+    <dgm:scene3d>
+      <a:camera prst="orthographicFront"/>
+      <a:lightRig rig="threePt" dir="t"/>
+    </dgm:scene3d>
+    <dgm:sp3d/>
+    <dgm:txPr/>
+    <dgm:style>
+      <a:lnRef idx="0">
+        <a:scrgbClr r="0" g="0" b="0"/>
+      </a:lnRef>
+      <a:fillRef idx="3">
+        <a:scrgbClr r="0" g="0" b="0"/>
+      </a:fillRef>
+      <a:effectRef idx="3">
         <a:scrgbClr r="0" g="0" b="0"/>
       </a:effectRef>
       <a:fontRef idx="minor"/>
@@ -15241,6 +17843,660 @@
 </p:notes>
 </file>
 
+<file path=ppt/notesSlides/notesSlide10.xml><?xml version="1.0" encoding="utf-8"?>
+<p:notes xmlns:a="http://schemas.openxmlformats.org/drawingml/2006/main" xmlns:r="http://schemas.openxmlformats.org/officeDocument/2006/relationships" xmlns:p="http://schemas.openxmlformats.org/presentationml/2006/main" showMasterSp="0" showMasterPhAnim="0">
+  <p:cSld>
+    <p:spTree>
+      <p:nvGrpSpPr>
+        <p:cNvPr id="1" name="Shape 567"/>
+        <p:cNvGrpSpPr/>
+        <p:nvPr/>
+      </p:nvGrpSpPr>
+      <p:grpSpPr>
+        <a:xfrm>
+          <a:off x="0" y="0"/>
+          <a:ext cx="0" cy="0"/>
+          <a:chOff x="0" y="0"/>
+          <a:chExt cx="0" cy="0"/>
+        </a:xfrm>
+      </p:grpSpPr>
+      <p:sp>
+        <p:nvSpPr>
+          <p:cNvPr id="568" name="Google Shape;568;g6c4305b01e_0_15:notes"/>
+          <p:cNvSpPr>
+            <a:spLocks noGrp="1" noRot="1" noChangeAspect="1"/>
+          </p:cNvSpPr>
+          <p:nvPr>
+            <p:ph type="sldImg" idx="2"/>
+          </p:nvPr>
+        </p:nvSpPr>
+        <p:spPr>
+          <a:xfrm>
+            <a:off x="381000" y="685800"/>
+            <a:ext cx="6096000" cy="3429000"/>
+          </a:xfrm>
+          <a:custGeom>
+            <a:avLst/>
+            <a:gdLst/>
+            <a:ahLst/>
+            <a:cxnLst/>
+            <a:rect l="l" t="t" r="r" b="b"/>
+            <a:pathLst>
+              <a:path w="120000" h="120000" extrusionOk="0">
+                <a:moveTo>
+                  <a:pt x="0" y="0"/>
+                </a:moveTo>
+                <a:lnTo>
+                  <a:pt x="120000" y="0"/>
+                </a:lnTo>
+                <a:lnTo>
+                  <a:pt x="120000" y="120000"/>
+                </a:lnTo>
+                <a:lnTo>
+                  <a:pt x="0" y="120000"/>
+                </a:lnTo>
+                <a:close/>
+              </a:path>
+            </a:pathLst>
+          </a:custGeom>
+        </p:spPr>
+      </p:sp>
+      <p:sp>
+        <p:nvSpPr>
+          <p:cNvPr id="569" name="Google Shape;569;g6c4305b01e_0_15:notes"/>
+          <p:cNvSpPr txBox="1">
+            <a:spLocks noGrp="1"/>
+          </p:cNvSpPr>
+          <p:nvPr>
+            <p:ph type="body" idx="1"/>
+          </p:nvPr>
+        </p:nvSpPr>
+        <p:spPr>
+          <a:xfrm>
+            <a:off x="685800" y="4343400"/>
+            <a:ext cx="5486400" cy="4114800"/>
+          </a:xfrm>
+          <a:prstGeom prst="rect">
+            <a:avLst/>
+          </a:prstGeom>
+        </p:spPr>
+        <p:txBody>
+          <a:bodyPr spcFirstLastPara="1" wrap="square" lIns="91425" tIns="91425" rIns="91425" bIns="91425" anchor="t" anchorCtr="0">
+            <a:noAutofit/>
+          </a:bodyPr>
+          <a:lstStyle/>
+          <a:p>
+            <a:pPr marL="0" lvl="0" indent="0" algn="l" rtl="0">
+              <a:spcBef>
+                <a:spcPts val="0"/>
+              </a:spcBef>
+              <a:spcAft>
+                <a:spcPts val="0"/>
+              </a:spcAft>
+              <a:buNone/>
+            </a:pPr>
+            <a:endParaRPr dirty="0"/>
+          </a:p>
+        </p:txBody>
+      </p:sp>
+    </p:spTree>
+    <p:extLst>
+      <p:ext uri="{BB962C8B-B14F-4D97-AF65-F5344CB8AC3E}">
+        <p14:creationId xmlns:p14="http://schemas.microsoft.com/office/powerpoint/2010/main" val="2719598084"/>
+      </p:ext>
+    </p:extLst>
+  </p:cSld>
+  <p:clrMapOvr>
+    <a:masterClrMapping/>
+  </p:clrMapOvr>
+</p:notes>
+</file>
+
+<file path=ppt/notesSlides/notesSlide11.xml><?xml version="1.0" encoding="utf-8"?>
+<p:notes xmlns:a="http://schemas.openxmlformats.org/drawingml/2006/main" xmlns:r="http://schemas.openxmlformats.org/officeDocument/2006/relationships" xmlns:p="http://schemas.openxmlformats.org/presentationml/2006/main" showMasterSp="0" showMasterPhAnim="0">
+  <p:cSld>
+    <p:spTree>
+      <p:nvGrpSpPr>
+        <p:cNvPr id="1" name="Shape 567"/>
+        <p:cNvGrpSpPr/>
+        <p:nvPr/>
+      </p:nvGrpSpPr>
+      <p:grpSpPr>
+        <a:xfrm>
+          <a:off x="0" y="0"/>
+          <a:ext cx="0" cy="0"/>
+          <a:chOff x="0" y="0"/>
+          <a:chExt cx="0" cy="0"/>
+        </a:xfrm>
+      </p:grpSpPr>
+      <p:sp>
+        <p:nvSpPr>
+          <p:cNvPr id="568" name="Google Shape;568;g6c4305b01e_0_15:notes"/>
+          <p:cNvSpPr>
+            <a:spLocks noGrp="1" noRot="1" noChangeAspect="1"/>
+          </p:cNvSpPr>
+          <p:nvPr>
+            <p:ph type="sldImg" idx="2"/>
+          </p:nvPr>
+        </p:nvSpPr>
+        <p:spPr>
+          <a:xfrm>
+            <a:off x="381000" y="685800"/>
+            <a:ext cx="6096000" cy="3429000"/>
+          </a:xfrm>
+          <a:custGeom>
+            <a:avLst/>
+            <a:gdLst/>
+            <a:ahLst/>
+            <a:cxnLst/>
+            <a:rect l="l" t="t" r="r" b="b"/>
+            <a:pathLst>
+              <a:path w="120000" h="120000" extrusionOk="0">
+                <a:moveTo>
+                  <a:pt x="0" y="0"/>
+                </a:moveTo>
+                <a:lnTo>
+                  <a:pt x="120000" y="0"/>
+                </a:lnTo>
+                <a:lnTo>
+                  <a:pt x="120000" y="120000"/>
+                </a:lnTo>
+                <a:lnTo>
+                  <a:pt x="0" y="120000"/>
+                </a:lnTo>
+                <a:close/>
+              </a:path>
+            </a:pathLst>
+          </a:custGeom>
+        </p:spPr>
+      </p:sp>
+      <p:sp>
+        <p:nvSpPr>
+          <p:cNvPr id="569" name="Google Shape;569;g6c4305b01e_0_15:notes"/>
+          <p:cNvSpPr txBox="1">
+            <a:spLocks noGrp="1"/>
+          </p:cNvSpPr>
+          <p:nvPr>
+            <p:ph type="body" idx="1"/>
+          </p:nvPr>
+        </p:nvSpPr>
+        <p:spPr>
+          <a:xfrm>
+            <a:off x="685800" y="4343400"/>
+            <a:ext cx="5486400" cy="4114800"/>
+          </a:xfrm>
+          <a:prstGeom prst="rect">
+            <a:avLst/>
+          </a:prstGeom>
+        </p:spPr>
+        <p:txBody>
+          <a:bodyPr spcFirstLastPara="1" wrap="square" lIns="91425" tIns="91425" rIns="91425" bIns="91425" anchor="t" anchorCtr="0">
+            <a:noAutofit/>
+          </a:bodyPr>
+          <a:lstStyle/>
+          <a:p>
+            <a:pPr marL="0" lvl="0" indent="0" algn="l" rtl="0">
+              <a:spcBef>
+                <a:spcPts val="0"/>
+              </a:spcBef>
+              <a:spcAft>
+                <a:spcPts val="0"/>
+              </a:spcAft>
+              <a:buNone/>
+            </a:pPr>
+            <a:endParaRPr dirty="0"/>
+          </a:p>
+        </p:txBody>
+      </p:sp>
+    </p:spTree>
+    <p:extLst>
+      <p:ext uri="{BB962C8B-B14F-4D97-AF65-F5344CB8AC3E}">
+        <p14:creationId xmlns:p14="http://schemas.microsoft.com/office/powerpoint/2010/main" val="2213559335"/>
+      </p:ext>
+    </p:extLst>
+  </p:cSld>
+  <p:clrMapOvr>
+    <a:masterClrMapping/>
+  </p:clrMapOvr>
+</p:notes>
+</file>
+
+<file path=ppt/notesSlides/notesSlide12.xml><?xml version="1.0" encoding="utf-8"?>
+<p:notes xmlns:a="http://schemas.openxmlformats.org/drawingml/2006/main" xmlns:r="http://schemas.openxmlformats.org/officeDocument/2006/relationships" xmlns:p="http://schemas.openxmlformats.org/presentationml/2006/main" showMasterSp="0" showMasterPhAnim="0">
+  <p:cSld>
+    <p:spTree>
+      <p:nvGrpSpPr>
+        <p:cNvPr id="1" name="Shape 567"/>
+        <p:cNvGrpSpPr/>
+        <p:nvPr/>
+      </p:nvGrpSpPr>
+      <p:grpSpPr>
+        <a:xfrm>
+          <a:off x="0" y="0"/>
+          <a:ext cx="0" cy="0"/>
+          <a:chOff x="0" y="0"/>
+          <a:chExt cx="0" cy="0"/>
+        </a:xfrm>
+      </p:grpSpPr>
+      <p:sp>
+        <p:nvSpPr>
+          <p:cNvPr id="568" name="Google Shape;568;g6c4305b01e_0_15:notes"/>
+          <p:cNvSpPr>
+            <a:spLocks noGrp="1" noRot="1" noChangeAspect="1"/>
+          </p:cNvSpPr>
+          <p:nvPr>
+            <p:ph type="sldImg" idx="2"/>
+          </p:nvPr>
+        </p:nvSpPr>
+        <p:spPr>
+          <a:xfrm>
+            <a:off x="381000" y="685800"/>
+            <a:ext cx="6096000" cy="3429000"/>
+          </a:xfrm>
+          <a:custGeom>
+            <a:avLst/>
+            <a:gdLst/>
+            <a:ahLst/>
+            <a:cxnLst/>
+            <a:rect l="l" t="t" r="r" b="b"/>
+            <a:pathLst>
+              <a:path w="120000" h="120000" extrusionOk="0">
+                <a:moveTo>
+                  <a:pt x="0" y="0"/>
+                </a:moveTo>
+                <a:lnTo>
+                  <a:pt x="120000" y="0"/>
+                </a:lnTo>
+                <a:lnTo>
+                  <a:pt x="120000" y="120000"/>
+                </a:lnTo>
+                <a:lnTo>
+                  <a:pt x="0" y="120000"/>
+                </a:lnTo>
+                <a:close/>
+              </a:path>
+            </a:pathLst>
+          </a:custGeom>
+        </p:spPr>
+      </p:sp>
+      <p:sp>
+        <p:nvSpPr>
+          <p:cNvPr id="569" name="Google Shape;569;g6c4305b01e_0_15:notes"/>
+          <p:cNvSpPr txBox="1">
+            <a:spLocks noGrp="1"/>
+          </p:cNvSpPr>
+          <p:nvPr>
+            <p:ph type="body" idx="1"/>
+          </p:nvPr>
+        </p:nvSpPr>
+        <p:spPr>
+          <a:xfrm>
+            <a:off x="685800" y="4343400"/>
+            <a:ext cx="5486400" cy="4114800"/>
+          </a:xfrm>
+          <a:prstGeom prst="rect">
+            <a:avLst/>
+          </a:prstGeom>
+        </p:spPr>
+        <p:txBody>
+          <a:bodyPr spcFirstLastPara="1" wrap="square" lIns="91425" tIns="91425" rIns="91425" bIns="91425" anchor="t" anchorCtr="0">
+            <a:noAutofit/>
+          </a:bodyPr>
+          <a:lstStyle/>
+          <a:p>
+            <a:pPr marL="0" lvl="0" indent="0" algn="l" rtl="0">
+              <a:spcBef>
+                <a:spcPts val="0"/>
+              </a:spcBef>
+              <a:spcAft>
+                <a:spcPts val="0"/>
+              </a:spcAft>
+              <a:buNone/>
+            </a:pPr>
+            <a:endParaRPr dirty="0"/>
+          </a:p>
+        </p:txBody>
+      </p:sp>
+    </p:spTree>
+    <p:extLst>
+      <p:ext uri="{BB962C8B-B14F-4D97-AF65-F5344CB8AC3E}">
+        <p14:creationId xmlns:p14="http://schemas.microsoft.com/office/powerpoint/2010/main" val="2734063610"/>
+      </p:ext>
+    </p:extLst>
+  </p:cSld>
+  <p:clrMapOvr>
+    <a:masterClrMapping/>
+  </p:clrMapOvr>
+</p:notes>
+</file>
+
+<file path=ppt/notesSlides/notesSlide13.xml><?xml version="1.0" encoding="utf-8"?>
+<p:notes xmlns:a="http://schemas.openxmlformats.org/drawingml/2006/main" xmlns:r="http://schemas.openxmlformats.org/officeDocument/2006/relationships" xmlns:p="http://schemas.openxmlformats.org/presentationml/2006/main" showMasterSp="0" showMasterPhAnim="0">
+  <p:cSld>
+    <p:spTree>
+      <p:nvGrpSpPr>
+        <p:cNvPr id="1" name="Shape 567"/>
+        <p:cNvGrpSpPr/>
+        <p:nvPr/>
+      </p:nvGrpSpPr>
+      <p:grpSpPr>
+        <a:xfrm>
+          <a:off x="0" y="0"/>
+          <a:ext cx="0" cy="0"/>
+          <a:chOff x="0" y="0"/>
+          <a:chExt cx="0" cy="0"/>
+        </a:xfrm>
+      </p:grpSpPr>
+      <p:sp>
+        <p:nvSpPr>
+          <p:cNvPr id="568" name="Google Shape;568;g6c4305b01e_0_15:notes"/>
+          <p:cNvSpPr>
+            <a:spLocks noGrp="1" noRot="1" noChangeAspect="1"/>
+          </p:cNvSpPr>
+          <p:nvPr>
+            <p:ph type="sldImg" idx="2"/>
+          </p:nvPr>
+        </p:nvSpPr>
+        <p:spPr>
+          <a:xfrm>
+            <a:off x="381000" y="685800"/>
+            <a:ext cx="6096000" cy="3429000"/>
+          </a:xfrm>
+          <a:custGeom>
+            <a:avLst/>
+            <a:gdLst/>
+            <a:ahLst/>
+            <a:cxnLst/>
+            <a:rect l="l" t="t" r="r" b="b"/>
+            <a:pathLst>
+              <a:path w="120000" h="120000" extrusionOk="0">
+                <a:moveTo>
+                  <a:pt x="0" y="0"/>
+                </a:moveTo>
+                <a:lnTo>
+                  <a:pt x="120000" y="0"/>
+                </a:lnTo>
+                <a:lnTo>
+                  <a:pt x="120000" y="120000"/>
+                </a:lnTo>
+                <a:lnTo>
+                  <a:pt x="0" y="120000"/>
+                </a:lnTo>
+                <a:close/>
+              </a:path>
+            </a:pathLst>
+          </a:custGeom>
+        </p:spPr>
+      </p:sp>
+      <p:sp>
+        <p:nvSpPr>
+          <p:cNvPr id="569" name="Google Shape;569;g6c4305b01e_0_15:notes"/>
+          <p:cNvSpPr txBox="1">
+            <a:spLocks noGrp="1"/>
+          </p:cNvSpPr>
+          <p:nvPr>
+            <p:ph type="body" idx="1"/>
+          </p:nvPr>
+        </p:nvSpPr>
+        <p:spPr>
+          <a:xfrm>
+            <a:off x="685800" y="4343400"/>
+            <a:ext cx="5486400" cy="4114800"/>
+          </a:xfrm>
+          <a:prstGeom prst="rect">
+            <a:avLst/>
+          </a:prstGeom>
+        </p:spPr>
+        <p:txBody>
+          <a:bodyPr spcFirstLastPara="1" wrap="square" lIns="91425" tIns="91425" rIns="91425" bIns="91425" anchor="t" anchorCtr="0">
+            <a:noAutofit/>
+          </a:bodyPr>
+          <a:lstStyle/>
+          <a:p>
+            <a:pPr marL="0" lvl="0" indent="0" algn="l" rtl="0">
+              <a:spcBef>
+                <a:spcPts val="0"/>
+              </a:spcBef>
+              <a:spcAft>
+                <a:spcPts val="0"/>
+              </a:spcAft>
+              <a:buNone/>
+            </a:pPr>
+            <a:endParaRPr dirty="0"/>
+          </a:p>
+        </p:txBody>
+      </p:sp>
+    </p:spTree>
+    <p:extLst>
+      <p:ext uri="{BB962C8B-B14F-4D97-AF65-F5344CB8AC3E}">
+        <p14:creationId xmlns:p14="http://schemas.microsoft.com/office/powerpoint/2010/main" val="1842684864"/>
+      </p:ext>
+    </p:extLst>
+  </p:cSld>
+  <p:clrMapOvr>
+    <a:masterClrMapping/>
+  </p:clrMapOvr>
+</p:notes>
+</file>
+
+<file path=ppt/notesSlides/notesSlide14.xml><?xml version="1.0" encoding="utf-8"?>
+<p:notes xmlns:a="http://schemas.openxmlformats.org/drawingml/2006/main" xmlns:r="http://schemas.openxmlformats.org/officeDocument/2006/relationships" xmlns:p="http://schemas.openxmlformats.org/presentationml/2006/main" showMasterSp="0" showMasterPhAnim="0">
+  <p:cSld>
+    <p:spTree>
+      <p:nvGrpSpPr>
+        <p:cNvPr id="1" name="Shape 567"/>
+        <p:cNvGrpSpPr/>
+        <p:nvPr/>
+      </p:nvGrpSpPr>
+      <p:grpSpPr>
+        <a:xfrm>
+          <a:off x="0" y="0"/>
+          <a:ext cx="0" cy="0"/>
+          <a:chOff x="0" y="0"/>
+          <a:chExt cx="0" cy="0"/>
+        </a:xfrm>
+      </p:grpSpPr>
+      <p:sp>
+        <p:nvSpPr>
+          <p:cNvPr id="568" name="Google Shape;568;g6c4305b01e_0_15:notes"/>
+          <p:cNvSpPr>
+            <a:spLocks noGrp="1" noRot="1" noChangeAspect="1"/>
+          </p:cNvSpPr>
+          <p:nvPr>
+            <p:ph type="sldImg" idx="2"/>
+          </p:nvPr>
+        </p:nvSpPr>
+        <p:spPr>
+          <a:xfrm>
+            <a:off x="381000" y="685800"/>
+            <a:ext cx="6096000" cy="3429000"/>
+          </a:xfrm>
+          <a:custGeom>
+            <a:avLst/>
+            <a:gdLst/>
+            <a:ahLst/>
+            <a:cxnLst/>
+            <a:rect l="l" t="t" r="r" b="b"/>
+            <a:pathLst>
+              <a:path w="120000" h="120000" extrusionOk="0">
+                <a:moveTo>
+                  <a:pt x="0" y="0"/>
+                </a:moveTo>
+                <a:lnTo>
+                  <a:pt x="120000" y="0"/>
+                </a:lnTo>
+                <a:lnTo>
+                  <a:pt x="120000" y="120000"/>
+                </a:lnTo>
+                <a:lnTo>
+                  <a:pt x="0" y="120000"/>
+                </a:lnTo>
+                <a:close/>
+              </a:path>
+            </a:pathLst>
+          </a:custGeom>
+        </p:spPr>
+      </p:sp>
+      <p:sp>
+        <p:nvSpPr>
+          <p:cNvPr id="569" name="Google Shape;569;g6c4305b01e_0_15:notes"/>
+          <p:cNvSpPr txBox="1">
+            <a:spLocks noGrp="1"/>
+          </p:cNvSpPr>
+          <p:nvPr>
+            <p:ph type="body" idx="1"/>
+          </p:nvPr>
+        </p:nvSpPr>
+        <p:spPr>
+          <a:xfrm>
+            <a:off x="685800" y="4343400"/>
+            <a:ext cx="5486400" cy="4114800"/>
+          </a:xfrm>
+          <a:prstGeom prst="rect">
+            <a:avLst/>
+          </a:prstGeom>
+        </p:spPr>
+        <p:txBody>
+          <a:bodyPr spcFirstLastPara="1" wrap="square" lIns="91425" tIns="91425" rIns="91425" bIns="91425" anchor="t" anchorCtr="0">
+            <a:noAutofit/>
+          </a:bodyPr>
+          <a:lstStyle/>
+          <a:p>
+            <a:pPr marL="0" lvl="0" indent="0" algn="l" rtl="0">
+              <a:spcBef>
+                <a:spcPts val="0"/>
+              </a:spcBef>
+              <a:spcAft>
+                <a:spcPts val="0"/>
+              </a:spcAft>
+              <a:buNone/>
+            </a:pPr>
+            <a:endParaRPr dirty="0"/>
+          </a:p>
+        </p:txBody>
+      </p:sp>
+    </p:spTree>
+    <p:extLst>
+      <p:ext uri="{BB962C8B-B14F-4D97-AF65-F5344CB8AC3E}">
+        <p14:creationId xmlns:p14="http://schemas.microsoft.com/office/powerpoint/2010/main" val="2875417730"/>
+      </p:ext>
+    </p:extLst>
+  </p:cSld>
+  <p:clrMapOvr>
+    <a:masterClrMapping/>
+  </p:clrMapOvr>
+</p:notes>
+</file>
+
+<file path=ppt/notesSlides/notesSlide15.xml><?xml version="1.0" encoding="utf-8"?>
+<p:notes xmlns:a="http://schemas.openxmlformats.org/drawingml/2006/main" xmlns:r="http://schemas.openxmlformats.org/officeDocument/2006/relationships" xmlns:p="http://schemas.openxmlformats.org/presentationml/2006/main" showMasterSp="0" showMasterPhAnim="0">
+  <p:cSld>
+    <p:spTree>
+      <p:nvGrpSpPr>
+        <p:cNvPr id="1" name="Shape 567"/>
+        <p:cNvGrpSpPr/>
+        <p:nvPr/>
+      </p:nvGrpSpPr>
+      <p:grpSpPr>
+        <a:xfrm>
+          <a:off x="0" y="0"/>
+          <a:ext cx="0" cy="0"/>
+          <a:chOff x="0" y="0"/>
+          <a:chExt cx="0" cy="0"/>
+        </a:xfrm>
+      </p:grpSpPr>
+      <p:sp>
+        <p:nvSpPr>
+          <p:cNvPr id="568" name="Google Shape;568;g6c4305b01e_0_15:notes"/>
+          <p:cNvSpPr>
+            <a:spLocks noGrp="1" noRot="1" noChangeAspect="1"/>
+          </p:cNvSpPr>
+          <p:nvPr>
+            <p:ph type="sldImg" idx="2"/>
+          </p:nvPr>
+        </p:nvSpPr>
+        <p:spPr>
+          <a:xfrm>
+            <a:off x="381000" y="685800"/>
+            <a:ext cx="6096000" cy="3429000"/>
+          </a:xfrm>
+          <a:custGeom>
+            <a:avLst/>
+            <a:gdLst/>
+            <a:ahLst/>
+            <a:cxnLst/>
+            <a:rect l="l" t="t" r="r" b="b"/>
+            <a:pathLst>
+              <a:path w="120000" h="120000" extrusionOk="0">
+                <a:moveTo>
+                  <a:pt x="0" y="0"/>
+                </a:moveTo>
+                <a:lnTo>
+                  <a:pt x="120000" y="0"/>
+                </a:lnTo>
+                <a:lnTo>
+                  <a:pt x="120000" y="120000"/>
+                </a:lnTo>
+                <a:lnTo>
+                  <a:pt x="0" y="120000"/>
+                </a:lnTo>
+                <a:close/>
+              </a:path>
+            </a:pathLst>
+          </a:custGeom>
+        </p:spPr>
+      </p:sp>
+      <p:sp>
+        <p:nvSpPr>
+          <p:cNvPr id="569" name="Google Shape;569;g6c4305b01e_0_15:notes"/>
+          <p:cNvSpPr txBox="1">
+            <a:spLocks noGrp="1"/>
+          </p:cNvSpPr>
+          <p:nvPr>
+            <p:ph type="body" idx="1"/>
+          </p:nvPr>
+        </p:nvSpPr>
+        <p:spPr>
+          <a:xfrm>
+            <a:off x="685800" y="4343400"/>
+            <a:ext cx="5486400" cy="4114800"/>
+          </a:xfrm>
+          <a:prstGeom prst="rect">
+            <a:avLst/>
+          </a:prstGeom>
+        </p:spPr>
+        <p:txBody>
+          <a:bodyPr spcFirstLastPara="1" wrap="square" lIns="91425" tIns="91425" rIns="91425" bIns="91425" anchor="t" anchorCtr="0">
+            <a:noAutofit/>
+          </a:bodyPr>
+          <a:lstStyle/>
+          <a:p>
+            <a:pPr marL="0" lvl="0" indent="0" algn="l" rtl="0">
+              <a:spcBef>
+                <a:spcPts val="0"/>
+              </a:spcBef>
+              <a:spcAft>
+                <a:spcPts val="0"/>
+              </a:spcAft>
+              <a:buNone/>
+            </a:pPr>
+            <a:endParaRPr dirty="0"/>
+          </a:p>
+        </p:txBody>
+      </p:sp>
+    </p:spTree>
+    <p:extLst>
+      <p:ext uri="{BB962C8B-B14F-4D97-AF65-F5344CB8AC3E}">
+        <p14:creationId xmlns:p14="http://schemas.microsoft.com/office/powerpoint/2010/main" val="926451298"/>
+      </p:ext>
+    </p:extLst>
+  </p:cSld>
+  <p:clrMapOvr>
+    <a:masterClrMapping/>
+  </p:clrMapOvr>
+</p:notes>
+</file>
+
 <file path=ppt/notesSlides/notesSlide2.xml><?xml version="1.0" encoding="utf-8"?>
 <p:notes xmlns:a="http://schemas.openxmlformats.org/drawingml/2006/main" xmlns:r="http://schemas.openxmlformats.org/officeDocument/2006/relationships" xmlns:p="http://schemas.openxmlformats.org/presentationml/2006/main">
   <p:cSld>
@@ -15960,7 +19216,7 @@
     </p:spTree>
     <p:extLst>
       <p:ext uri="{BB962C8B-B14F-4D97-AF65-F5344CB8AC3E}">
-        <p14:creationId xmlns:p14="http://schemas.microsoft.com/office/powerpoint/2010/main" val="2875417730"/>
+        <p14:creationId xmlns:p14="http://schemas.microsoft.com/office/powerpoint/2010/main" val="724969976"/>
       </p:ext>
     </p:extLst>
   </p:cSld>
@@ -16069,7 +19325,7 @@
     </p:spTree>
     <p:extLst>
       <p:ext uri="{BB962C8B-B14F-4D97-AF65-F5344CB8AC3E}">
-        <p14:creationId xmlns:p14="http://schemas.microsoft.com/office/powerpoint/2010/main" val="926451298"/>
+        <p14:creationId xmlns:p14="http://schemas.microsoft.com/office/powerpoint/2010/main" val="3218394783"/>
       </p:ext>
     </p:extLst>
   </p:cSld>
@@ -22674,6 +25930,1890 @@
 </file>
 
 <file path=ppt/slides/slide10.xml><?xml version="1.0" encoding="utf-8"?>
+<p:sld xmlns:a="http://schemas.openxmlformats.org/drawingml/2006/main" xmlns:r="http://schemas.openxmlformats.org/officeDocument/2006/relationships" xmlns:p="http://schemas.openxmlformats.org/presentationml/2006/main">
+  <p:cSld>
+    <p:spTree>
+      <p:nvGrpSpPr>
+        <p:cNvPr id="1" name="Shape 570"/>
+        <p:cNvGrpSpPr/>
+        <p:nvPr/>
+      </p:nvGrpSpPr>
+      <p:grpSpPr>
+        <a:xfrm>
+          <a:off x="0" y="0"/>
+          <a:ext cx="0" cy="0"/>
+          <a:chOff x="0" y="0"/>
+          <a:chExt cx="0" cy="0"/>
+        </a:xfrm>
+      </p:grpSpPr>
+      <p:sp>
+        <p:nvSpPr>
+          <p:cNvPr id="8" name="Google Shape;507;p28">
+            <a:extLst>
+              <a:ext uri="{FF2B5EF4-FFF2-40B4-BE49-F238E27FC236}">
+                <a16:creationId xmlns:a16="http://schemas.microsoft.com/office/drawing/2014/main" id="{EB17A23D-C35B-A749-8D29-5C3B2C608BA0}"/>
+              </a:ext>
+            </a:extLst>
+          </p:cNvPr>
+          <p:cNvSpPr txBox="1">
+            <a:spLocks noGrp="1"/>
+          </p:cNvSpPr>
+          <p:nvPr>
+            <p:ph type="ctrTitle"/>
+          </p:nvPr>
+        </p:nvSpPr>
+        <p:spPr>
+          <a:xfrm>
+            <a:off x="0" y="0"/>
+            <a:ext cx="3263705" cy="577800"/>
+          </a:xfrm>
+          <a:prstGeom prst="rect">
+            <a:avLst/>
+          </a:prstGeom>
+        </p:spPr>
+        <p:txBody>
+          <a:bodyPr spcFirstLastPara="1" wrap="square" lIns="91425" tIns="91425" rIns="91425" bIns="91425" anchor="b" anchorCtr="0">
+            <a:noAutofit/>
+          </a:bodyPr>
+          <a:lstStyle/>
+          <a:p>
+            <a:r>
+              <a:rPr lang="fr-FR" b="1" dirty="0">
+                <a:solidFill>
+                  <a:schemeClr val="bg1"/>
+                </a:solidFill>
+                <a:latin typeface="Courier New" panose="02070309020205020404" pitchFamily="49" charset="0"/>
+                <a:cs typeface="Courier New" panose="02070309020205020404" pitchFamily="49" charset="0"/>
+              </a:rPr>
+              <a:t>03- Modélisation</a:t>
+            </a:r>
+          </a:p>
+        </p:txBody>
+      </p:sp>
+      <p:sp>
+        <p:nvSpPr>
+          <p:cNvPr id="9" name="Google Shape;507;p28">
+            <a:extLst>
+              <a:ext uri="{FF2B5EF4-FFF2-40B4-BE49-F238E27FC236}">
+                <a16:creationId xmlns:a16="http://schemas.microsoft.com/office/drawing/2014/main" id="{40DBCF56-2504-A24A-A78B-359CBE42A7B1}"/>
+              </a:ext>
+            </a:extLst>
+          </p:cNvPr>
+          <p:cNvSpPr txBox="1">
+            <a:spLocks/>
+          </p:cNvSpPr>
+          <p:nvPr/>
+        </p:nvSpPr>
+        <p:spPr>
+          <a:xfrm>
+            <a:off x="3263705" y="267548"/>
+            <a:ext cx="2787053" cy="310252"/>
+          </a:xfrm>
+          <a:prstGeom prst="rect">
+            <a:avLst/>
+          </a:prstGeom>
+          <a:noFill/>
+          <a:ln>
+            <a:noFill/>
+          </a:ln>
+        </p:spPr>
+        <p:txBody>
+          <a:bodyPr spcFirstLastPara="1" wrap="square" lIns="91425" tIns="91425" rIns="91425" bIns="91425" anchor="b" anchorCtr="0">
+            <a:noAutofit/>
+          </a:bodyPr>
+          <a:lstStyle>
+            <a:defPPr marR="0" lvl="0" algn="l" rtl="0">
+              <a:lnSpc>
+                <a:spcPct val="100000"/>
+              </a:lnSpc>
+              <a:spcBef>
+                <a:spcPts val="0"/>
+              </a:spcBef>
+              <a:spcAft>
+                <a:spcPts val="0"/>
+              </a:spcAft>
+            </a:defPPr>
+            <a:lvl1pPr marR="0" lvl="0" algn="l" rtl="0">
+              <a:lnSpc>
+                <a:spcPct val="100000"/>
+              </a:lnSpc>
+              <a:spcBef>
+                <a:spcPts val="0"/>
+              </a:spcBef>
+              <a:spcAft>
+                <a:spcPts val="0"/>
+              </a:spcAft>
+              <a:buClr>
+                <a:srgbClr val="000000"/>
+              </a:buClr>
+              <a:buSzPts val="1800"/>
+              <a:buFont typeface="Fira Sans Condensed Medium"/>
+              <a:buNone/>
+              <a:defRPr sz="2400" b="0" i="0" u="none" strike="noStrike" cap="none">
+                <a:solidFill>
+                  <a:schemeClr val="lt1"/>
+                </a:solidFill>
+                <a:latin typeface="Share Tech"/>
+                <a:ea typeface="Share Tech"/>
+                <a:cs typeface="Share Tech"/>
+                <a:sym typeface="Share Tech"/>
+              </a:defRPr>
+            </a:lvl1pPr>
+            <a:lvl2pPr marR="0" lvl="1" algn="ctr" rtl="0">
+              <a:lnSpc>
+                <a:spcPct val="100000"/>
+              </a:lnSpc>
+              <a:spcBef>
+                <a:spcPts val="0"/>
+              </a:spcBef>
+              <a:spcAft>
+                <a:spcPts val="0"/>
+              </a:spcAft>
+              <a:buClr>
+                <a:srgbClr val="000000"/>
+              </a:buClr>
+              <a:buSzPts val="1800"/>
+              <a:buFont typeface="Fira Sans Condensed Medium"/>
+              <a:buNone/>
+              <a:defRPr sz="1800" b="0" i="0" u="none" strike="noStrike" cap="none">
+                <a:solidFill>
+                  <a:srgbClr val="000000"/>
+                </a:solidFill>
+                <a:latin typeface="Fira Sans Condensed Medium"/>
+                <a:ea typeface="Fira Sans Condensed Medium"/>
+                <a:cs typeface="Fira Sans Condensed Medium"/>
+                <a:sym typeface="Fira Sans Condensed Medium"/>
+              </a:defRPr>
+            </a:lvl2pPr>
+            <a:lvl3pPr marR="0" lvl="2" algn="ctr" rtl="0">
+              <a:lnSpc>
+                <a:spcPct val="100000"/>
+              </a:lnSpc>
+              <a:spcBef>
+                <a:spcPts val="0"/>
+              </a:spcBef>
+              <a:spcAft>
+                <a:spcPts val="0"/>
+              </a:spcAft>
+              <a:buClr>
+                <a:srgbClr val="000000"/>
+              </a:buClr>
+              <a:buSzPts val="1800"/>
+              <a:buFont typeface="Fira Sans Condensed Medium"/>
+              <a:buNone/>
+              <a:defRPr sz="1800" b="0" i="0" u="none" strike="noStrike" cap="none">
+                <a:solidFill>
+                  <a:srgbClr val="000000"/>
+                </a:solidFill>
+                <a:latin typeface="Fira Sans Condensed Medium"/>
+                <a:ea typeface="Fira Sans Condensed Medium"/>
+                <a:cs typeface="Fira Sans Condensed Medium"/>
+                <a:sym typeface="Fira Sans Condensed Medium"/>
+              </a:defRPr>
+            </a:lvl3pPr>
+            <a:lvl4pPr marR="0" lvl="3" algn="ctr" rtl="0">
+              <a:lnSpc>
+                <a:spcPct val="100000"/>
+              </a:lnSpc>
+              <a:spcBef>
+                <a:spcPts val="0"/>
+              </a:spcBef>
+              <a:spcAft>
+                <a:spcPts val="0"/>
+              </a:spcAft>
+              <a:buClr>
+                <a:srgbClr val="000000"/>
+              </a:buClr>
+              <a:buSzPts val="1800"/>
+              <a:buFont typeface="Fira Sans Condensed Medium"/>
+              <a:buNone/>
+              <a:defRPr sz="1800" b="0" i="0" u="none" strike="noStrike" cap="none">
+                <a:solidFill>
+                  <a:srgbClr val="000000"/>
+                </a:solidFill>
+                <a:latin typeface="Fira Sans Condensed Medium"/>
+                <a:ea typeface="Fira Sans Condensed Medium"/>
+                <a:cs typeface="Fira Sans Condensed Medium"/>
+                <a:sym typeface="Fira Sans Condensed Medium"/>
+              </a:defRPr>
+            </a:lvl4pPr>
+            <a:lvl5pPr marR="0" lvl="4" algn="ctr" rtl="0">
+              <a:lnSpc>
+                <a:spcPct val="100000"/>
+              </a:lnSpc>
+              <a:spcBef>
+                <a:spcPts val="0"/>
+              </a:spcBef>
+              <a:spcAft>
+                <a:spcPts val="0"/>
+              </a:spcAft>
+              <a:buClr>
+                <a:srgbClr val="000000"/>
+              </a:buClr>
+              <a:buSzPts val="1800"/>
+              <a:buFont typeface="Fira Sans Condensed Medium"/>
+              <a:buNone/>
+              <a:defRPr sz="1800" b="0" i="0" u="none" strike="noStrike" cap="none">
+                <a:solidFill>
+                  <a:srgbClr val="000000"/>
+                </a:solidFill>
+                <a:latin typeface="Fira Sans Condensed Medium"/>
+                <a:ea typeface="Fira Sans Condensed Medium"/>
+                <a:cs typeface="Fira Sans Condensed Medium"/>
+                <a:sym typeface="Fira Sans Condensed Medium"/>
+              </a:defRPr>
+            </a:lvl5pPr>
+            <a:lvl6pPr marR="0" lvl="5" algn="ctr" rtl="0">
+              <a:lnSpc>
+                <a:spcPct val="100000"/>
+              </a:lnSpc>
+              <a:spcBef>
+                <a:spcPts val="0"/>
+              </a:spcBef>
+              <a:spcAft>
+                <a:spcPts val="0"/>
+              </a:spcAft>
+              <a:buClr>
+                <a:srgbClr val="000000"/>
+              </a:buClr>
+              <a:buSzPts val="1800"/>
+              <a:buFont typeface="Fira Sans Condensed Medium"/>
+              <a:buNone/>
+              <a:defRPr sz="1800" b="0" i="0" u="none" strike="noStrike" cap="none">
+                <a:solidFill>
+                  <a:srgbClr val="000000"/>
+                </a:solidFill>
+                <a:latin typeface="Fira Sans Condensed Medium"/>
+                <a:ea typeface="Fira Sans Condensed Medium"/>
+                <a:cs typeface="Fira Sans Condensed Medium"/>
+                <a:sym typeface="Fira Sans Condensed Medium"/>
+              </a:defRPr>
+            </a:lvl6pPr>
+            <a:lvl7pPr marR="0" lvl="6" algn="ctr" rtl="0">
+              <a:lnSpc>
+                <a:spcPct val="100000"/>
+              </a:lnSpc>
+              <a:spcBef>
+                <a:spcPts val="0"/>
+              </a:spcBef>
+              <a:spcAft>
+                <a:spcPts val="0"/>
+              </a:spcAft>
+              <a:buClr>
+                <a:srgbClr val="000000"/>
+              </a:buClr>
+              <a:buSzPts val="1800"/>
+              <a:buFont typeface="Fira Sans Condensed Medium"/>
+              <a:buNone/>
+              <a:defRPr sz="1800" b="0" i="0" u="none" strike="noStrike" cap="none">
+                <a:solidFill>
+                  <a:srgbClr val="000000"/>
+                </a:solidFill>
+                <a:latin typeface="Fira Sans Condensed Medium"/>
+                <a:ea typeface="Fira Sans Condensed Medium"/>
+                <a:cs typeface="Fira Sans Condensed Medium"/>
+                <a:sym typeface="Fira Sans Condensed Medium"/>
+              </a:defRPr>
+            </a:lvl7pPr>
+            <a:lvl8pPr marR="0" lvl="7" algn="ctr" rtl="0">
+              <a:lnSpc>
+                <a:spcPct val="100000"/>
+              </a:lnSpc>
+              <a:spcBef>
+                <a:spcPts val="0"/>
+              </a:spcBef>
+              <a:spcAft>
+                <a:spcPts val="0"/>
+              </a:spcAft>
+              <a:buClr>
+                <a:srgbClr val="000000"/>
+              </a:buClr>
+              <a:buSzPts val="1800"/>
+              <a:buFont typeface="Fira Sans Condensed Medium"/>
+              <a:buNone/>
+              <a:defRPr sz="1800" b="0" i="0" u="none" strike="noStrike" cap="none">
+                <a:solidFill>
+                  <a:srgbClr val="000000"/>
+                </a:solidFill>
+                <a:latin typeface="Fira Sans Condensed Medium"/>
+                <a:ea typeface="Fira Sans Condensed Medium"/>
+                <a:cs typeface="Fira Sans Condensed Medium"/>
+                <a:sym typeface="Fira Sans Condensed Medium"/>
+              </a:defRPr>
+            </a:lvl8pPr>
+            <a:lvl9pPr marR="0" lvl="8" algn="ctr" rtl="0">
+              <a:lnSpc>
+                <a:spcPct val="100000"/>
+              </a:lnSpc>
+              <a:spcBef>
+                <a:spcPts val="0"/>
+              </a:spcBef>
+              <a:spcAft>
+                <a:spcPts val="0"/>
+              </a:spcAft>
+              <a:buClr>
+                <a:srgbClr val="000000"/>
+              </a:buClr>
+              <a:buSzPts val="1800"/>
+              <a:buFont typeface="Fira Sans Condensed Medium"/>
+              <a:buNone/>
+              <a:defRPr sz="1800" b="0" i="0" u="none" strike="noStrike" cap="none">
+                <a:solidFill>
+                  <a:srgbClr val="000000"/>
+                </a:solidFill>
+                <a:latin typeface="Fira Sans Condensed Medium"/>
+                <a:ea typeface="Fira Sans Condensed Medium"/>
+                <a:cs typeface="Fira Sans Condensed Medium"/>
+                <a:sym typeface="Fira Sans Condensed Medium"/>
+              </a:defRPr>
+            </a:lvl9pPr>
+          </a:lstStyle>
+          <a:p>
+            <a:r>
+              <a:rPr lang="fr-FR" sz="1600" b="1" dirty="0">
+                <a:solidFill>
+                  <a:srgbClr val="FFFF00"/>
+                </a:solidFill>
+                <a:latin typeface="Courier New" panose="02070309020205020404" pitchFamily="49" charset="0"/>
+                <a:cs typeface="Courier New" panose="02070309020205020404" pitchFamily="49" charset="0"/>
+              </a:rPr>
+              <a:t>Analyse des résultats</a:t>
+            </a:r>
+          </a:p>
+        </p:txBody>
+      </p:sp>
+      <p:pic>
+        <p:nvPicPr>
+          <p:cNvPr id="13" name="Image 12">
+            <a:extLst>
+              <a:ext uri="{FF2B5EF4-FFF2-40B4-BE49-F238E27FC236}">
+                <a16:creationId xmlns:a16="http://schemas.microsoft.com/office/drawing/2014/main" id="{773835FB-B933-1945-84BE-4C8950503E54}"/>
+              </a:ext>
+            </a:extLst>
+          </p:cNvPr>
+          <p:cNvPicPr>
+            <a:picLocks noChangeAspect="1"/>
+          </p:cNvPicPr>
+          <p:nvPr/>
+        </p:nvPicPr>
+        <p:blipFill>
+          <a:blip r:embed="rId3"/>
+          <a:stretch>
+            <a:fillRect/>
+          </a:stretch>
+        </p:blipFill>
+        <p:spPr>
+          <a:xfrm>
+            <a:off x="5628792" y="736801"/>
+            <a:ext cx="3235526" cy="2705665"/>
+          </a:xfrm>
+          <a:prstGeom prst="rect">
+            <a:avLst/>
+          </a:prstGeom>
+        </p:spPr>
+      </p:pic>
+      <p:sp>
+        <p:nvSpPr>
+          <p:cNvPr id="2" name="ZoneTexte 1">
+            <a:extLst>
+              <a:ext uri="{FF2B5EF4-FFF2-40B4-BE49-F238E27FC236}">
+                <a16:creationId xmlns:a16="http://schemas.microsoft.com/office/drawing/2014/main" id="{37D0D502-97DC-7041-8231-F16F344E18CC}"/>
+              </a:ext>
+            </a:extLst>
+          </p:cNvPr>
+          <p:cNvSpPr txBox="1"/>
+          <p:nvPr/>
+        </p:nvSpPr>
+        <p:spPr>
+          <a:xfrm>
+            <a:off x="192504" y="908381"/>
+            <a:ext cx="5091763" cy="2893100"/>
+          </a:xfrm>
+          <a:prstGeom prst="rect">
+            <a:avLst/>
+          </a:prstGeom>
+          <a:noFill/>
+        </p:spPr>
+        <p:txBody>
+          <a:bodyPr wrap="square" rtlCol="0">
+            <a:spAutoFit/>
+          </a:bodyPr>
+          <a:lstStyle/>
+          <a:p>
+            <a:r>
+              <a:rPr lang="fr-FR" dirty="0">
+                <a:solidFill>
+                  <a:schemeClr val="bg1"/>
+                </a:solidFill>
+              </a:rPr>
+              <a:t>La courbe ROC (</a:t>
+            </a:r>
+            <a:r>
+              <a:rPr lang="fr-FR" dirty="0" err="1">
+                <a:solidFill>
+                  <a:schemeClr val="bg1"/>
+                </a:solidFill>
+              </a:rPr>
+              <a:t>Receiver</a:t>
+            </a:r>
+            <a:r>
+              <a:rPr lang="fr-FR" dirty="0">
+                <a:solidFill>
+                  <a:schemeClr val="bg1"/>
+                </a:solidFill>
+              </a:rPr>
+              <a:t> Operating Characteristic) est un outil communément utilisé avec les classifieurs binaires. Elle croise le taux de TP avec le taux de FP. </a:t>
+            </a:r>
+          </a:p>
+          <a:p>
+            <a:endParaRPr lang="fr-FR" dirty="0">
+              <a:solidFill>
+                <a:schemeClr val="bg1"/>
+              </a:solidFill>
+            </a:endParaRPr>
+          </a:p>
+          <a:p>
+            <a:r>
+              <a:rPr lang="fr-FR" dirty="0">
+                <a:solidFill>
+                  <a:schemeClr val="bg1"/>
+                </a:solidFill>
+              </a:rPr>
+              <a:t>Un bon classifieur aura sa courbe qui s’approche le plus possible du coin supérieur gauche du graphique.</a:t>
+            </a:r>
+          </a:p>
+          <a:p>
+            <a:endParaRPr lang="fr-FR" dirty="0">
+              <a:solidFill>
+                <a:schemeClr val="bg1"/>
+              </a:solidFill>
+            </a:endParaRPr>
+          </a:p>
+          <a:p>
+            <a:r>
+              <a:rPr lang="fr-FR" dirty="0">
+                <a:solidFill>
+                  <a:schemeClr val="bg1"/>
+                </a:solidFill>
+              </a:rPr>
+              <a:t>Une autre façon de comparer des classifieurs consiste à mesurer l’aire sous la courbe (Area Under the Curve ou AUC). Un classifieur parfait aurait un score AUC égal à 1 (100%), tandis qu’un classifieur purement aléatoire aurait un score AUC de 0.5 (50%), cela indique que le marqueur est non-informatif.</a:t>
+            </a:r>
+          </a:p>
+        </p:txBody>
+      </p:sp>
+      <p:sp>
+        <p:nvSpPr>
+          <p:cNvPr id="3" name="ZoneTexte 2">
+            <a:extLst>
+              <a:ext uri="{FF2B5EF4-FFF2-40B4-BE49-F238E27FC236}">
+                <a16:creationId xmlns:a16="http://schemas.microsoft.com/office/drawing/2014/main" id="{D48103AE-AEAD-DD49-B251-B05B8FEF6E3F}"/>
+              </a:ext>
+            </a:extLst>
+          </p:cNvPr>
+          <p:cNvSpPr txBox="1"/>
+          <p:nvPr/>
+        </p:nvSpPr>
+        <p:spPr>
+          <a:xfrm>
+            <a:off x="192504" y="600604"/>
+            <a:ext cx="2901647" cy="307777"/>
+          </a:xfrm>
+          <a:prstGeom prst="rect">
+            <a:avLst/>
+          </a:prstGeom>
+          <a:noFill/>
+        </p:spPr>
+        <p:txBody>
+          <a:bodyPr wrap="square" rtlCol="0">
+            <a:spAutoFit/>
+          </a:bodyPr>
+          <a:lstStyle/>
+          <a:p>
+            <a:r>
+              <a:rPr lang="fr-FR" dirty="0">
+                <a:solidFill>
+                  <a:srgbClr val="FFFF00"/>
+                </a:solidFill>
+              </a:rPr>
+              <a:t>La Courbe ROC et score AUC</a:t>
+            </a:r>
+          </a:p>
+        </p:txBody>
+      </p:sp>
+    </p:spTree>
+    <p:extLst>
+      <p:ext uri="{BB962C8B-B14F-4D97-AF65-F5344CB8AC3E}">
+        <p14:creationId xmlns:p14="http://schemas.microsoft.com/office/powerpoint/2010/main" val="3651446743"/>
+      </p:ext>
+    </p:extLst>
+  </p:cSld>
+  <p:clrMapOvr>
+    <a:masterClrMapping/>
+  </p:clrMapOvr>
+</p:sld>
+</file>
+
+<file path=ppt/slides/slide11.xml><?xml version="1.0" encoding="utf-8"?>
+<p:sld xmlns:a="http://schemas.openxmlformats.org/drawingml/2006/main" xmlns:r="http://schemas.openxmlformats.org/officeDocument/2006/relationships" xmlns:p="http://schemas.openxmlformats.org/presentationml/2006/main">
+  <p:cSld>
+    <p:spTree>
+      <p:nvGrpSpPr>
+        <p:cNvPr id="1" name="Shape 570"/>
+        <p:cNvGrpSpPr/>
+        <p:nvPr/>
+      </p:nvGrpSpPr>
+      <p:grpSpPr>
+        <a:xfrm>
+          <a:off x="0" y="0"/>
+          <a:ext cx="0" cy="0"/>
+          <a:chOff x="0" y="0"/>
+          <a:chExt cx="0" cy="0"/>
+        </a:xfrm>
+      </p:grpSpPr>
+      <p:sp>
+        <p:nvSpPr>
+          <p:cNvPr id="8" name="Google Shape;507;p28">
+            <a:extLst>
+              <a:ext uri="{FF2B5EF4-FFF2-40B4-BE49-F238E27FC236}">
+                <a16:creationId xmlns:a16="http://schemas.microsoft.com/office/drawing/2014/main" id="{EB17A23D-C35B-A749-8D29-5C3B2C608BA0}"/>
+              </a:ext>
+            </a:extLst>
+          </p:cNvPr>
+          <p:cNvSpPr txBox="1">
+            <a:spLocks noGrp="1"/>
+          </p:cNvSpPr>
+          <p:nvPr>
+            <p:ph type="ctrTitle"/>
+          </p:nvPr>
+        </p:nvSpPr>
+        <p:spPr>
+          <a:xfrm>
+            <a:off x="0" y="0"/>
+            <a:ext cx="3263705" cy="577800"/>
+          </a:xfrm>
+          <a:prstGeom prst="rect">
+            <a:avLst/>
+          </a:prstGeom>
+        </p:spPr>
+        <p:txBody>
+          <a:bodyPr spcFirstLastPara="1" wrap="square" lIns="91425" tIns="91425" rIns="91425" bIns="91425" anchor="b" anchorCtr="0">
+            <a:noAutofit/>
+          </a:bodyPr>
+          <a:lstStyle/>
+          <a:p>
+            <a:r>
+              <a:rPr lang="fr-FR" b="1" dirty="0">
+                <a:solidFill>
+                  <a:schemeClr val="bg1"/>
+                </a:solidFill>
+                <a:latin typeface="Courier New" panose="02070309020205020404" pitchFamily="49" charset="0"/>
+                <a:cs typeface="Courier New" panose="02070309020205020404" pitchFamily="49" charset="0"/>
+              </a:rPr>
+              <a:t>03- Modélisation</a:t>
+            </a:r>
+          </a:p>
+        </p:txBody>
+      </p:sp>
+      <p:sp>
+        <p:nvSpPr>
+          <p:cNvPr id="9" name="Google Shape;507;p28">
+            <a:extLst>
+              <a:ext uri="{FF2B5EF4-FFF2-40B4-BE49-F238E27FC236}">
+                <a16:creationId xmlns:a16="http://schemas.microsoft.com/office/drawing/2014/main" id="{40DBCF56-2504-A24A-A78B-359CBE42A7B1}"/>
+              </a:ext>
+            </a:extLst>
+          </p:cNvPr>
+          <p:cNvSpPr txBox="1">
+            <a:spLocks/>
+          </p:cNvSpPr>
+          <p:nvPr/>
+        </p:nvSpPr>
+        <p:spPr>
+          <a:xfrm>
+            <a:off x="3189643" y="202138"/>
+            <a:ext cx="2787053" cy="310252"/>
+          </a:xfrm>
+          <a:prstGeom prst="rect">
+            <a:avLst/>
+          </a:prstGeom>
+          <a:noFill/>
+          <a:ln>
+            <a:noFill/>
+          </a:ln>
+        </p:spPr>
+        <p:txBody>
+          <a:bodyPr spcFirstLastPara="1" wrap="square" lIns="91425" tIns="91425" rIns="91425" bIns="91425" anchor="b" anchorCtr="0">
+            <a:noAutofit/>
+          </a:bodyPr>
+          <a:lstStyle>
+            <a:defPPr marR="0" lvl="0" algn="l" rtl="0">
+              <a:lnSpc>
+                <a:spcPct val="100000"/>
+              </a:lnSpc>
+              <a:spcBef>
+                <a:spcPts val="0"/>
+              </a:spcBef>
+              <a:spcAft>
+                <a:spcPts val="0"/>
+              </a:spcAft>
+            </a:defPPr>
+            <a:lvl1pPr marR="0" lvl="0" algn="l" rtl="0">
+              <a:lnSpc>
+                <a:spcPct val="100000"/>
+              </a:lnSpc>
+              <a:spcBef>
+                <a:spcPts val="0"/>
+              </a:spcBef>
+              <a:spcAft>
+                <a:spcPts val="0"/>
+              </a:spcAft>
+              <a:buClr>
+                <a:srgbClr val="000000"/>
+              </a:buClr>
+              <a:buSzPts val="1800"/>
+              <a:buFont typeface="Fira Sans Condensed Medium"/>
+              <a:buNone/>
+              <a:defRPr sz="2400" b="0" i="0" u="none" strike="noStrike" cap="none">
+                <a:solidFill>
+                  <a:schemeClr val="lt1"/>
+                </a:solidFill>
+                <a:latin typeface="Share Tech"/>
+                <a:ea typeface="Share Tech"/>
+                <a:cs typeface="Share Tech"/>
+                <a:sym typeface="Share Tech"/>
+              </a:defRPr>
+            </a:lvl1pPr>
+            <a:lvl2pPr marR="0" lvl="1" algn="ctr" rtl="0">
+              <a:lnSpc>
+                <a:spcPct val="100000"/>
+              </a:lnSpc>
+              <a:spcBef>
+                <a:spcPts val="0"/>
+              </a:spcBef>
+              <a:spcAft>
+                <a:spcPts val="0"/>
+              </a:spcAft>
+              <a:buClr>
+                <a:srgbClr val="000000"/>
+              </a:buClr>
+              <a:buSzPts val="1800"/>
+              <a:buFont typeface="Fira Sans Condensed Medium"/>
+              <a:buNone/>
+              <a:defRPr sz="1800" b="0" i="0" u="none" strike="noStrike" cap="none">
+                <a:solidFill>
+                  <a:srgbClr val="000000"/>
+                </a:solidFill>
+                <a:latin typeface="Fira Sans Condensed Medium"/>
+                <a:ea typeface="Fira Sans Condensed Medium"/>
+                <a:cs typeface="Fira Sans Condensed Medium"/>
+                <a:sym typeface="Fira Sans Condensed Medium"/>
+              </a:defRPr>
+            </a:lvl2pPr>
+            <a:lvl3pPr marR="0" lvl="2" algn="ctr" rtl="0">
+              <a:lnSpc>
+                <a:spcPct val="100000"/>
+              </a:lnSpc>
+              <a:spcBef>
+                <a:spcPts val="0"/>
+              </a:spcBef>
+              <a:spcAft>
+                <a:spcPts val="0"/>
+              </a:spcAft>
+              <a:buClr>
+                <a:srgbClr val="000000"/>
+              </a:buClr>
+              <a:buSzPts val="1800"/>
+              <a:buFont typeface="Fira Sans Condensed Medium"/>
+              <a:buNone/>
+              <a:defRPr sz="1800" b="0" i="0" u="none" strike="noStrike" cap="none">
+                <a:solidFill>
+                  <a:srgbClr val="000000"/>
+                </a:solidFill>
+                <a:latin typeface="Fira Sans Condensed Medium"/>
+                <a:ea typeface="Fira Sans Condensed Medium"/>
+                <a:cs typeface="Fira Sans Condensed Medium"/>
+                <a:sym typeface="Fira Sans Condensed Medium"/>
+              </a:defRPr>
+            </a:lvl3pPr>
+            <a:lvl4pPr marR="0" lvl="3" algn="ctr" rtl="0">
+              <a:lnSpc>
+                <a:spcPct val="100000"/>
+              </a:lnSpc>
+              <a:spcBef>
+                <a:spcPts val="0"/>
+              </a:spcBef>
+              <a:spcAft>
+                <a:spcPts val="0"/>
+              </a:spcAft>
+              <a:buClr>
+                <a:srgbClr val="000000"/>
+              </a:buClr>
+              <a:buSzPts val="1800"/>
+              <a:buFont typeface="Fira Sans Condensed Medium"/>
+              <a:buNone/>
+              <a:defRPr sz="1800" b="0" i="0" u="none" strike="noStrike" cap="none">
+                <a:solidFill>
+                  <a:srgbClr val="000000"/>
+                </a:solidFill>
+                <a:latin typeface="Fira Sans Condensed Medium"/>
+                <a:ea typeface="Fira Sans Condensed Medium"/>
+                <a:cs typeface="Fira Sans Condensed Medium"/>
+                <a:sym typeface="Fira Sans Condensed Medium"/>
+              </a:defRPr>
+            </a:lvl4pPr>
+            <a:lvl5pPr marR="0" lvl="4" algn="ctr" rtl="0">
+              <a:lnSpc>
+                <a:spcPct val="100000"/>
+              </a:lnSpc>
+              <a:spcBef>
+                <a:spcPts val="0"/>
+              </a:spcBef>
+              <a:spcAft>
+                <a:spcPts val="0"/>
+              </a:spcAft>
+              <a:buClr>
+                <a:srgbClr val="000000"/>
+              </a:buClr>
+              <a:buSzPts val="1800"/>
+              <a:buFont typeface="Fira Sans Condensed Medium"/>
+              <a:buNone/>
+              <a:defRPr sz="1800" b="0" i="0" u="none" strike="noStrike" cap="none">
+                <a:solidFill>
+                  <a:srgbClr val="000000"/>
+                </a:solidFill>
+                <a:latin typeface="Fira Sans Condensed Medium"/>
+                <a:ea typeface="Fira Sans Condensed Medium"/>
+                <a:cs typeface="Fira Sans Condensed Medium"/>
+                <a:sym typeface="Fira Sans Condensed Medium"/>
+              </a:defRPr>
+            </a:lvl5pPr>
+            <a:lvl6pPr marR="0" lvl="5" algn="ctr" rtl="0">
+              <a:lnSpc>
+                <a:spcPct val="100000"/>
+              </a:lnSpc>
+              <a:spcBef>
+                <a:spcPts val="0"/>
+              </a:spcBef>
+              <a:spcAft>
+                <a:spcPts val="0"/>
+              </a:spcAft>
+              <a:buClr>
+                <a:srgbClr val="000000"/>
+              </a:buClr>
+              <a:buSzPts val="1800"/>
+              <a:buFont typeface="Fira Sans Condensed Medium"/>
+              <a:buNone/>
+              <a:defRPr sz="1800" b="0" i="0" u="none" strike="noStrike" cap="none">
+                <a:solidFill>
+                  <a:srgbClr val="000000"/>
+                </a:solidFill>
+                <a:latin typeface="Fira Sans Condensed Medium"/>
+                <a:ea typeface="Fira Sans Condensed Medium"/>
+                <a:cs typeface="Fira Sans Condensed Medium"/>
+                <a:sym typeface="Fira Sans Condensed Medium"/>
+              </a:defRPr>
+            </a:lvl6pPr>
+            <a:lvl7pPr marR="0" lvl="6" algn="ctr" rtl="0">
+              <a:lnSpc>
+                <a:spcPct val="100000"/>
+              </a:lnSpc>
+              <a:spcBef>
+                <a:spcPts val="0"/>
+              </a:spcBef>
+              <a:spcAft>
+                <a:spcPts val="0"/>
+              </a:spcAft>
+              <a:buClr>
+                <a:srgbClr val="000000"/>
+              </a:buClr>
+              <a:buSzPts val="1800"/>
+              <a:buFont typeface="Fira Sans Condensed Medium"/>
+              <a:buNone/>
+              <a:defRPr sz="1800" b="0" i="0" u="none" strike="noStrike" cap="none">
+                <a:solidFill>
+                  <a:srgbClr val="000000"/>
+                </a:solidFill>
+                <a:latin typeface="Fira Sans Condensed Medium"/>
+                <a:ea typeface="Fira Sans Condensed Medium"/>
+                <a:cs typeface="Fira Sans Condensed Medium"/>
+                <a:sym typeface="Fira Sans Condensed Medium"/>
+              </a:defRPr>
+            </a:lvl7pPr>
+            <a:lvl8pPr marR="0" lvl="7" algn="ctr" rtl="0">
+              <a:lnSpc>
+                <a:spcPct val="100000"/>
+              </a:lnSpc>
+              <a:spcBef>
+                <a:spcPts val="0"/>
+              </a:spcBef>
+              <a:spcAft>
+                <a:spcPts val="0"/>
+              </a:spcAft>
+              <a:buClr>
+                <a:srgbClr val="000000"/>
+              </a:buClr>
+              <a:buSzPts val="1800"/>
+              <a:buFont typeface="Fira Sans Condensed Medium"/>
+              <a:buNone/>
+              <a:defRPr sz="1800" b="0" i="0" u="none" strike="noStrike" cap="none">
+                <a:solidFill>
+                  <a:srgbClr val="000000"/>
+                </a:solidFill>
+                <a:latin typeface="Fira Sans Condensed Medium"/>
+                <a:ea typeface="Fira Sans Condensed Medium"/>
+                <a:cs typeface="Fira Sans Condensed Medium"/>
+                <a:sym typeface="Fira Sans Condensed Medium"/>
+              </a:defRPr>
+            </a:lvl8pPr>
+            <a:lvl9pPr marR="0" lvl="8" algn="ctr" rtl="0">
+              <a:lnSpc>
+                <a:spcPct val="100000"/>
+              </a:lnSpc>
+              <a:spcBef>
+                <a:spcPts val="0"/>
+              </a:spcBef>
+              <a:spcAft>
+                <a:spcPts val="0"/>
+              </a:spcAft>
+              <a:buClr>
+                <a:srgbClr val="000000"/>
+              </a:buClr>
+              <a:buSzPts val="1800"/>
+              <a:buFont typeface="Fira Sans Condensed Medium"/>
+              <a:buNone/>
+              <a:defRPr sz="1800" b="0" i="0" u="none" strike="noStrike" cap="none">
+                <a:solidFill>
+                  <a:srgbClr val="000000"/>
+                </a:solidFill>
+                <a:latin typeface="Fira Sans Condensed Medium"/>
+                <a:ea typeface="Fira Sans Condensed Medium"/>
+                <a:cs typeface="Fira Sans Condensed Medium"/>
+                <a:sym typeface="Fira Sans Condensed Medium"/>
+              </a:defRPr>
+            </a:lvl9pPr>
+          </a:lstStyle>
+          <a:p>
+            <a:r>
+              <a:rPr lang="fr-FR" sz="1600" b="1" dirty="0">
+                <a:solidFill>
+                  <a:srgbClr val="FFFF00"/>
+                </a:solidFill>
+                <a:latin typeface="Courier New" panose="02070309020205020404" pitchFamily="49" charset="0"/>
+                <a:cs typeface="Courier New" panose="02070309020205020404" pitchFamily="49" charset="0"/>
+              </a:rPr>
+              <a:t>Analyse des résultats</a:t>
+            </a:r>
+          </a:p>
+        </p:txBody>
+      </p:sp>
+      <p:sp>
+        <p:nvSpPr>
+          <p:cNvPr id="11" name="ZoneTexte 10">
+            <a:extLst>
+              <a:ext uri="{FF2B5EF4-FFF2-40B4-BE49-F238E27FC236}">
+                <a16:creationId xmlns:a16="http://schemas.microsoft.com/office/drawing/2014/main" id="{423F5385-F331-0A41-9438-6D822B353A66}"/>
+              </a:ext>
+            </a:extLst>
+          </p:cNvPr>
+          <p:cNvSpPr txBox="1"/>
+          <p:nvPr/>
+        </p:nvSpPr>
+        <p:spPr>
+          <a:xfrm>
+            <a:off x="2992909" y="773369"/>
+            <a:ext cx="1636911" cy="1569660"/>
+          </a:xfrm>
+          <a:prstGeom prst="rect">
+            <a:avLst/>
+          </a:prstGeom>
+          <a:noFill/>
+        </p:spPr>
+        <p:txBody>
+          <a:bodyPr wrap="square" rtlCol="0">
+            <a:spAutoFit/>
+          </a:bodyPr>
+          <a:lstStyle/>
+          <a:p>
+            <a:r>
+              <a:rPr lang="fr-FR" sz="1200" i="1" dirty="0">
+                <a:solidFill>
+                  <a:srgbClr val="FFFF00"/>
+                </a:solidFill>
+              </a:rPr>
+              <a:t>On constate que le modèle arrive à détecter 53% des classes 1, mais qu’il n’a raison que dans 13% des cas quand il en détecte 1.</a:t>
+            </a:r>
+          </a:p>
+          <a:p>
+            <a:endParaRPr lang="fr-FR" sz="1200" dirty="0">
+              <a:solidFill>
+                <a:srgbClr val="FFFF00"/>
+              </a:solidFill>
+            </a:endParaRPr>
+          </a:p>
+        </p:txBody>
+      </p:sp>
+      <p:grpSp>
+        <p:nvGrpSpPr>
+          <p:cNvPr id="14" name="Groupe 13">
+            <a:extLst>
+              <a:ext uri="{FF2B5EF4-FFF2-40B4-BE49-F238E27FC236}">
+                <a16:creationId xmlns:a16="http://schemas.microsoft.com/office/drawing/2014/main" id="{5B95BB9F-5185-A94F-A2C0-94ACC9CDAFC7}"/>
+              </a:ext>
+            </a:extLst>
+          </p:cNvPr>
+          <p:cNvGrpSpPr/>
+          <p:nvPr/>
+        </p:nvGrpSpPr>
+        <p:grpSpPr>
+          <a:xfrm>
+            <a:off x="319006" y="522307"/>
+            <a:ext cx="2625692" cy="1768631"/>
+            <a:chOff x="638013" y="635826"/>
+            <a:chExt cx="2625692" cy="1768631"/>
+          </a:xfrm>
+        </p:grpSpPr>
+        <p:pic>
+          <p:nvPicPr>
+            <p:cNvPr id="6" name="Image 5">
+              <a:extLst>
+                <a:ext uri="{FF2B5EF4-FFF2-40B4-BE49-F238E27FC236}">
+                  <a16:creationId xmlns:a16="http://schemas.microsoft.com/office/drawing/2014/main" id="{E328B2F2-6D2E-BF45-B703-952E419C0215}"/>
+                </a:ext>
+              </a:extLst>
+            </p:cNvPr>
+            <p:cNvPicPr>
+              <a:picLocks noChangeAspect="1"/>
+            </p:cNvPicPr>
+            <p:nvPr/>
+          </p:nvPicPr>
+          <p:blipFill>
+            <a:blip r:embed="rId3"/>
+            <a:stretch>
+              <a:fillRect/>
+            </a:stretch>
+          </p:blipFill>
+          <p:spPr>
+            <a:xfrm>
+              <a:off x="638013" y="912825"/>
+              <a:ext cx="2619121" cy="1491632"/>
+            </a:xfrm>
+            <a:prstGeom prst="rect">
+              <a:avLst/>
+            </a:prstGeom>
+          </p:spPr>
+        </p:pic>
+        <p:sp>
+          <p:nvSpPr>
+            <p:cNvPr id="12" name="ZoneTexte 11">
+              <a:extLst>
+                <a:ext uri="{FF2B5EF4-FFF2-40B4-BE49-F238E27FC236}">
+                  <a16:creationId xmlns:a16="http://schemas.microsoft.com/office/drawing/2014/main" id="{F461DB0D-71C5-CD45-AC33-1D4D08AFBFA9}"/>
+                </a:ext>
+              </a:extLst>
+            </p:cNvPr>
+            <p:cNvSpPr txBox="1"/>
+            <p:nvPr/>
+          </p:nvSpPr>
+          <p:spPr>
+            <a:xfrm>
+              <a:off x="638013" y="635826"/>
+              <a:ext cx="2625692" cy="276999"/>
+            </a:xfrm>
+            <a:prstGeom prst="rect">
+              <a:avLst/>
+            </a:prstGeom>
+            <a:noFill/>
+          </p:spPr>
+          <p:txBody>
+            <a:bodyPr wrap="square" rtlCol="0">
+              <a:spAutoFit/>
+            </a:bodyPr>
+            <a:lstStyle/>
+            <a:p>
+              <a:r>
+                <a:rPr lang="fr-FR" sz="1200" dirty="0">
+                  <a:solidFill>
+                    <a:schemeClr val="bg1"/>
+                  </a:solidFill>
+                </a:rPr>
+                <a:t>Analyse des métriques</a:t>
+              </a:r>
+            </a:p>
+          </p:txBody>
+        </p:sp>
+      </p:grpSp>
+      <p:grpSp>
+        <p:nvGrpSpPr>
+          <p:cNvPr id="16" name="Groupe 15">
+            <a:extLst>
+              <a:ext uri="{FF2B5EF4-FFF2-40B4-BE49-F238E27FC236}">
+                <a16:creationId xmlns:a16="http://schemas.microsoft.com/office/drawing/2014/main" id="{1217B621-7384-4443-9879-DCFAFE27E929}"/>
+              </a:ext>
+            </a:extLst>
+          </p:cNvPr>
+          <p:cNvGrpSpPr/>
+          <p:nvPr/>
+        </p:nvGrpSpPr>
+        <p:grpSpPr>
+          <a:xfrm>
+            <a:off x="319006" y="2380732"/>
+            <a:ext cx="2794101" cy="2358965"/>
+            <a:chOff x="536577" y="2434416"/>
+            <a:chExt cx="2794101" cy="2358965"/>
+          </a:xfrm>
+        </p:grpSpPr>
+        <p:pic>
+          <p:nvPicPr>
+            <p:cNvPr id="4" name="Image 3">
+              <a:extLst>
+                <a:ext uri="{FF2B5EF4-FFF2-40B4-BE49-F238E27FC236}">
+                  <a16:creationId xmlns:a16="http://schemas.microsoft.com/office/drawing/2014/main" id="{BE2EE9E7-590F-704C-A271-7D75BD204556}"/>
+                </a:ext>
+              </a:extLst>
+            </p:cNvPr>
+            <p:cNvPicPr>
+              <a:picLocks noChangeAspect="1"/>
+            </p:cNvPicPr>
+            <p:nvPr/>
+          </p:nvPicPr>
+          <p:blipFill>
+            <a:blip r:embed="rId4"/>
+            <a:stretch>
+              <a:fillRect/>
+            </a:stretch>
+          </p:blipFill>
+          <p:spPr>
+            <a:xfrm>
+              <a:off x="536577" y="2725020"/>
+              <a:ext cx="2794101" cy="2068361"/>
+            </a:xfrm>
+            <a:prstGeom prst="rect">
+              <a:avLst/>
+            </a:prstGeom>
+          </p:spPr>
+        </p:pic>
+        <p:sp>
+          <p:nvSpPr>
+            <p:cNvPr id="15" name="ZoneTexte 14">
+              <a:extLst>
+                <a:ext uri="{FF2B5EF4-FFF2-40B4-BE49-F238E27FC236}">
+                  <a16:creationId xmlns:a16="http://schemas.microsoft.com/office/drawing/2014/main" id="{8D77429D-590C-864A-85E0-6F4F442B731D}"/>
+                </a:ext>
+              </a:extLst>
+            </p:cNvPr>
+            <p:cNvSpPr txBox="1"/>
+            <p:nvPr/>
+          </p:nvSpPr>
+          <p:spPr>
+            <a:xfrm>
+              <a:off x="536577" y="2434416"/>
+              <a:ext cx="2794101" cy="276999"/>
+            </a:xfrm>
+            <a:prstGeom prst="rect">
+              <a:avLst/>
+            </a:prstGeom>
+            <a:noFill/>
+          </p:spPr>
+          <p:txBody>
+            <a:bodyPr wrap="square" rtlCol="0">
+              <a:spAutoFit/>
+            </a:bodyPr>
+            <a:lstStyle/>
+            <a:p>
+              <a:r>
+                <a:rPr lang="fr-FR" sz="1200" dirty="0">
+                  <a:solidFill>
+                    <a:schemeClr val="bg1"/>
+                  </a:solidFill>
+                </a:rPr>
+                <a:t>Analyse de la matrice de confusion</a:t>
+              </a:r>
+            </a:p>
+          </p:txBody>
+        </p:sp>
+      </p:grpSp>
+      <p:sp>
+        <p:nvSpPr>
+          <p:cNvPr id="17" name="ZoneTexte 16">
+            <a:extLst>
+              <a:ext uri="{FF2B5EF4-FFF2-40B4-BE49-F238E27FC236}">
+                <a16:creationId xmlns:a16="http://schemas.microsoft.com/office/drawing/2014/main" id="{F1D9BF4B-9ED6-4947-A4BF-2C1CD78DB0B4}"/>
+              </a:ext>
+            </a:extLst>
+          </p:cNvPr>
+          <p:cNvSpPr txBox="1"/>
+          <p:nvPr/>
+        </p:nvSpPr>
+        <p:spPr>
+          <a:xfrm>
+            <a:off x="3113107" y="2290938"/>
+            <a:ext cx="1679502" cy="2677656"/>
+          </a:xfrm>
+          <a:prstGeom prst="rect">
+            <a:avLst/>
+          </a:prstGeom>
+          <a:noFill/>
+        </p:spPr>
+        <p:txBody>
+          <a:bodyPr wrap="square" rtlCol="0">
+            <a:spAutoFit/>
+          </a:bodyPr>
+          <a:lstStyle/>
+          <a:p>
+            <a:r>
+              <a:rPr lang="fr-FR" sz="1200" i="1" dirty="0">
+                <a:solidFill>
+                  <a:srgbClr val="FFFF00"/>
+                </a:solidFill>
+              </a:rPr>
+              <a:t>Il y 45000 individus dans le jeu de test dont 41418 classés 0 et 3582 classés 1.</a:t>
+            </a:r>
+          </a:p>
+          <a:p>
+            <a:endParaRPr lang="fr-FR" sz="1200" i="1" dirty="0">
+              <a:solidFill>
+                <a:srgbClr val="FFFF00"/>
+              </a:solidFill>
+            </a:endParaRPr>
+          </a:p>
+          <a:p>
+            <a:r>
+              <a:rPr lang="fr-FR" sz="1200" i="1" dirty="0">
+                <a:solidFill>
+                  <a:srgbClr val="FFFF00"/>
+                </a:solidFill>
+              </a:rPr>
+              <a:t>5% d’individus de classe 1 trouvés.</a:t>
+            </a:r>
+          </a:p>
+          <a:p>
+            <a:r>
+              <a:rPr lang="fr-FR" sz="1200" i="1" dirty="0">
+                <a:solidFill>
+                  <a:srgbClr val="FFFF00"/>
+                </a:solidFill>
+              </a:rPr>
+              <a:t>30% d’individus de classe 0 sont détectés en classe 1.</a:t>
+            </a:r>
+          </a:p>
+          <a:p>
+            <a:endParaRPr lang="fr-FR" sz="1200" i="1" dirty="0">
+              <a:solidFill>
+                <a:srgbClr val="FFFF00"/>
+              </a:solidFill>
+            </a:endParaRPr>
+          </a:p>
+          <a:p>
+            <a:r>
+              <a:rPr lang="fr-FR" sz="1200" i="1" dirty="0">
+                <a:solidFill>
+                  <a:srgbClr val="FFFF00"/>
+                </a:solidFill>
+              </a:rPr>
+              <a:t>Le modèle alerte </a:t>
+            </a:r>
+            <a:r>
+              <a:rPr lang="fr-FR" sz="1200" b="1" i="1" u="sng" dirty="0">
+                <a:solidFill>
+                  <a:srgbClr val="FFFF00"/>
+                </a:solidFill>
+              </a:rPr>
+              <a:t>trop</a:t>
+            </a:r>
+            <a:r>
+              <a:rPr lang="fr-FR" sz="1200" i="1" dirty="0">
+                <a:solidFill>
+                  <a:srgbClr val="FFFF00"/>
+                </a:solidFill>
+              </a:rPr>
+              <a:t> souvent sur le risque de faillite d’un client.</a:t>
+            </a:r>
+          </a:p>
+        </p:txBody>
+      </p:sp>
+      <p:sp>
+        <p:nvSpPr>
+          <p:cNvPr id="18" name="ZoneTexte 17">
+            <a:extLst>
+              <a:ext uri="{FF2B5EF4-FFF2-40B4-BE49-F238E27FC236}">
+                <a16:creationId xmlns:a16="http://schemas.microsoft.com/office/drawing/2014/main" id="{A167A744-AA9A-B94D-A514-D7D8E2DB1656}"/>
+              </a:ext>
+            </a:extLst>
+          </p:cNvPr>
+          <p:cNvSpPr txBox="1"/>
+          <p:nvPr/>
+        </p:nvSpPr>
+        <p:spPr>
+          <a:xfrm>
+            <a:off x="6898473" y="708623"/>
+            <a:ext cx="2045821" cy="1754326"/>
+          </a:xfrm>
+          <a:prstGeom prst="rect">
+            <a:avLst/>
+          </a:prstGeom>
+          <a:noFill/>
+        </p:spPr>
+        <p:txBody>
+          <a:bodyPr wrap="square" rtlCol="0">
+            <a:spAutoFit/>
+          </a:bodyPr>
+          <a:lstStyle/>
+          <a:p>
+            <a:r>
+              <a:rPr lang="fr-FR" sz="1200" i="1" dirty="0">
+                <a:solidFill>
+                  <a:srgbClr val="FFFF00"/>
+                </a:solidFill>
+              </a:rPr>
+              <a:t>On remarque bien que la courbe ROC du modèle Random Forest optimisé reste quand même assez loin du coin supérieur gauche du graphique. Cela donne une représentation visuelle de la performance globale du modèle.</a:t>
+            </a:r>
+          </a:p>
+        </p:txBody>
+      </p:sp>
+      <p:grpSp>
+        <p:nvGrpSpPr>
+          <p:cNvPr id="23" name="Groupe 22">
+            <a:extLst>
+              <a:ext uri="{FF2B5EF4-FFF2-40B4-BE49-F238E27FC236}">
+                <a16:creationId xmlns:a16="http://schemas.microsoft.com/office/drawing/2014/main" id="{2FF080A2-79D6-C644-B9E7-9A950100BE3E}"/>
+              </a:ext>
+            </a:extLst>
+          </p:cNvPr>
+          <p:cNvGrpSpPr/>
+          <p:nvPr/>
+        </p:nvGrpSpPr>
+        <p:grpSpPr>
+          <a:xfrm>
+            <a:off x="4684602" y="512390"/>
+            <a:ext cx="2138339" cy="1851126"/>
+            <a:chOff x="4792609" y="721789"/>
+            <a:chExt cx="2138339" cy="1851126"/>
+          </a:xfrm>
+        </p:grpSpPr>
+        <p:pic>
+          <p:nvPicPr>
+            <p:cNvPr id="5" name="Image 4">
+              <a:extLst>
+                <a:ext uri="{FF2B5EF4-FFF2-40B4-BE49-F238E27FC236}">
+                  <a16:creationId xmlns:a16="http://schemas.microsoft.com/office/drawing/2014/main" id="{F2C35B93-AD79-0F49-9C07-248CAB5263AC}"/>
+                </a:ext>
+              </a:extLst>
+            </p:cNvPr>
+            <p:cNvPicPr>
+              <a:picLocks noChangeAspect="1"/>
+            </p:cNvPicPr>
+            <p:nvPr/>
+          </p:nvPicPr>
+          <p:blipFill>
+            <a:blip r:embed="rId5"/>
+            <a:stretch>
+              <a:fillRect/>
+            </a:stretch>
+          </p:blipFill>
+          <p:spPr>
+            <a:xfrm>
+              <a:off x="4834704" y="1017456"/>
+              <a:ext cx="2096244" cy="1555459"/>
+            </a:xfrm>
+            <a:prstGeom prst="rect">
+              <a:avLst/>
+            </a:prstGeom>
+          </p:spPr>
+        </p:pic>
+        <p:sp>
+          <p:nvSpPr>
+            <p:cNvPr id="19" name="ZoneTexte 18">
+              <a:extLst>
+                <a:ext uri="{FF2B5EF4-FFF2-40B4-BE49-F238E27FC236}">
+                  <a16:creationId xmlns:a16="http://schemas.microsoft.com/office/drawing/2014/main" id="{22E703FA-28FD-304B-8387-80563819F40B}"/>
+                </a:ext>
+              </a:extLst>
+            </p:cNvPr>
+            <p:cNvSpPr txBox="1"/>
+            <p:nvPr/>
+          </p:nvSpPr>
+          <p:spPr>
+            <a:xfrm>
+              <a:off x="4792609" y="721789"/>
+              <a:ext cx="2138339" cy="276999"/>
+            </a:xfrm>
+            <a:prstGeom prst="rect">
+              <a:avLst/>
+            </a:prstGeom>
+            <a:noFill/>
+          </p:spPr>
+          <p:txBody>
+            <a:bodyPr wrap="square" rtlCol="0">
+              <a:spAutoFit/>
+            </a:bodyPr>
+            <a:lstStyle/>
+            <a:p>
+              <a:r>
+                <a:rPr lang="fr-FR" sz="1200" dirty="0">
+                  <a:solidFill>
+                    <a:schemeClr val="bg1"/>
+                  </a:solidFill>
+                </a:rPr>
+                <a:t>Courbe  ROC et score AUC</a:t>
+              </a:r>
+            </a:p>
+          </p:txBody>
+        </p:sp>
+      </p:grpSp>
+      <p:grpSp>
+        <p:nvGrpSpPr>
+          <p:cNvPr id="22" name="Groupe 21">
+            <a:extLst>
+              <a:ext uri="{FF2B5EF4-FFF2-40B4-BE49-F238E27FC236}">
+                <a16:creationId xmlns:a16="http://schemas.microsoft.com/office/drawing/2014/main" id="{D5DEC4DD-4D05-CC40-AF13-B1460C3F8748}"/>
+              </a:ext>
+            </a:extLst>
+          </p:cNvPr>
+          <p:cNvGrpSpPr/>
+          <p:nvPr/>
+        </p:nvGrpSpPr>
+        <p:grpSpPr>
+          <a:xfrm>
+            <a:off x="4723098" y="2622125"/>
+            <a:ext cx="3287778" cy="2166782"/>
+            <a:chOff x="4811620" y="2572915"/>
+            <a:chExt cx="3287778" cy="2166782"/>
+          </a:xfrm>
+        </p:grpSpPr>
+        <p:pic>
+          <p:nvPicPr>
+            <p:cNvPr id="10" name="Image 9">
+              <a:extLst>
+                <a:ext uri="{FF2B5EF4-FFF2-40B4-BE49-F238E27FC236}">
+                  <a16:creationId xmlns:a16="http://schemas.microsoft.com/office/drawing/2014/main" id="{7057C4EE-D7FE-6546-BED9-76E9167CA212}"/>
+                </a:ext>
+              </a:extLst>
+            </p:cNvPr>
+            <p:cNvPicPr>
+              <a:picLocks noChangeAspect="1"/>
+            </p:cNvPicPr>
+            <p:nvPr/>
+          </p:nvPicPr>
+          <p:blipFill>
+            <a:blip r:embed="rId6"/>
+            <a:stretch>
+              <a:fillRect/>
+            </a:stretch>
+          </p:blipFill>
+          <p:spPr>
+            <a:xfrm>
+              <a:off x="4846727" y="2887249"/>
+              <a:ext cx="3252671" cy="1852448"/>
+            </a:xfrm>
+            <a:prstGeom prst="rect">
+              <a:avLst/>
+            </a:prstGeom>
+          </p:spPr>
+        </p:pic>
+        <p:sp>
+          <p:nvSpPr>
+            <p:cNvPr id="20" name="ZoneTexte 19">
+              <a:extLst>
+                <a:ext uri="{FF2B5EF4-FFF2-40B4-BE49-F238E27FC236}">
+                  <a16:creationId xmlns:a16="http://schemas.microsoft.com/office/drawing/2014/main" id="{1A1F96A2-7559-4B45-93CC-4BD78E09DC7B}"/>
+                </a:ext>
+              </a:extLst>
+            </p:cNvPr>
+            <p:cNvSpPr txBox="1"/>
+            <p:nvPr/>
+          </p:nvSpPr>
+          <p:spPr>
+            <a:xfrm>
+              <a:off x="4811620" y="2572915"/>
+              <a:ext cx="2138339" cy="276999"/>
+            </a:xfrm>
+            <a:prstGeom prst="rect">
+              <a:avLst/>
+            </a:prstGeom>
+            <a:noFill/>
+          </p:spPr>
+          <p:txBody>
+            <a:bodyPr wrap="square" rtlCol="0">
+              <a:spAutoFit/>
+            </a:bodyPr>
+            <a:lstStyle/>
+            <a:p>
+              <a:r>
+                <a:rPr lang="fr-FR" sz="1200" dirty="0">
+                  <a:solidFill>
+                    <a:schemeClr val="bg1"/>
+                  </a:solidFill>
+                </a:rPr>
+                <a:t>Features importance</a:t>
+              </a:r>
+            </a:p>
+          </p:txBody>
+        </p:sp>
+      </p:grpSp>
+      <p:sp>
+        <p:nvSpPr>
+          <p:cNvPr id="21" name="ZoneTexte 20">
+            <a:extLst>
+              <a:ext uri="{FF2B5EF4-FFF2-40B4-BE49-F238E27FC236}">
+                <a16:creationId xmlns:a16="http://schemas.microsoft.com/office/drawing/2014/main" id="{B6E5EC5A-153B-2642-B939-80E2BFFD09E1}"/>
+              </a:ext>
+            </a:extLst>
+          </p:cNvPr>
+          <p:cNvSpPr txBox="1"/>
+          <p:nvPr/>
+        </p:nvSpPr>
+        <p:spPr>
+          <a:xfrm>
+            <a:off x="8010876" y="2616188"/>
+            <a:ext cx="1133124" cy="2492990"/>
+          </a:xfrm>
+          <a:prstGeom prst="rect">
+            <a:avLst/>
+          </a:prstGeom>
+          <a:noFill/>
+        </p:spPr>
+        <p:txBody>
+          <a:bodyPr wrap="square" rtlCol="0">
+            <a:spAutoFit/>
+          </a:bodyPr>
+          <a:lstStyle/>
+          <a:p>
+            <a:r>
+              <a:rPr lang="fr-FR" sz="1200" i="1" dirty="0">
+                <a:solidFill>
+                  <a:srgbClr val="FFFF00"/>
+                </a:solidFill>
+              </a:rPr>
+              <a:t>On constate que ce sont les ressources extérieures qui ont le plus d’importance pour les prédictions, bien que leur pourcentage n’est pas élevé.</a:t>
+            </a:r>
+          </a:p>
+        </p:txBody>
+      </p:sp>
+    </p:spTree>
+    <p:extLst>
+      <p:ext uri="{BB962C8B-B14F-4D97-AF65-F5344CB8AC3E}">
+        <p14:creationId xmlns:p14="http://schemas.microsoft.com/office/powerpoint/2010/main" val="1013533125"/>
+      </p:ext>
+    </p:extLst>
+  </p:cSld>
+  <p:clrMapOvr>
+    <a:masterClrMapping/>
+  </p:clrMapOvr>
+</p:sld>
+</file>
+
+<file path=ppt/slides/slide12.xml><?xml version="1.0" encoding="utf-8"?>
+<p:sld xmlns:a="http://schemas.openxmlformats.org/drawingml/2006/main" xmlns:r="http://schemas.openxmlformats.org/officeDocument/2006/relationships" xmlns:p="http://schemas.openxmlformats.org/presentationml/2006/main">
+  <p:cSld>
+    <p:spTree>
+      <p:nvGrpSpPr>
+        <p:cNvPr id="1" name="Shape 570"/>
+        <p:cNvGrpSpPr/>
+        <p:nvPr/>
+      </p:nvGrpSpPr>
+      <p:grpSpPr>
+        <a:xfrm>
+          <a:off x="0" y="0"/>
+          <a:ext cx="0" cy="0"/>
+          <a:chOff x="0" y="0"/>
+          <a:chExt cx="0" cy="0"/>
+        </a:xfrm>
+      </p:grpSpPr>
+      <p:sp>
+        <p:nvSpPr>
+          <p:cNvPr id="8" name="Google Shape;507;p28">
+            <a:extLst>
+              <a:ext uri="{FF2B5EF4-FFF2-40B4-BE49-F238E27FC236}">
+                <a16:creationId xmlns:a16="http://schemas.microsoft.com/office/drawing/2014/main" id="{EB17A23D-C35B-A749-8D29-5C3B2C608BA0}"/>
+              </a:ext>
+            </a:extLst>
+          </p:cNvPr>
+          <p:cNvSpPr txBox="1">
+            <a:spLocks noGrp="1"/>
+          </p:cNvSpPr>
+          <p:nvPr>
+            <p:ph type="ctrTitle"/>
+          </p:nvPr>
+        </p:nvSpPr>
+        <p:spPr>
+          <a:xfrm>
+            <a:off x="0" y="0"/>
+            <a:ext cx="3263705" cy="577800"/>
+          </a:xfrm>
+          <a:prstGeom prst="rect">
+            <a:avLst/>
+          </a:prstGeom>
+        </p:spPr>
+        <p:txBody>
+          <a:bodyPr spcFirstLastPara="1" wrap="square" lIns="91425" tIns="91425" rIns="91425" bIns="91425" anchor="b" anchorCtr="0">
+            <a:noAutofit/>
+          </a:bodyPr>
+          <a:lstStyle/>
+          <a:p>
+            <a:r>
+              <a:rPr lang="fr-FR" b="1" dirty="0">
+                <a:solidFill>
+                  <a:schemeClr val="bg1"/>
+                </a:solidFill>
+                <a:latin typeface="Courier New" panose="02070309020205020404" pitchFamily="49" charset="0"/>
+                <a:cs typeface="Courier New" panose="02070309020205020404" pitchFamily="49" charset="0"/>
+              </a:rPr>
+              <a:t>04- Dashboard</a:t>
+            </a:r>
+          </a:p>
+        </p:txBody>
+      </p:sp>
+    </p:spTree>
+    <p:extLst>
+      <p:ext uri="{BB962C8B-B14F-4D97-AF65-F5344CB8AC3E}">
+        <p14:creationId xmlns:p14="http://schemas.microsoft.com/office/powerpoint/2010/main" val="1333631494"/>
+      </p:ext>
+    </p:extLst>
+  </p:cSld>
+  <p:clrMapOvr>
+    <a:masterClrMapping/>
+  </p:clrMapOvr>
+</p:sld>
+</file>
+
+<file path=ppt/slides/slide13.xml><?xml version="1.0" encoding="utf-8"?>
+<p:sld xmlns:a="http://schemas.openxmlformats.org/drawingml/2006/main" xmlns:r="http://schemas.openxmlformats.org/officeDocument/2006/relationships" xmlns:p="http://schemas.openxmlformats.org/presentationml/2006/main">
+  <p:cSld>
+    <p:spTree>
+      <p:nvGrpSpPr>
+        <p:cNvPr id="1" name="Shape 570"/>
+        <p:cNvGrpSpPr/>
+        <p:nvPr/>
+      </p:nvGrpSpPr>
+      <p:grpSpPr>
+        <a:xfrm>
+          <a:off x="0" y="0"/>
+          <a:ext cx="0" cy="0"/>
+          <a:chOff x="0" y="0"/>
+          <a:chExt cx="0" cy="0"/>
+        </a:xfrm>
+      </p:grpSpPr>
+      <p:sp>
+        <p:nvSpPr>
+          <p:cNvPr id="8" name="Google Shape;507;p28">
+            <a:extLst>
+              <a:ext uri="{FF2B5EF4-FFF2-40B4-BE49-F238E27FC236}">
+                <a16:creationId xmlns:a16="http://schemas.microsoft.com/office/drawing/2014/main" id="{EB17A23D-C35B-A749-8D29-5C3B2C608BA0}"/>
+              </a:ext>
+            </a:extLst>
+          </p:cNvPr>
+          <p:cNvSpPr txBox="1">
+            <a:spLocks noGrp="1"/>
+          </p:cNvSpPr>
+          <p:nvPr>
+            <p:ph type="ctrTitle"/>
+          </p:nvPr>
+        </p:nvSpPr>
+        <p:spPr>
+          <a:xfrm>
+            <a:off x="0" y="0"/>
+            <a:ext cx="3263705" cy="577800"/>
+          </a:xfrm>
+          <a:prstGeom prst="rect">
+            <a:avLst/>
+          </a:prstGeom>
+        </p:spPr>
+        <p:txBody>
+          <a:bodyPr spcFirstLastPara="1" wrap="square" lIns="91425" tIns="91425" rIns="91425" bIns="91425" anchor="b" anchorCtr="0">
+            <a:noAutofit/>
+          </a:bodyPr>
+          <a:lstStyle/>
+          <a:p>
+            <a:r>
+              <a:rPr lang="fr-FR" b="1" dirty="0">
+                <a:solidFill>
+                  <a:schemeClr val="bg1"/>
+                </a:solidFill>
+                <a:latin typeface="Courier New" panose="02070309020205020404" pitchFamily="49" charset="0"/>
+                <a:cs typeface="Courier New" panose="02070309020205020404" pitchFamily="49" charset="0"/>
+              </a:rPr>
+              <a:t>04- Dashboard</a:t>
+            </a:r>
+          </a:p>
+        </p:txBody>
+      </p:sp>
+    </p:spTree>
+    <p:extLst>
+      <p:ext uri="{BB962C8B-B14F-4D97-AF65-F5344CB8AC3E}">
+        <p14:creationId xmlns:p14="http://schemas.microsoft.com/office/powerpoint/2010/main" val="194339040"/>
+      </p:ext>
+    </p:extLst>
+  </p:cSld>
+  <p:clrMapOvr>
+    <a:masterClrMapping/>
+  </p:clrMapOvr>
+</p:sld>
+</file>
+
+<file path=ppt/slides/slide14.xml><?xml version="1.0" encoding="utf-8"?>
+<p:sld xmlns:a="http://schemas.openxmlformats.org/drawingml/2006/main" xmlns:r="http://schemas.openxmlformats.org/officeDocument/2006/relationships" xmlns:p="http://schemas.openxmlformats.org/presentationml/2006/main">
+  <p:cSld>
+    <p:spTree>
+      <p:nvGrpSpPr>
+        <p:cNvPr id="1" name="Shape 570"/>
+        <p:cNvGrpSpPr/>
+        <p:nvPr/>
+      </p:nvGrpSpPr>
+      <p:grpSpPr>
+        <a:xfrm>
+          <a:off x="0" y="0"/>
+          <a:ext cx="0" cy="0"/>
+          <a:chOff x="0" y="0"/>
+          <a:chExt cx="0" cy="0"/>
+        </a:xfrm>
+      </p:grpSpPr>
+      <p:sp>
+        <p:nvSpPr>
+          <p:cNvPr id="8" name="Google Shape;507;p28">
+            <a:extLst>
+              <a:ext uri="{FF2B5EF4-FFF2-40B4-BE49-F238E27FC236}">
+                <a16:creationId xmlns:a16="http://schemas.microsoft.com/office/drawing/2014/main" id="{EB17A23D-C35B-A749-8D29-5C3B2C608BA0}"/>
+              </a:ext>
+            </a:extLst>
+          </p:cNvPr>
+          <p:cNvSpPr txBox="1">
+            <a:spLocks noGrp="1"/>
+          </p:cNvSpPr>
+          <p:nvPr>
+            <p:ph type="ctrTitle"/>
+          </p:nvPr>
+        </p:nvSpPr>
+        <p:spPr>
+          <a:xfrm>
+            <a:off x="0" y="0"/>
+            <a:ext cx="3263705" cy="577800"/>
+          </a:xfrm>
+          <a:prstGeom prst="rect">
+            <a:avLst/>
+          </a:prstGeom>
+        </p:spPr>
+        <p:txBody>
+          <a:bodyPr spcFirstLastPara="1" wrap="square" lIns="91425" tIns="91425" rIns="91425" bIns="91425" anchor="b" anchorCtr="0">
+            <a:noAutofit/>
+          </a:bodyPr>
+          <a:lstStyle/>
+          <a:p>
+            <a:r>
+              <a:rPr lang="fr-FR" b="1" dirty="0">
+                <a:solidFill>
+                  <a:schemeClr val="bg1"/>
+                </a:solidFill>
+                <a:latin typeface="Courier New" panose="02070309020205020404" pitchFamily="49" charset="0"/>
+                <a:cs typeface="Courier New" panose="02070309020205020404" pitchFamily="49" charset="0"/>
+              </a:rPr>
+              <a:t>04- Dashboard</a:t>
+            </a:r>
+          </a:p>
+        </p:txBody>
+      </p:sp>
+    </p:spTree>
+    <p:extLst>
+      <p:ext uri="{BB962C8B-B14F-4D97-AF65-F5344CB8AC3E}">
+        <p14:creationId xmlns:p14="http://schemas.microsoft.com/office/powerpoint/2010/main" val="3820127664"/>
+      </p:ext>
+    </p:extLst>
+  </p:cSld>
+  <p:clrMapOvr>
+    <a:masterClrMapping/>
+  </p:clrMapOvr>
+</p:sld>
+</file>
+
+<file path=ppt/slides/slide15.xml><?xml version="1.0" encoding="utf-8"?>
+<p:sld xmlns:a="http://schemas.openxmlformats.org/drawingml/2006/main" xmlns:r="http://schemas.openxmlformats.org/officeDocument/2006/relationships" xmlns:p="http://schemas.openxmlformats.org/presentationml/2006/main">
+  <p:cSld>
+    <p:spTree>
+      <p:nvGrpSpPr>
+        <p:cNvPr id="1" name="Shape 570"/>
+        <p:cNvGrpSpPr/>
+        <p:nvPr/>
+      </p:nvGrpSpPr>
+      <p:grpSpPr>
+        <a:xfrm>
+          <a:off x="0" y="0"/>
+          <a:ext cx="0" cy="0"/>
+          <a:chOff x="0" y="0"/>
+          <a:chExt cx="0" cy="0"/>
+        </a:xfrm>
+      </p:grpSpPr>
+      <p:sp>
+        <p:nvSpPr>
+          <p:cNvPr id="18" name="Google Shape;507;p28">
+            <a:extLst>
+              <a:ext uri="{FF2B5EF4-FFF2-40B4-BE49-F238E27FC236}">
+                <a16:creationId xmlns:a16="http://schemas.microsoft.com/office/drawing/2014/main" id="{FC41FB7E-7DB8-4F4E-B0BC-FECD0A9A629B}"/>
+              </a:ext>
+            </a:extLst>
+          </p:cNvPr>
+          <p:cNvSpPr txBox="1">
+            <a:spLocks noGrp="1"/>
+          </p:cNvSpPr>
+          <p:nvPr>
+            <p:ph type="ctrTitle"/>
+          </p:nvPr>
+        </p:nvSpPr>
+        <p:spPr>
+          <a:xfrm>
+            <a:off x="1" y="0"/>
+            <a:ext cx="3110948" cy="577800"/>
+          </a:xfrm>
+          <a:prstGeom prst="rect">
+            <a:avLst/>
+          </a:prstGeom>
+        </p:spPr>
+        <p:txBody>
+          <a:bodyPr spcFirstLastPara="1" wrap="square" lIns="91425" tIns="91425" rIns="91425" bIns="91425" anchor="b" anchorCtr="0">
+            <a:noAutofit/>
+          </a:bodyPr>
+          <a:lstStyle/>
+          <a:p>
+            <a:r>
+              <a:rPr lang="fr-FR" b="1" dirty="0">
+                <a:solidFill>
+                  <a:schemeClr val="bg1"/>
+                </a:solidFill>
+                <a:latin typeface="Courier New" panose="02070309020205020404" pitchFamily="49" charset="0"/>
+                <a:cs typeface="Courier New" panose="02070309020205020404" pitchFamily="49" charset="0"/>
+              </a:rPr>
+              <a:t>05- Conclusions</a:t>
+            </a:r>
+          </a:p>
+        </p:txBody>
+      </p:sp>
+      <p:sp>
+        <p:nvSpPr>
+          <p:cNvPr id="4" name="ZoneTexte 3">
+            <a:extLst>
+              <a:ext uri="{FF2B5EF4-FFF2-40B4-BE49-F238E27FC236}">
+                <a16:creationId xmlns:a16="http://schemas.microsoft.com/office/drawing/2014/main" id="{92D61D8A-9A41-DF46-B3EC-942C6FE24F8B}"/>
+              </a:ext>
+            </a:extLst>
+          </p:cNvPr>
+          <p:cNvSpPr txBox="1"/>
+          <p:nvPr/>
+        </p:nvSpPr>
+        <p:spPr>
+          <a:xfrm>
+            <a:off x="228601" y="1779105"/>
+            <a:ext cx="8408504" cy="3323987"/>
+          </a:xfrm>
+          <a:prstGeom prst="rect">
+            <a:avLst/>
+          </a:prstGeom>
+          <a:noFill/>
+        </p:spPr>
+        <p:txBody>
+          <a:bodyPr wrap="square" rtlCol="0">
+            <a:spAutoFit/>
+          </a:bodyPr>
+          <a:lstStyle/>
+          <a:p>
+            <a:r>
+              <a:rPr lang="fr-FR" dirty="0">
+                <a:solidFill>
+                  <a:schemeClr val="bg1"/>
+                </a:solidFill>
+              </a:rPr>
+              <a:t>Nous avons pu constater tout au long de ce document que les performances du modèle ne sont pas bonnes. </a:t>
+            </a:r>
+          </a:p>
+          <a:p>
+            <a:r>
+              <a:rPr lang="fr-FR" dirty="0">
+                <a:solidFill>
+                  <a:schemeClr val="bg1"/>
+                </a:solidFill>
+              </a:rPr>
+              <a:t>Pour résumé́ : Au mieux, notre modèle peut trouver 52% des classes 1, et lorsqu’il en prédit une, il a raison à 15%.</a:t>
+            </a:r>
+          </a:p>
+          <a:p>
+            <a:endParaRPr lang="fr-FR" dirty="0">
+              <a:solidFill>
+                <a:schemeClr val="bg1"/>
+              </a:solidFill>
+            </a:endParaRPr>
+          </a:p>
+          <a:p>
+            <a:r>
+              <a:rPr lang="fr-FR" u="sng" dirty="0">
+                <a:solidFill>
+                  <a:schemeClr val="bg1"/>
+                </a:solidFill>
+              </a:rPr>
+              <a:t>Axe d’amélioration:</a:t>
+            </a:r>
+          </a:p>
+          <a:p>
+            <a:br>
+              <a:rPr lang="fr-FR" dirty="0">
+                <a:solidFill>
+                  <a:schemeClr val="bg1"/>
+                </a:solidFill>
+              </a:rPr>
+            </a:br>
+            <a:r>
+              <a:rPr lang="fr-FR" dirty="0">
+                <a:solidFill>
+                  <a:schemeClr val="bg1"/>
+                </a:solidFill>
+                <a:sym typeface="Wingdings" pitchFamily="2" charset="2"/>
+              </a:rPr>
+              <a:t> </a:t>
+            </a:r>
+            <a:r>
+              <a:rPr lang="fr-FR" dirty="0">
+                <a:solidFill>
+                  <a:schemeClr val="bg1"/>
+                </a:solidFill>
+              </a:rPr>
+              <a:t>Nous pouvons l’expliquer par le features engineering qui est à améliorer. En effet, le Kernel choisi est plutôt pauvre sur le traitement des données. Il ne se focalise que sur une seule table et ne crée pas beaucoup de variable qui peuvent être utiles à un modèle de classification comme des moyennes, des médianes, des écarts-types, et ça pour plusieurs features. Il existe peut- </a:t>
+            </a:r>
+            <a:r>
+              <a:rPr lang="fr-FR" dirty="0" err="1">
+                <a:solidFill>
+                  <a:schemeClr val="bg1"/>
+                </a:solidFill>
+              </a:rPr>
+              <a:t>être</a:t>
+            </a:r>
+            <a:r>
+              <a:rPr lang="fr-FR" dirty="0">
+                <a:solidFill>
+                  <a:schemeClr val="bg1"/>
+                </a:solidFill>
+              </a:rPr>
+              <a:t> un Kernel plus abouti qui permettra une meilleure performance prédictive au modèle. Sinon, prendre le temps de réaliser nous-même notre feature engineering, ce qui nous permettra de bien comprendre nos données et ainsi construire un feature engineering adapté à notre besoin. </a:t>
+            </a:r>
+          </a:p>
+          <a:p>
+            <a:endParaRPr lang="fr-FR" dirty="0">
+              <a:solidFill>
+                <a:schemeClr val="bg1"/>
+              </a:solidFill>
+            </a:endParaRPr>
+          </a:p>
+        </p:txBody>
+      </p:sp>
+    </p:spTree>
+    <p:extLst>
+      <p:ext uri="{BB962C8B-B14F-4D97-AF65-F5344CB8AC3E}">
+        <p14:creationId xmlns:p14="http://schemas.microsoft.com/office/powerpoint/2010/main" val="85179337"/>
+      </p:ext>
+    </p:extLst>
+  </p:cSld>
+  <p:clrMapOvr>
+    <a:masterClrMapping/>
+  </p:clrMapOvr>
+</p:sld>
+</file>
+
+<file path=ppt/slides/slide16.xml><?xml version="1.0" encoding="utf-8"?>
 <p:sld xmlns:a="http://schemas.openxmlformats.org/drawingml/2006/main" xmlns:r="http://schemas.openxmlformats.org/officeDocument/2006/relationships" xmlns:p="http://schemas.openxmlformats.org/presentationml/2006/main">
   <p:cSld>
     <p:spTree>
@@ -27919,6 +33059,690 @@
           </a:p>
         </p:txBody>
       </p:sp>
+      <p:pic>
+        <p:nvPicPr>
+          <p:cNvPr id="2" name="Image 1">
+            <a:extLst>
+              <a:ext uri="{FF2B5EF4-FFF2-40B4-BE49-F238E27FC236}">
+                <a16:creationId xmlns:a16="http://schemas.microsoft.com/office/drawing/2014/main" id="{2354683C-9499-D444-AD61-3E50A2074A21}"/>
+              </a:ext>
+            </a:extLst>
+          </p:cNvPr>
+          <p:cNvPicPr>
+            <a:picLocks noChangeAspect="1"/>
+          </p:cNvPicPr>
+          <p:nvPr/>
+        </p:nvPicPr>
+        <p:blipFill>
+          <a:blip r:embed="rId3"/>
+          <a:stretch>
+            <a:fillRect/>
+          </a:stretch>
+        </p:blipFill>
+        <p:spPr>
+          <a:xfrm>
+            <a:off x="303695" y="845347"/>
+            <a:ext cx="3520259" cy="486495"/>
+          </a:xfrm>
+          <a:prstGeom prst="rect">
+            <a:avLst/>
+          </a:prstGeom>
+        </p:spPr>
+      </p:pic>
+      <p:sp>
+        <p:nvSpPr>
+          <p:cNvPr id="3" name="Flèche vers la droite 2">
+            <a:extLst>
+              <a:ext uri="{FF2B5EF4-FFF2-40B4-BE49-F238E27FC236}">
+                <a16:creationId xmlns:a16="http://schemas.microsoft.com/office/drawing/2014/main" id="{2F429AD8-348A-5142-8CF4-287350C9CD9A}"/>
+              </a:ext>
+            </a:extLst>
+          </p:cNvPr>
+          <p:cNvSpPr/>
+          <p:nvPr/>
+        </p:nvSpPr>
+        <p:spPr>
+          <a:xfrm>
+            <a:off x="3916020" y="900271"/>
+            <a:ext cx="437320" cy="328511"/>
+          </a:xfrm>
+          <a:prstGeom prst="rightArrow">
+            <a:avLst/>
+          </a:prstGeom>
+        </p:spPr>
+        <p:style>
+          <a:lnRef idx="2">
+            <a:schemeClr val="accent1">
+              <a:shade val="50000"/>
+            </a:schemeClr>
+          </a:lnRef>
+          <a:fillRef idx="1">
+            <a:schemeClr val="accent1"/>
+          </a:fillRef>
+          <a:effectRef idx="0">
+            <a:schemeClr val="accent1"/>
+          </a:effectRef>
+          <a:fontRef idx="minor">
+            <a:schemeClr val="lt1"/>
+          </a:fontRef>
+        </p:style>
+        <p:txBody>
+          <a:bodyPr rtlCol="0" anchor="ctr"/>
+          <a:lstStyle/>
+          <a:p>
+            <a:pPr algn="ctr"/>
+            <a:endParaRPr lang="fr-FR"/>
+          </a:p>
+        </p:txBody>
+      </p:sp>
+      <p:grpSp>
+        <p:nvGrpSpPr>
+          <p:cNvPr id="19" name="Groupe 18">
+            <a:extLst>
+              <a:ext uri="{FF2B5EF4-FFF2-40B4-BE49-F238E27FC236}">
+                <a16:creationId xmlns:a16="http://schemas.microsoft.com/office/drawing/2014/main" id="{848885CA-627D-C44D-900E-C614266BDC60}"/>
+              </a:ext>
+            </a:extLst>
+          </p:cNvPr>
+          <p:cNvGrpSpPr/>
+          <p:nvPr/>
+        </p:nvGrpSpPr>
+        <p:grpSpPr>
+          <a:xfrm>
+            <a:off x="280132" y="577800"/>
+            <a:ext cx="8765394" cy="2268196"/>
+            <a:chOff x="280132" y="577800"/>
+            <a:chExt cx="8765394" cy="2268196"/>
+          </a:xfrm>
+        </p:grpSpPr>
+        <p:sp>
+          <p:nvSpPr>
+            <p:cNvPr id="4" name="ZoneTexte 3">
+              <a:extLst>
+                <a:ext uri="{FF2B5EF4-FFF2-40B4-BE49-F238E27FC236}">
+                  <a16:creationId xmlns:a16="http://schemas.microsoft.com/office/drawing/2014/main" id="{1201DA95-C5B7-5B45-BBA1-8CD0B49155EE}"/>
+                </a:ext>
+              </a:extLst>
+            </p:cNvPr>
+            <p:cNvSpPr txBox="1"/>
+            <p:nvPr/>
+          </p:nvSpPr>
+          <p:spPr>
+            <a:xfrm>
+              <a:off x="4524920" y="577800"/>
+              <a:ext cx="4520606" cy="1446550"/>
+            </a:xfrm>
+            <a:prstGeom prst="rect">
+              <a:avLst/>
+            </a:prstGeom>
+            <a:noFill/>
+          </p:spPr>
+          <p:txBody>
+            <a:bodyPr wrap="square" rtlCol="0">
+              <a:spAutoFit/>
+            </a:bodyPr>
+            <a:lstStyle/>
+            <a:p>
+              <a:r>
+                <a:rPr lang="fr-FR" sz="1100" b="1" u="sng" dirty="0">
+                  <a:solidFill>
+                    <a:schemeClr val="bg1"/>
+                  </a:solidFill>
+                </a:rPr>
+                <a:t>Analyse de nos modèles sur un jeu de données déséquilibrées :</a:t>
+              </a:r>
+              <a:endParaRPr lang="fr-FR" sz="1100" dirty="0">
+                <a:solidFill>
+                  <a:schemeClr val="bg1"/>
+                </a:solidFill>
+              </a:endParaRPr>
+            </a:p>
+            <a:p>
+              <a:endParaRPr lang="fr-FR" sz="1100" dirty="0">
+                <a:solidFill>
+                  <a:schemeClr val="bg1"/>
+                </a:solidFill>
+              </a:endParaRPr>
+            </a:p>
+            <a:p>
+              <a:r>
+                <a:rPr lang="fr-FR" sz="1100" dirty="0">
+                  <a:solidFill>
+                    <a:schemeClr val="bg1"/>
+                  </a:solidFill>
+                </a:rPr>
+                <a:t>On constate que le modèle </a:t>
+              </a:r>
+              <a:r>
+                <a:rPr lang="fr-FR" sz="1100" dirty="0" err="1">
+                  <a:solidFill>
+                    <a:schemeClr val="bg1"/>
+                  </a:solidFill>
+                </a:rPr>
+                <a:t>RandomForest</a:t>
+              </a:r>
+              <a:r>
+                <a:rPr lang="fr-FR" sz="1100" dirty="0">
+                  <a:solidFill>
+                    <a:schemeClr val="bg1"/>
+                  </a:solidFill>
+                </a:rPr>
+                <a:t> prédit des 0 pour les scores :la </a:t>
+              </a:r>
+              <a:r>
+                <a:rPr lang="fr-FR" sz="1100" dirty="0" err="1">
+                  <a:solidFill>
+                    <a:schemeClr val="bg1"/>
+                  </a:solidFill>
+                </a:rPr>
+                <a:t>Precision</a:t>
+              </a:r>
+              <a:r>
+                <a:rPr lang="fr-FR" sz="1100" dirty="0">
+                  <a:solidFill>
+                    <a:schemeClr val="bg1"/>
+                  </a:solidFill>
+                </a:rPr>
+                <a:t>, Recall et F1. Son </a:t>
+              </a:r>
+              <a:r>
+                <a:rPr lang="fr-FR" sz="1100" dirty="0" err="1">
+                  <a:solidFill>
+                    <a:schemeClr val="bg1"/>
+                  </a:solidFill>
+                </a:rPr>
+                <a:t>accuracy</a:t>
+              </a:r>
+              <a:r>
+                <a:rPr lang="fr-FR" sz="1100" dirty="0">
+                  <a:solidFill>
+                    <a:schemeClr val="bg1"/>
+                  </a:solidFill>
+                </a:rPr>
+                <a:t> est bonne mais nous cherchons à prédire si une Target sera égale à 1.</a:t>
+              </a:r>
+            </a:p>
+            <a:p>
+              <a:endParaRPr lang="fr-FR" sz="1100" dirty="0">
+                <a:solidFill>
+                  <a:schemeClr val="bg1"/>
+                </a:solidFill>
+              </a:endParaRPr>
+            </a:p>
+            <a:p>
+              <a:r>
+                <a:rPr lang="fr-FR" sz="1100" dirty="0">
+                  <a:solidFill>
+                    <a:schemeClr val="bg1"/>
+                  </a:solidFill>
+                </a:rPr>
+                <a:t>Les métriques sur lesquelles notre performance de modèle se focalisera sera : la </a:t>
+              </a:r>
+              <a:r>
+                <a:rPr lang="fr-FR" sz="1100" dirty="0" err="1">
+                  <a:solidFill>
+                    <a:schemeClr val="bg1"/>
+                  </a:solidFill>
+                </a:rPr>
+                <a:t>Precision</a:t>
+              </a:r>
+              <a:r>
+                <a:rPr lang="fr-FR" sz="1100" dirty="0">
+                  <a:solidFill>
+                    <a:schemeClr val="bg1"/>
+                  </a:solidFill>
+                </a:rPr>
+                <a:t>, le Recall, le Time et </a:t>
+              </a:r>
+              <a:r>
+                <a:rPr lang="fr-FR" sz="1100" dirty="0" err="1">
+                  <a:solidFill>
+                    <a:schemeClr val="bg1"/>
+                  </a:solidFill>
+                </a:rPr>
+                <a:t>Score_matrix</a:t>
+              </a:r>
+              <a:r>
+                <a:rPr lang="fr-FR" sz="1100" dirty="0">
+                  <a:solidFill>
+                    <a:schemeClr val="bg1"/>
+                  </a:solidFill>
+                </a:rPr>
+                <a:t>.</a:t>
+              </a:r>
+            </a:p>
+          </p:txBody>
+        </p:sp>
+        <p:sp>
+          <p:nvSpPr>
+            <p:cNvPr id="5" name="ZoneTexte 4">
+              <a:extLst>
+                <a:ext uri="{FF2B5EF4-FFF2-40B4-BE49-F238E27FC236}">
+                  <a16:creationId xmlns:a16="http://schemas.microsoft.com/office/drawing/2014/main" id="{E513CA40-2C81-6242-BDCD-5F4F9F6D1E4D}"/>
+                </a:ext>
+              </a:extLst>
+            </p:cNvPr>
+            <p:cNvSpPr txBox="1"/>
+            <p:nvPr/>
+          </p:nvSpPr>
+          <p:spPr>
+            <a:xfrm>
+              <a:off x="280132" y="1399446"/>
+              <a:ext cx="4937760" cy="1446550"/>
+            </a:xfrm>
+            <a:prstGeom prst="rect">
+              <a:avLst/>
+            </a:prstGeom>
+            <a:noFill/>
+          </p:spPr>
+          <p:txBody>
+            <a:bodyPr wrap="square" rtlCol="0">
+              <a:spAutoFit/>
+            </a:bodyPr>
+            <a:lstStyle/>
+            <a:p>
+              <a:r>
+                <a:rPr lang="fr-FR" sz="1100" b="1" u="sng" dirty="0">
+                  <a:solidFill>
+                    <a:schemeClr val="bg1"/>
+                  </a:solidFill>
+                </a:rPr>
+                <a:t>Métriques pour un modèle de classification :</a:t>
+              </a:r>
+            </a:p>
+            <a:p>
+              <a:endParaRPr lang="fr-FR" sz="1100" b="1" u="sng" dirty="0">
+                <a:solidFill>
+                  <a:schemeClr val="bg1"/>
+                </a:solidFill>
+              </a:endParaRPr>
+            </a:p>
+            <a:p>
+              <a:pPr marL="228600" indent="-228600">
+                <a:buClr>
+                  <a:schemeClr val="bg1"/>
+                </a:buClr>
+                <a:buFont typeface="+mj-lt"/>
+                <a:buAutoNum type="arabicPeriod"/>
+              </a:pPr>
+              <a:r>
+                <a:rPr lang="fr-FR" sz="1100" b="1" dirty="0" err="1">
+                  <a:solidFill>
+                    <a:schemeClr val="bg1"/>
+                  </a:solidFill>
+                </a:rPr>
+                <a:t>Accuracy</a:t>
+              </a:r>
+              <a:r>
+                <a:rPr lang="fr-FR" sz="1100" dirty="0">
+                  <a:solidFill>
+                    <a:schemeClr val="bg1"/>
+                  </a:solidFill>
+                </a:rPr>
+                <a:t> : La précision du modèle</a:t>
+              </a:r>
+            </a:p>
+            <a:p>
+              <a:pPr marL="228600" indent="-228600">
+                <a:buClr>
+                  <a:schemeClr val="bg1"/>
+                </a:buClr>
+                <a:buFont typeface="+mj-lt"/>
+                <a:buAutoNum type="arabicPeriod"/>
+              </a:pPr>
+              <a:r>
+                <a:rPr lang="fr-FR" sz="1100" b="1" dirty="0">
+                  <a:solidFill>
+                    <a:schemeClr val="bg1"/>
+                  </a:solidFill>
+                </a:rPr>
+                <a:t>F1_score</a:t>
+              </a:r>
+              <a:r>
+                <a:rPr lang="fr-FR" sz="1100" dirty="0">
+                  <a:solidFill>
+                    <a:schemeClr val="bg1"/>
+                  </a:solidFill>
+                </a:rPr>
+                <a:t> : Moyenne </a:t>
+              </a:r>
+              <a:r>
+                <a:rPr lang="fr-FR" sz="1100" i="1" dirty="0">
+                  <a:solidFill>
+                    <a:schemeClr val="bg1"/>
+                  </a:solidFill>
+                </a:rPr>
+                <a:t>harmonique</a:t>
+              </a:r>
+              <a:r>
+                <a:rPr lang="fr-FR" sz="1100" dirty="0">
+                  <a:solidFill>
+                    <a:schemeClr val="bg1"/>
+                  </a:solidFill>
+                </a:rPr>
+                <a:t> de la précision et du rappel</a:t>
+              </a:r>
+            </a:p>
+            <a:p>
+              <a:pPr marL="228600" indent="-228600">
+                <a:buClr>
+                  <a:schemeClr val="bg1"/>
+                </a:buClr>
+                <a:buFont typeface="+mj-lt"/>
+                <a:buAutoNum type="arabicPeriod"/>
+              </a:pPr>
+              <a:r>
+                <a:rPr lang="fr-FR" sz="1100" b="1" dirty="0" err="1">
+                  <a:solidFill>
+                    <a:schemeClr val="bg1"/>
+                  </a:solidFill>
+                </a:rPr>
+                <a:t>Precision</a:t>
+              </a:r>
+              <a:r>
+                <a:rPr lang="fr-FR" sz="1100" dirty="0">
+                  <a:solidFill>
+                    <a:schemeClr val="bg1"/>
+                  </a:solidFill>
+                </a:rPr>
+                <a:t> : Performance du modèle quand celui-ci déclare une classe 1 </a:t>
+              </a:r>
+            </a:p>
+            <a:p>
+              <a:pPr marL="228600" indent="-228600">
+                <a:buClr>
+                  <a:schemeClr val="bg1"/>
+                </a:buClr>
+                <a:buFont typeface="+mj-lt"/>
+                <a:buAutoNum type="arabicPeriod"/>
+              </a:pPr>
+              <a:r>
+                <a:rPr lang="fr-FR" sz="1100" b="1" dirty="0">
+                  <a:solidFill>
+                    <a:schemeClr val="bg1"/>
+                  </a:solidFill>
+                </a:rPr>
+                <a:t>Recall</a:t>
+              </a:r>
+              <a:r>
+                <a:rPr lang="fr-FR" sz="1100" dirty="0">
+                  <a:solidFill>
+                    <a:schemeClr val="bg1"/>
+                  </a:solidFill>
+                </a:rPr>
+                <a:t> : Pourcentage de détection des classes 1.</a:t>
+              </a:r>
+            </a:p>
+            <a:p>
+              <a:pPr marL="228600" indent="-228600">
+                <a:buClr>
+                  <a:schemeClr val="bg1"/>
+                </a:buClr>
+                <a:buFont typeface="+mj-lt"/>
+                <a:buAutoNum type="arabicPeriod"/>
+              </a:pPr>
+              <a:r>
+                <a:rPr lang="fr-FR" sz="1100" dirty="0" err="1">
+                  <a:solidFill>
+                    <a:schemeClr val="bg1"/>
+                  </a:solidFill>
+                </a:rPr>
+                <a:t>Score_matrix</a:t>
+              </a:r>
+              <a:r>
+                <a:rPr lang="fr-FR" sz="1100" dirty="0">
+                  <a:solidFill>
+                    <a:schemeClr val="bg1"/>
+                  </a:solidFill>
+                </a:rPr>
+                <a:t>: score du modèle pour un vrai négatif.</a:t>
+              </a:r>
+            </a:p>
+            <a:p>
+              <a:pPr marL="228600" indent="-228600">
+                <a:buClr>
+                  <a:schemeClr val="bg1"/>
+                </a:buClr>
+                <a:buFont typeface="+mj-lt"/>
+                <a:buAutoNum type="arabicPeriod"/>
+              </a:pPr>
+              <a:r>
+                <a:rPr lang="fr-FR" sz="1100" dirty="0">
+                  <a:solidFill>
+                    <a:schemeClr val="bg1"/>
+                  </a:solidFill>
+                </a:rPr>
+                <a:t> Time : Temps de traitement du modèle.</a:t>
+              </a:r>
+            </a:p>
+          </p:txBody>
+        </p:sp>
+        <p:sp>
+          <p:nvSpPr>
+            <p:cNvPr id="6" name="Rectangle 5">
+              <a:extLst>
+                <a:ext uri="{FF2B5EF4-FFF2-40B4-BE49-F238E27FC236}">
+                  <a16:creationId xmlns:a16="http://schemas.microsoft.com/office/drawing/2014/main" id="{96307297-6B47-0646-B04A-A657F0FD7DC6}"/>
+                </a:ext>
+              </a:extLst>
+            </p:cNvPr>
+            <p:cNvSpPr/>
+            <p:nvPr/>
+          </p:nvSpPr>
+          <p:spPr>
+            <a:xfrm>
+              <a:off x="303694" y="2080151"/>
+              <a:ext cx="4914197" cy="723275"/>
+            </a:xfrm>
+            <a:prstGeom prst="rect">
+              <a:avLst/>
+            </a:prstGeom>
+            <a:noFill/>
+            <a:ln>
+              <a:solidFill>
+                <a:srgbClr val="FF0000"/>
+              </a:solidFill>
+            </a:ln>
+          </p:spPr>
+          <p:style>
+            <a:lnRef idx="2">
+              <a:schemeClr val="accent1">
+                <a:shade val="50000"/>
+              </a:schemeClr>
+            </a:lnRef>
+            <a:fillRef idx="1">
+              <a:schemeClr val="accent1"/>
+            </a:fillRef>
+            <a:effectRef idx="0">
+              <a:schemeClr val="accent1"/>
+            </a:effectRef>
+            <a:fontRef idx="minor">
+              <a:schemeClr val="lt1"/>
+            </a:fontRef>
+          </p:style>
+          <p:txBody>
+            <a:bodyPr rtlCol="0" anchor="ctr"/>
+            <a:lstStyle/>
+            <a:p>
+              <a:pPr algn="ctr"/>
+              <a:endParaRPr lang="fr-FR" dirty="0"/>
+            </a:p>
+          </p:txBody>
+        </p:sp>
+        <p:sp>
+          <p:nvSpPr>
+            <p:cNvPr id="12" name="Rectangle 11">
+              <a:extLst>
+                <a:ext uri="{FF2B5EF4-FFF2-40B4-BE49-F238E27FC236}">
+                  <a16:creationId xmlns:a16="http://schemas.microsoft.com/office/drawing/2014/main" id="{8C6C89C9-ED8E-2B4A-9389-F41C1E5A8119}"/>
+                </a:ext>
+              </a:extLst>
+            </p:cNvPr>
+            <p:cNvSpPr/>
+            <p:nvPr/>
+          </p:nvSpPr>
+          <p:spPr>
+            <a:xfrm>
+              <a:off x="4524920" y="1546597"/>
+              <a:ext cx="4411284" cy="477754"/>
+            </a:xfrm>
+            <a:prstGeom prst="rect">
+              <a:avLst/>
+            </a:prstGeom>
+            <a:noFill/>
+            <a:ln>
+              <a:solidFill>
+                <a:srgbClr val="FF0000"/>
+              </a:solidFill>
+            </a:ln>
+          </p:spPr>
+          <p:style>
+            <a:lnRef idx="2">
+              <a:schemeClr val="accent1">
+                <a:shade val="50000"/>
+              </a:schemeClr>
+            </a:lnRef>
+            <a:fillRef idx="1">
+              <a:schemeClr val="accent1"/>
+            </a:fillRef>
+            <a:effectRef idx="0">
+              <a:schemeClr val="accent1"/>
+            </a:effectRef>
+            <a:fontRef idx="minor">
+              <a:schemeClr val="lt1"/>
+            </a:fontRef>
+          </p:style>
+          <p:txBody>
+            <a:bodyPr rtlCol="0" anchor="ctr"/>
+            <a:lstStyle/>
+            <a:p>
+              <a:pPr algn="ctr"/>
+              <a:endParaRPr lang="fr-FR" dirty="0"/>
+            </a:p>
+          </p:txBody>
+        </p:sp>
+        <p:cxnSp>
+          <p:nvCxnSpPr>
+            <p:cNvPr id="14" name="Connecteur en angle 13">
+              <a:extLst>
+                <a:ext uri="{FF2B5EF4-FFF2-40B4-BE49-F238E27FC236}">
+                  <a16:creationId xmlns:a16="http://schemas.microsoft.com/office/drawing/2014/main" id="{849BD612-0C55-A64B-B5F9-5806E0A1E828}"/>
+                </a:ext>
+              </a:extLst>
+            </p:cNvPr>
+            <p:cNvCxnSpPr>
+              <a:cxnSpLocks/>
+              <a:endCxn id="6" idx="3"/>
+            </p:cNvCxnSpPr>
+            <p:nvPr/>
+          </p:nvCxnSpPr>
+          <p:spPr>
+            <a:xfrm rot="10800000" flipV="1">
+              <a:off x="5217891" y="2080153"/>
+              <a:ext cx="725710" cy="361636"/>
+            </a:xfrm>
+            <a:prstGeom prst="bentConnector3">
+              <a:avLst>
+                <a:gd name="adj1" fmla="val -674"/>
+              </a:avLst>
+            </a:prstGeom>
+            <a:ln w="25400">
+              <a:solidFill>
+                <a:srgbClr val="FF0000"/>
+              </a:solidFill>
+              <a:tailEnd type="triangle"/>
+            </a:ln>
+          </p:spPr>
+          <p:style>
+            <a:lnRef idx="1">
+              <a:schemeClr val="accent1"/>
+            </a:lnRef>
+            <a:fillRef idx="0">
+              <a:schemeClr val="accent1"/>
+            </a:fillRef>
+            <a:effectRef idx="0">
+              <a:schemeClr val="accent1"/>
+            </a:effectRef>
+            <a:fontRef idx="minor">
+              <a:schemeClr val="tx1"/>
+            </a:fontRef>
+          </p:style>
+        </p:cxnSp>
+      </p:grpSp>
+      <p:graphicFrame>
+        <p:nvGraphicFramePr>
+          <p:cNvPr id="22" name="Diagramme 21">
+            <a:extLst>
+              <a:ext uri="{FF2B5EF4-FFF2-40B4-BE49-F238E27FC236}">
+                <a16:creationId xmlns:a16="http://schemas.microsoft.com/office/drawing/2014/main" id="{3492DE56-0D39-E948-935A-1AB01E08D4E6}"/>
+              </a:ext>
+            </a:extLst>
+          </p:cNvPr>
+          <p:cNvGraphicFramePr/>
+          <p:nvPr>
+            <p:extLst>
+              <p:ext uri="{D42A27DB-BD31-4B8C-83A1-F6EECF244321}">
+                <p14:modId xmlns:p14="http://schemas.microsoft.com/office/powerpoint/2010/main" val="1367099597"/>
+              </p:ext>
+            </p:extLst>
+          </p:nvPr>
+        </p:nvGraphicFramePr>
+        <p:xfrm>
+          <a:off x="3722129" y="3526701"/>
+          <a:ext cx="2039380" cy="1242288"/>
+        </p:xfrm>
+        <a:graphic>
+          <a:graphicData uri="http://schemas.openxmlformats.org/drawingml/2006/diagram">
+            <dgm:relIds xmlns:dgm="http://schemas.openxmlformats.org/drawingml/2006/diagram" xmlns:r="http://schemas.openxmlformats.org/officeDocument/2006/relationships" r:dm="rId4" r:lo="rId5" r:qs="rId6" r:cs="rId7"/>
+          </a:graphicData>
+        </a:graphic>
+      </p:graphicFrame>
+      <p:sp>
+        <p:nvSpPr>
+          <p:cNvPr id="24" name="ZoneTexte 23">
+            <a:extLst>
+              <a:ext uri="{FF2B5EF4-FFF2-40B4-BE49-F238E27FC236}">
+                <a16:creationId xmlns:a16="http://schemas.microsoft.com/office/drawing/2014/main" id="{9815B856-94DC-8948-A1AB-784CA82F9B74}"/>
+              </a:ext>
+            </a:extLst>
+          </p:cNvPr>
+          <p:cNvSpPr txBox="1"/>
+          <p:nvPr/>
+        </p:nvSpPr>
+        <p:spPr>
+          <a:xfrm>
+            <a:off x="2129177" y="3016660"/>
+            <a:ext cx="4858399" cy="577081"/>
+          </a:xfrm>
+          <a:prstGeom prst="rect">
+            <a:avLst/>
+          </a:prstGeom>
+          <a:noFill/>
+        </p:spPr>
+        <p:txBody>
+          <a:bodyPr wrap="square" rtlCol="0">
+            <a:spAutoFit/>
+          </a:bodyPr>
+          <a:lstStyle/>
+          <a:p>
+            <a:r>
+              <a:rPr lang="fr-FR" sz="1050" dirty="0">
+                <a:solidFill>
+                  <a:schemeClr val="bg1"/>
+                </a:solidFill>
+              </a:rPr>
+              <a:t>On a une problématique d’un jeu de données  fortement déséquilibrées où 91,7% des clients ne représentant pas de risque pour rembourser leurs prêts.</a:t>
+            </a:r>
+          </a:p>
+          <a:p>
+            <a:endParaRPr lang="fr-FR" sz="1050" dirty="0">
+              <a:solidFill>
+                <a:schemeClr val="bg1"/>
+              </a:solidFill>
+            </a:endParaRPr>
+          </a:p>
+        </p:txBody>
+      </p:sp>
     </p:spTree>
     <p:extLst>
       <p:ext uri="{BB962C8B-B14F-4D97-AF65-F5344CB8AC3E}">
@@ -27951,10 +33775,10 @@
       </p:grpSpPr>
       <p:sp>
         <p:nvSpPr>
-          <p:cNvPr id="18" name="Google Shape;507;p28">
+          <p:cNvPr id="8" name="Google Shape;507;p28">
             <a:extLst>
               <a:ext uri="{FF2B5EF4-FFF2-40B4-BE49-F238E27FC236}">
-                <a16:creationId xmlns:a16="http://schemas.microsoft.com/office/drawing/2014/main" id="{FC41FB7E-7DB8-4F4E-B0BC-FECD0A9A629B}"/>
+                <a16:creationId xmlns:a16="http://schemas.microsoft.com/office/drawing/2014/main" id="{EB17A23D-C35B-A749-8D29-5C3B2C608BA0}"/>
               </a:ext>
             </a:extLst>
           </p:cNvPr>
@@ -27967,8 +33791,8 @@
         </p:nvSpPr>
         <p:spPr>
           <a:xfrm>
-            <a:off x="1" y="0"/>
-            <a:ext cx="3110948" cy="577800"/>
+            <a:off x="0" y="0"/>
+            <a:ext cx="3263705" cy="577800"/>
           </a:xfrm>
           <a:prstGeom prst="rect">
             <a:avLst/>
@@ -27988,17 +33812,309 @@
                 <a:latin typeface="Courier New" panose="02070309020205020404" pitchFamily="49" charset="0"/>
                 <a:cs typeface="Courier New" panose="02070309020205020404" pitchFamily="49" charset="0"/>
               </a:rPr>
-              <a:t>04- Conclusions</a:t>
+              <a:t>03- Modélisation</a:t>
             </a:r>
           </a:p>
         </p:txBody>
       </p:sp>
       <p:sp>
         <p:nvSpPr>
-          <p:cNvPr id="2" name="ZoneTexte 1">
+          <p:cNvPr id="9" name="Google Shape;507;p28">
             <a:extLst>
               <a:ext uri="{FF2B5EF4-FFF2-40B4-BE49-F238E27FC236}">
-                <a16:creationId xmlns:a16="http://schemas.microsoft.com/office/drawing/2014/main" id="{AF79DDFA-A874-3945-B55A-82C8FC4E667B}"/>
+                <a16:creationId xmlns:a16="http://schemas.microsoft.com/office/drawing/2014/main" id="{40DBCF56-2504-A24A-A78B-359CBE42A7B1}"/>
+              </a:ext>
+            </a:extLst>
+          </p:cNvPr>
+          <p:cNvSpPr txBox="1">
+            <a:spLocks/>
+          </p:cNvSpPr>
+          <p:nvPr/>
+        </p:nvSpPr>
+        <p:spPr>
+          <a:xfrm>
+            <a:off x="3263705" y="267548"/>
+            <a:ext cx="2787053" cy="310252"/>
+          </a:xfrm>
+          <a:prstGeom prst="rect">
+            <a:avLst/>
+          </a:prstGeom>
+          <a:noFill/>
+          <a:ln>
+            <a:noFill/>
+          </a:ln>
+        </p:spPr>
+        <p:txBody>
+          <a:bodyPr spcFirstLastPara="1" wrap="square" lIns="91425" tIns="91425" rIns="91425" bIns="91425" anchor="b" anchorCtr="0">
+            <a:noAutofit/>
+          </a:bodyPr>
+          <a:lstStyle>
+            <a:defPPr marR="0" lvl="0" algn="l" rtl="0">
+              <a:lnSpc>
+                <a:spcPct val="100000"/>
+              </a:lnSpc>
+              <a:spcBef>
+                <a:spcPts val="0"/>
+              </a:spcBef>
+              <a:spcAft>
+                <a:spcPts val="0"/>
+              </a:spcAft>
+            </a:defPPr>
+            <a:lvl1pPr marR="0" lvl="0" algn="l" rtl="0">
+              <a:lnSpc>
+                <a:spcPct val="100000"/>
+              </a:lnSpc>
+              <a:spcBef>
+                <a:spcPts val="0"/>
+              </a:spcBef>
+              <a:spcAft>
+                <a:spcPts val="0"/>
+              </a:spcAft>
+              <a:buClr>
+                <a:srgbClr val="000000"/>
+              </a:buClr>
+              <a:buSzPts val="1800"/>
+              <a:buFont typeface="Fira Sans Condensed Medium"/>
+              <a:buNone/>
+              <a:defRPr sz="2400" b="0" i="0" u="none" strike="noStrike" cap="none">
+                <a:solidFill>
+                  <a:schemeClr val="lt1"/>
+                </a:solidFill>
+                <a:latin typeface="Share Tech"/>
+                <a:ea typeface="Share Tech"/>
+                <a:cs typeface="Share Tech"/>
+                <a:sym typeface="Share Tech"/>
+              </a:defRPr>
+            </a:lvl1pPr>
+            <a:lvl2pPr marR="0" lvl="1" algn="ctr" rtl="0">
+              <a:lnSpc>
+                <a:spcPct val="100000"/>
+              </a:lnSpc>
+              <a:spcBef>
+                <a:spcPts val="0"/>
+              </a:spcBef>
+              <a:spcAft>
+                <a:spcPts val="0"/>
+              </a:spcAft>
+              <a:buClr>
+                <a:srgbClr val="000000"/>
+              </a:buClr>
+              <a:buSzPts val="1800"/>
+              <a:buFont typeface="Fira Sans Condensed Medium"/>
+              <a:buNone/>
+              <a:defRPr sz="1800" b="0" i="0" u="none" strike="noStrike" cap="none">
+                <a:solidFill>
+                  <a:srgbClr val="000000"/>
+                </a:solidFill>
+                <a:latin typeface="Fira Sans Condensed Medium"/>
+                <a:ea typeface="Fira Sans Condensed Medium"/>
+                <a:cs typeface="Fira Sans Condensed Medium"/>
+                <a:sym typeface="Fira Sans Condensed Medium"/>
+              </a:defRPr>
+            </a:lvl2pPr>
+            <a:lvl3pPr marR="0" lvl="2" algn="ctr" rtl="0">
+              <a:lnSpc>
+                <a:spcPct val="100000"/>
+              </a:lnSpc>
+              <a:spcBef>
+                <a:spcPts val="0"/>
+              </a:spcBef>
+              <a:spcAft>
+                <a:spcPts val="0"/>
+              </a:spcAft>
+              <a:buClr>
+                <a:srgbClr val="000000"/>
+              </a:buClr>
+              <a:buSzPts val="1800"/>
+              <a:buFont typeface="Fira Sans Condensed Medium"/>
+              <a:buNone/>
+              <a:defRPr sz="1800" b="0" i="0" u="none" strike="noStrike" cap="none">
+                <a:solidFill>
+                  <a:srgbClr val="000000"/>
+                </a:solidFill>
+                <a:latin typeface="Fira Sans Condensed Medium"/>
+                <a:ea typeface="Fira Sans Condensed Medium"/>
+                <a:cs typeface="Fira Sans Condensed Medium"/>
+                <a:sym typeface="Fira Sans Condensed Medium"/>
+              </a:defRPr>
+            </a:lvl3pPr>
+            <a:lvl4pPr marR="0" lvl="3" algn="ctr" rtl="0">
+              <a:lnSpc>
+                <a:spcPct val="100000"/>
+              </a:lnSpc>
+              <a:spcBef>
+                <a:spcPts val="0"/>
+              </a:spcBef>
+              <a:spcAft>
+                <a:spcPts val="0"/>
+              </a:spcAft>
+              <a:buClr>
+                <a:srgbClr val="000000"/>
+              </a:buClr>
+              <a:buSzPts val="1800"/>
+              <a:buFont typeface="Fira Sans Condensed Medium"/>
+              <a:buNone/>
+              <a:defRPr sz="1800" b="0" i="0" u="none" strike="noStrike" cap="none">
+                <a:solidFill>
+                  <a:srgbClr val="000000"/>
+                </a:solidFill>
+                <a:latin typeface="Fira Sans Condensed Medium"/>
+                <a:ea typeface="Fira Sans Condensed Medium"/>
+                <a:cs typeface="Fira Sans Condensed Medium"/>
+                <a:sym typeface="Fira Sans Condensed Medium"/>
+              </a:defRPr>
+            </a:lvl4pPr>
+            <a:lvl5pPr marR="0" lvl="4" algn="ctr" rtl="0">
+              <a:lnSpc>
+                <a:spcPct val="100000"/>
+              </a:lnSpc>
+              <a:spcBef>
+                <a:spcPts val="0"/>
+              </a:spcBef>
+              <a:spcAft>
+                <a:spcPts val="0"/>
+              </a:spcAft>
+              <a:buClr>
+                <a:srgbClr val="000000"/>
+              </a:buClr>
+              <a:buSzPts val="1800"/>
+              <a:buFont typeface="Fira Sans Condensed Medium"/>
+              <a:buNone/>
+              <a:defRPr sz="1800" b="0" i="0" u="none" strike="noStrike" cap="none">
+                <a:solidFill>
+                  <a:srgbClr val="000000"/>
+                </a:solidFill>
+                <a:latin typeface="Fira Sans Condensed Medium"/>
+                <a:ea typeface="Fira Sans Condensed Medium"/>
+                <a:cs typeface="Fira Sans Condensed Medium"/>
+                <a:sym typeface="Fira Sans Condensed Medium"/>
+              </a:defRPr>
+            </a:lvl5pPr>
+            <a:lvl6pPr marR="0" lvl="5" algn="ctr" rtl="0">
+              <a:lnSpc>
+                <a:spcPct val="100000"/>
+              </a:lnSpc>
+              <a:spcBef>
+                <a:spcPts val="0"/>
+              </a:spcBef>
+              <a:spcAft>
+                <a:spcPts val="0"/>
+              </a:spcAft>
+              <a:buClr>
+                <a:srgbClr val="000000"/>
+              </a:buClr>
+              <a:buSzPts val="1800"/>
+              <a:buFont typeface="Fira Sans Condensed Medium"/>
+              <a:buNone/>
+              <a:defRPr sz="1800" b="0" i="0" u="none" strike="noStrike" cap="none">
+                <a:solidFill>
+                  <a:srgbClr val="000000"/>
+                </a:solidFill>
+                <a:latin typeface="Fira Sans Condensed Medium"/>
+                <a:ea typeface="Fira Sans Condensed Medium"/>
+                <a:cs typeface="Fira Sans Condensed Medium"/>
+                <a:sym typeface="Fira Sans Condensed Medium"/>
+              </a:defRPr>
+            </a:lvl6pPr>
+            <a:lvl7pPr marR="0" lvl="6" algn="ctr" rtl="0">
+              <a:lnSpc>
+                <a:spcPct val="100000"/>
+              </a:lnSpc>
+              <a:spcBef>
+                <a:spcPts val="0"/>
+              </a:spcBef>
+              <a:spcAft>
+                <a:spcPts val="0"/>
+              </a:spcAft>
+              <a:buClr>
+                <a:srgbClr val="000000"/>
+              </a:buClr>
+              <a:buSzPts val="1800"/>
+              <a:buFont typeface="Fira Sans Condensed Medium"/>
+              <a:buNone/>
+              <a:defRPr sz="1800" b="0" i="0" u="none" strike="noStrike" cap="none">
+                <a:solidFill>
+                  <a:srgbClr val="000000"/>
+                </a:solidFill>
+                <a:latin typeface="Fira Sans Condensed Medium"/>
+                <a:ea typeface="Fira Sans Condensed Medium"/>
+                <a:cs typeface="Fira Sans Condensed Medium"/>
+                <a:sym typeface="Fira Sans Condensed Medium"/>
+              </a:defRPr>
+            </a:lvl7pPr>
+            <a:lvl8pPr marR="0" lvl="7" algn="ctr" rtl="0">
+              <a:lnSpc>
+                <a:spcPct val="100000"/>
+              </a:lnSpc>
+              <a:spcBef>
+                <a:spcPts val="0"/>
+              </a:spcBef>
+              <a:spcAft>
+                <a:spcPts val="0"/>
+              </a:spcAft>
+              <a:buClr>
+                <a:srgbClr val="000000"/>
+              </a:buClr>
+              <a:buSzPts val="1800"/>
+              <a:buFont typeface="Fira Sans Condensed Medium"/>
+              <a:buNone/>
+              <a:defRPr sz="1800" b="0" i="0" u="none" strike="noStrike" cap="none">
+                <a:solidFill>
+                  <a:srgbClr val="000000"/>
+                </a:solidFill>
+                <a:latin typeface="Fira Sans Condensed Medium"/>
+                <a:ea typeface="Fira Sans Condensed Medium"/>
+                <a:cs typeface="Fira Sans Condensed Medium"/>
+                <a:sym typeface="Fira Sans Condensed Medium"/>
+              </a:defRPr>
+            </a:lvl8pPr>
+            <a:lvl9pPr marR="0" lvl="8" algn="ctr" rtl="0">
+              <a:lnSpc>
+                <a:spcPct val="100000"/>
+              </a:lnSpc>
+              <a:spcBef>
+                <a:spcPts val="0"/>
+              </a:spcBef>
+              <a:spcAft>
+                <a:spcPts val="0"/>
+              </a:spcAft>
+              <a:buClr>
+                <a:srgbClr val="000000"/>
+              </a:buClr>
+              <a:buSzPts val="1800"/>
+              <a:buFont typeface="Fira Sans Condensed Medium"/>
+              <a:buNone/>
+              <a:defRPr sz="1800" b="0" i="0" u="none" strike="noStrike" cap="none">
+                <a:solidFill>
+                  <a:srgbClr val="000000"/>
+                </a:solidFill>
+                <a:latin typeface="Fira Sans Condensed Medium"/>
+                <a:ea typeface="Fira Sans Condensed Medium"/>
+                <a:cs typeface="Fira Sans Condensed Medium"/>
+                <a:sym typeface="Fira Sans Condensed Medium"/>
+              </a:defRPr>
+            </a:lvl9pPr>
+          </a:lstStyle>
+          <a:p>
+            <a:r>
+              <a:rPr lang="fr-FR" sz="1600" b="1" dirty="0">
+                <a:solidFill>
+                  <a:srgbClr val="FFFF00"/>
+                </a:solidFill>
+                <a:latin typeface="Courier New" panose="02070309020205020404" pitchFamily="49" charset="0"/>
+                <a:cs typeface="Courier New" panose="02070309020205020404" pitchFamily="49" charset="0"/>
+              </a:rPr>
+              <a:t>Analyse des résultats</a:t>
+            </a:r>
+          </a:p>
+        </p:txBody>
+      </p:sp>
+      <p:sp>
+        <p:nvSpPr>
+          <p:cNvPr id="10" name="ZoneTexte 9">
+            <a:extLst>
+              <a:ext uri="{FF2B5EF4-FFF2-40B4-BE49-F238E27FC236}">
+                <a16:creationId xmlns:a16="http://schemas.microsoft.com/office/drawing/2014/main" id="{A9DC5072-B95E-5B4E-9499-CB9AA160E3D2}"/>
               </a:ext>
             </a:extLst>
           </p:cNvPr>
@@ -28007,8 +34123,8 @@
         </p:nvSpPr>
         <p:spPr>
           <a:xfrm>
-            <a:off x="735114" y="682428"/>
-            <a:ext cx="8220707" cy="369332"/>
+            <a:off x="136097" y="662468"/>
+            <a:ext cx="5249161" cy="3323987"/>
           </a:xfrm>
           <a:prstGeom prst="rect">
             <a:avLst/>
@@ -28021,31 +34137,164 @@
           </a:bodyPr>
           <a:lstStyle/>
           <a:p>
-            <a:pPr>
-              <a:buClr>
-                <a:schemeClr val="bg1"/>
-              </a:buClr>
-            </a:pPr>
             <a:r>
-              <a:rPr lang="fr-FR" sz="1800" dirty="0" err="1">
+              <a:rPr lang="fr-FR" dirty="0">
                 <a:solidFill>
                   <a:schemeClr val="bg1"/>
                 </a:solidFill>
               </a:rPr>
-              <a:t>rtrt</a:t>
+              <a:t>La matrice de confusion est un outil de mesure de la performance des modèles de classification à 2 classes ou plus. Dans notre cas à deux classes (binaires), la matrice de confusion est un tableau à 4 valeurs représentant les différentes combinaisons de valeurs réelles et valeurs prédites comme dans la figure , à droite.</a:t>
             </a:r>
-            <a:endParaRPr lang="fr-FR" sz="1800" dirty="0">
+          </a:p>
+          <a:p>
+            <a:endParaRPr lang="fr-FR" dirty="0">
               <a:solidFill>
                 <a:schemeClr val="bg1"/>
               </a:solidFill>
             </a:endParaRPr>
           </a:p>
+          <a:p>
+            <a:r>
+              <a:rPr lang="fr-FR" dirty="0">
+                <a:solidFill>
+                  <a:srgbClr val="FFFF00"/>
+                </a:solidFill>
+                <a:sym typeface="Wingdings" pitchFamily="2" charset="2"/>
+              </a:rPr>
+              <a:t></a:t>
+            </a:r>
+            <a:r>
+              <a:rPr lang="fr-FR" dirty="0">
+                <a:solidFill>
+                  <a:srgbClr val="FFFF00"/>
+                </a:solidFill>
+              </a:rPr>
+              <a:t>True Negative : prédiction de 0 difficulté de paiement et client sans difficulté de paiement;</a:t>
+            </a:r>
+          </a:p>
+          <a:p>
+            <a:r>
+              <a:rPr lang="fr-FR" dirty="0">
+                <a:solidFill>
+                  <a:srgbClr val="FFFF00"/>
+                </a:solidFill>
+                <a:sym typeface="Wingdings" pitchFamily="2" charset="2"/>
+              </a:rPr>
+              <a:t></a:t>
+            </a:r>
+            <a:r>
+              <a:rPr lang="fr-FR" dirty="0">
+                <a:solidFill>
+                  <a:srgbClr val="FFFF00"/>
+                </a:solidFill>
+              </a:rPr>
+              <a:t>False Positive : prédiction de difficulté de paiement mais client sans difficulté de paiement;</a:t>
+            </a:r>
+          </a:p>
+          <a:p>
+            <a:r>
+              <a:rPr lang="fr-FR" dirty="0">
+                <a:solidFill>
+                  <a:srgbClr val="FFFF00"/>
+                </a:solidFill>
+                <a:sym typeface="Wingdings" pitchFamily="2" charset="2"/>
+              </a:rPr>
+              <a:t></a:t>
+            </a:r>
+            <a:r>
+              <a:rPr lang="fr-FR" dirty="0">
+                <a:solidFill>
+                  <a:srgbClr val="FFFF00"/>
+                </a:solidFill>
+              </a:rPr>
+              <a:t>False Negative: prédiction de 0 difficulté de paiement mais client avec de difficulté de paiement;</a:t>
+            </a:r>
+          </a:p>
+          <a:p>
+            <a:r>
+              <a:rPr lang="fr-FR" dirty="0">
+                <a:solidFill>
+                  <a:srgbClr val="FFFF00"/>
+                </a:solidFill>
+                <a:sym typeface="Wingdings" pitchFamily="2" charset="2"/>
+              </a:rPr>
+              <a:t></a:t>
+            </a:r>
+            <a:r>
+              <a:rPr lang="fr-FR" dirty="0">
+                <a:solidFill>
+                  <a:srgbClr val="FFFF00"/>
+                </a:solidFill>
+              </a:rPr>
+              <a:t>True Positive: prédiction de difficulté de paiement et client avec difficulté de paiement;</a:t>
+            </a:r>
+          </a:p>
         </p:txBody>
       </p:sp>
+      <p:pic>
+        <p:nvPicPr>
+          <p:cNvPr id="11" name="Image 10">
+            <a:extLst>
+              <a:ext uri="{FF2B5EF4-FFF2-40B4-BE49-F238E27FC236}">
+                <a16:creationId xmlns:a16="http://schemas.microsoft.com/office/drawing/2014/main" id="{6916F3D8-9499-2645-B18A-B1AA2FBA563E}"/>
+              </a:ext>
+            </a:extLst>
+          </p:cNvPr>
+          <p:cNvPicPr>
+            <a:picLocks noChangeAspect="1"/>
+          </p:cNvPicPr>
+          <p:nvPr/>
+        </p:nvPicPr>
+        <p:blipFill>
+          <a:blip r:embed="rId3"/>
+          <a:stretch>
+            <a:fillRect/>
+          </a:stretch>
+        </p:blipFill>
+        <p:spPr>
+          <a:xfrm>
+            <a:off x="5385257" y="749095"/>
+            <a:ext cx="3658197" cy="1506317"/>
+          </a:xfrm>
+          <a:prstGeom prst="rect">
+            <a:avLst/>
+          </a:prstGeom>
+        </p:spPr>
+      </p:pic>
+      <p:pic>
+        <p:nvPicPr>
+          <p:cNvPr id="13" name="Image 12">
+            <a:extLst>
+              <a:ext uri="{FF2B5EF4-FFF2-40B4-BE49-F238E27FC236}">
+                <a16:creationId xmlns:a16="http://schemas.microsoft.com/office/drawing/2014/main" id="{A12257F7-E482-CF41-B75F-BC469E9C62AE}"/>
+              </a:ext>
+            </a:extLst>
+          </p:cNvPr>
+          <p:cNvPicPr>
+            <a:picLocks noChangeAspect="1"/>
+          </p:cNvPicPr>
+          <p:nvPr/>
+        </p:nvPicPr>
+        <p:blipFill>
+          <a:blip r:embed="rId4"/>
+          <a:stretch>
+            <a:fillRect/>
+          </a:stretch>
+        </p:blipFill>
+        <p:spPr>
+          <a:xfrm>
+            <a:off x="5385257" y="2342039"/>
+            <a:ext cx="3566238" cy="2764224"/>
+          </a:xfrm>
+          <a:prstGeom prst="rect">
+            <a:avLst/>
+          </a:prstGeom>
+        </p:spPr>
+      </p:pic>
     </p:spTree>
     <p:extLst>
       <p:ext uri="{BB962C8B-B14F-4D97-AF65-F5344CB8AC3E}">
-        <p14:creationId xmlns:p14="http://schemas.microsoft.com/office/powerpoint/2010/main" val="85179337"/>
+        <p14:creationId xmlns:p14="http://schemas.microsoft.com/office/powerpoint/2010/main" val="586495318"/>
       </p:ext>
     </p:extLst>
   </p:cSld>
